--- a/wordcloud.pptx
+++ b/wordcloud.pptx
@@ -11,11 +11,11 @@
   <p:sldIdLst>
     <p:sldId id="257" r:id="rId3"/>
     <p:sldId id="260" r:id="rId4"/>
-    <p:sldId id="258" r:id="rId5"/>
-    <p:sldId id="259" r:id="rId6"/>
-    <p:sldId id="261" r:id="rId7"/>
-    <p:sldId id="278" r:id="rId8"/>
-    <p:sldId id="262" r:id="rId9"/>
+    <p:sldId id="261" r:id="rId5"/>
+    <p:sldId id="262" r:id="rId6"/>
+    <p:sldId id="258" r:id="rId7"/>
+    <p:sldId id="259" r:id="rId8"/>
+    <p:sldId id="278" r:id="rId9"/>
     <p:sldId id="264" r:id="rId10"/>
     <p:sldId id="263" r:id="rId11"/>
     <p:sldId id="265" r:id="rId12"/>
@@ -27046,7 +27046,41 @@
                 <a:cs typeface="+mn-ea"/>
                 <a:sym typeface="+mn-lt"/>
               </a:rPr>
-              <a:t>领域摸索、爱学习、爱分享的全栈工程师。</a:t>
+              <a:t>领域摸索、爱学习、爱分享的</a:t>
+            </a:r>
+            <a:r>
+              <a:rPr lang="zh-CN" altLang="en-US" sz="1400" dirty="0">
+                <a:solidFill>
+                  <a:srgbClr val="E7E6E6">
+                    <a:lumMod val="50000"/>
+                  </a:srgbClr>
+                </a:solidFill>
+                <a:latin typeface="Arial"/>
+                <a:ea typeface="微软雅黑"/>
+                <a:cs typeface="+mn-ea"/>
+                <a:sym typeface="+mn-lt"/>
+              </a:rPr>
+              <a:t>前端</a:t>
+            </a:r>
+            <a:r>
+              <a:rPr kumimoji="0" lang="zh-CN" altLang="en-US" sz="1400" b="0" i="0" u="none" strike="noStrike" kern="1200" cap="none" spc="0" normalizeH="0" baseline="0" noProof="0" dirty="0">
+                <a:ln>
+                  <a:noFill/>
+                </a:ln>
+                <a:solidFill>
+                  <a:srgbClr val="E7E6E6">
+                    <a:lumMod val="50000"/>
+                  </a:srgbClr>
+                </a:solidFill>
+                <a:effectLst/>
+                <a:uLnTx/>
+                <a:uFillTx/>
+                <a:latin typeface="Arial"/>
+                <a:ea typeface="微软雅黑"/>
+                <a:cs typeface="+mn-ea"/>
+                <a:sym typeface="+mn-lt"/>
+              </a:rPr>
+              <a:t>工程师</a:t>
             </a:r>
             <a:endParaRPr kumimoji="0" lang="en-US" altLang="zh-CN" sz="1400" b="0" i="0" u="none" strike="noStrike" kern="1200" cap="none" spc="0" normalizeH="0" baseline="0" noProof="0" dirty="0">
               <a:ln>
@@ -38695,7 +38729,7 @@
           <p:spPr>
             <a:xfrm>
               <a:off x="-3366" y="0"/>
-              <a:ext cx="3248371" cy="747132"/>
+              <a:ext cx="4533163" cy="747132"/>
             </a:xfrm>
             <a:custGeom>
               <a:avLst/>
@@ -38829,9 +38863,9 @@
           <p:grpSpPr>
             <a:xfrm>
               <a:off x="223081" y="92220"/>
-              <a:ext cx="2339102" cy="654912"/>
+              <a:ext cx="4126451" cy="654912"/>
               <a:chOff x="234232" y="124119"/>
-              <a:chExt cx="2339102" cy="654912"/>
+              <a:chExt cx="4126451" cy="654912"/>
             </a:xfrm>
           </p:grpSpPr>
           <p:sp>
@@ -38843,7 +38877,7 @@
             <p:spPr>
               <a:xfrm>
                 <a:off x="234232" y="124119"/>
-                <a:ext cx="2339102" cy="461665"/>
+                <a:ext cx="800219" cy="461665"/>
               </a:xfrm>
               <a:prstGeom prst="rect">
                 <a:avLst/>
@@ -38864,7 +38898,7 @@
                     <a:cs typeface="+mn-ea"/>
                     <a:sym typeface="+mn-lt"/>
                   </a:rPr>
-                  <a:t>选题背景与意义</a:t>
+                  <a:t>词云</a:t>
                 </a:r>
               </a:p>
             </p:txBody>
@@ -38878,7 +38912,7 @@
             <p:spPr>
               <a:xfrm>
                 <a:off x="234232" y="517421"/>
-                <a:ext cx="748923" cy="261610"/>
+                <a:ext cx="4126451" cy="261610"/>
               </a:xfrm>
               <a:prstGeom prst="rect">
                 <a:avLst/>
@@ -38899,593 +38933,33 @@
                     <a:cs typeface="+mn-ea"/>
                     <a:sym typeface="+mn-lt"/>
                   </a:rPr>
-                  <a:t>木子正兴</a:t>
+                  <a:t>木子正兴，一个正在</a:t>
+                </a:r>
+                <a:r>
+                  <a:rPr lang="en-US" altLang="zh-CN" sz="1100" dirty="0">
+                    <a:solidFill>
+                      <a:schemeClr val="bg1"/>
+                    </a:solidFill>
+                    <a:cs typeface="+mn-ea"/>
+                    <a:sym typeface="+mn-lt"/>
+                  </a:rPr>
+                  <a:t>AI</a:t>
+                </a:r>
+                <a:r>
+                  <a:rPr lang="zh-CN" altLang="en-US" sz="1100" dirty="0">
+                    <a:solidFill>
+                      <a:schemeClr val="bg1"/>
+                    </a:solidFill>
+                    <a:cs typeface="+mn-ea"/>
+                    <a:sym typeface="+mn-lt"/>
+                  </a:rPr>
+                  <a:t>领域摸索、爱学习、爱分享的前端工程师</a:t>
                 </a:r>
               </a:p>
             </p:txBody>
           </p:sp>
         </p:grpSp>
       </p:grpSp>
-      <p:grpSp>
-        <p:nvGrpSpPr>
-          <p:cNvPr id="20" name="组合 19"/>
-          <p:cNvGrpSpPr/>
-          <p:nvPr/>
-        </p:nvGrpSpPr>
-        <p:grpSpPr>
-          <a:xfrm>
-            <a:off x="606939" y="1773693"/>
-            <a:ext cx="5934946" cy="4005669"/>
-            <a:chOff x="820436" y="1873406"/>
-            <a:chExt cx="5339791" cy="3603981"/>
-          </a:xfrm>
-        </p:grpSpPr>
-        <p:pic>
-          <p:nvPicPr>
-            <p:cNvPr id="15" name="图片 14"/>
-            <p:cNvPicPr>
-              <a:picLocks noChangeAspect="1"/>
-            </p:cNvPicPr>
-            <p:nvPr/>
-          </p:nvPicPr>
-          <p:blipFill rotWithShape="1">
-            <a:blip r:embed="rId2" cstate="print">
-              <a:extLst>
-                <a:ext uri="{28A0092B-C50C-407E-A947-70E740481C1C}">
-                  <a14:useLocalDpi xmlns:a14="http://schemas.microsoft.com/office/drawing/2010/main" val="0"/>
-                </a:ext>
-              </a:extLst>
-            </a:blip>
-            <a:srcRect b="6267"/>
-            <a:stretch>
-              <a:fillRect/>
-            </a:stretch>
-          </p:blipFill>
-          <p:spPr>
-            <a:xfrm>
-              <a:off x="3490332" y="3668751"/>
-              <a:ext cx="2669895" cy="1808636"/>
-            </a:xfrm>
-            <a:prstGeom prst="rect">
-              <a:avLst/>
-            </a:prstGeom>
-          </p:spPr>
-        </p:pic>
-        <p:pic>
-          <p:nvPicPr>
-            <p:cNvPr id="17" name="图片 16"/>
-            <p:cNvPicPr>
-              <a:picLocks noChangeAspect="1"/>
-            </p:cNvPicPr>
-            <p:nvPr/>
-          </p:nvPicPr>
-          <p:blipFill rotWithShape="1">
-            <a:blip r:embed="rId3" cstate="print">
-              <a:extLst>
-                <a:ext uri="{28A0092B-C50C-407E-A947-70E740481C1C}">
-                  <a14:useLocalDpi xmlns:a14="http://schemas.microsoft.com/office/drawing/2010/main" val="0"/>
-                </a:ext>
-              </a:extLst>
-            </a:blip>
-            <a:srcRect t="35862" b="34057"/>
-            <a:stretch>
-              <a:fillRect/>
-            </a:stretch>
-          </p:blipFill>
-          <p:spPr>
-            <a:xfrm>
-              <a:off x="820437" y="1873406"/>
-              <a:ext cx="2669895" cy="1795345"/>
-            </a:xfrm>
-            <a:prstGeom prst="rect">
-              <a:avLst/>
-            </a:prstGeom>
-          </p:spPr>
-        </p:pic>
-        <p:sp>
-          <p:nvSpPr>
-            <p:cNvPr id="18" name="矩形 17"/>
-            <p:cNvSpPr/>
-            <p:nvPr/>
-          </p:nvSpPr>
-          <p:spPr>
-            <a:xfrm>
-              <a:off x="3490332" y="1873406"/>
-              <a:ext cx="2669895" cy="1795345"/>
-            </a:xfrm>
-            <a:prstGeom prst="rect">
-              <a:avLst/>
-            </a:prstGeom>
-            <a:solidFill>
-              <a:srgbClr val="9D9AAB"/>
-            </a:solidFill>
-            <a:ln>
-              <a:noFill/>
-            </a:ln>
-          </p:spPr>
-          <p:style>
-            <a:lnRef idx="2">
-              <a:schemeClr val="accent1">
-                <a:shade val="50000"/>
-              </a:schemeClr>
-            </a:lnRef>
-            <a:fillRef idx="1">
-              <a:schemeClr val="accent1"/>
-            </a:fillRef>
-            <a:effectRef idx="0">
-              <a:schemeClr val="accent1"/>
-            </a:effectRef>
-            <a:fontRef idx="minor">
-              <a:schemeClr val="lt1"/>
-            </a:fontRef>
-          </p:style>
-          <p:txBody>
-            <a:bodyPr rtlCol="0" anchor="ctr"/>
-            <a:lstStyle/>
-            <a:p>
-              <a:pPr algn="ctr"/>
-              <a:endParaRPr lang="zh-CN" altLang="en-US">
-                <a:cs typeface="+mn-ea"/>
-                <a:sym typeface="+mn-lt"/>
-              </a:endParaRPr>
-            </a:p>
-          </p:txBody>
-        </p:sp>
-        <p:sp>
-          <p:nvSpPr>
-            <p:cNvPr id="19" name="矩形 18"/>
-            <p:cNvSpPr/>
-            <p:nvPr/>
-          </p:nvSpPr>
-          <p:spPr>
-            <a:xfrm>
-              <a:off x="820436" y="3668751"/>
-              <a:ext cx="2669895" cy="1795345"/>
-            </a:xfrm>
-            <a:prstGeom prst="rect">
-              <a:avLst/>
-            </a:prstGeom>
-            <a:solidFill>
-              <a:srgbClr val="E6E1DF"/>
-            </a:solidFill>
-            <a:ln>
-              <a:noFill/>
-            </a:ln>
-          </p:spPr>
-          <p:style>
-            <a:lnRef idx="2">
-              <a:schemeClr val="accent1">
-                <a:shade val="50000"/>
-              </a:schemeClr>
-            </a:lnRef>
-            <a:fillRef idx="1">
-              <a:schemeClr val="accent1"/>
-            </a:fillRef>
-            <a:effectRef idx="0">
-              <a:schemeClr val="accent1"/>
-            </a:effectRef>
-            <a:fontRef idx="minor">
-              <a:schemeClr val="lt1"/>
-            </a:fontRef>
-          </p:style>
-          <p:txBody>
-            <a:bodyPr rtlCol="0" anchor="ctr"/>
-            <a:lstStyle/>
-            <a:p>
-              <a:pPr algn="ctr"/>
-              <a:endParaRPr lang="zh-CN" altLang="en-US">
-                <a:cs typeface="+mn-ea"/>
-                <a:sym typeface="+mn-lt"/>
-              </a:endParaRPr>
-            </a:p>
-          </p:txBody>
-        </p:sp>
-      </p:grpSp>
-      <p:grpSp>
-        <p:nvGrpSpPr>
-          <p:cNvPr id="21" name="组合 20"/>
-          <p:cNvGrpSpPr/>
-          <p:nvPr/>
-        </p:nvGrpSpPr>
-        <p:grpSpPr>
-          <a:xfrm>
-            <a:off x="3653675" y="2102894"/>
-            <a:ext cx="2619109" cy="1615827"/>
-            <a:chOff x="3653675" y="2102894"/>
-            <a:chExt cx="2619109" cy="1615827"/>
-          </a:xfrm>
-        </p:grpSpPr>
-        <p:sp>
-          <p:nvSpPr>
-            <p:cNvPr id="5" name="文本框 4"/>
-            <p:cNvSpPr txBox="1"/>
-            <p:nvPr/>
-          </p:nvSpPr>
-          <p:spPr>
-            <a:xfrm>
-              <a:off x="3653675" y="2102894"/>
-              <a:ext cx="1005403" cy="338554"/>
-            </a:xfrm>
-            <a:prstGeom prst="rect">
-              <a:avLst/>
-            </a:prstGeom>
-            <a:noFill/>
-          </p:spPr>
-          <p:txBody>
-            <a:bodyPr wrap="none" rtlCol="0">
-              <a:spAutoFit/>
-            </a:bodyPr>
-            <a:lstStyle/>
-            <a:p>
-              <a:r>
-                <a:rPr lang="zh-CN" altLang="en-US" sz="1600" b="1" dirty="0">
-                  <a:solidFill>
-                    <a:schemeClr val="bg1"/>
-                  </a:solidFill>
-                  <a:cs typeface="+mn-ea"/>
-                  <a:sym typeface="+mn-lt"/>
-                </a:rPr>
-                <a:t>国外研究</a:t>
-              </a:r>
-            </a:p>
-          </p:txBody>
-        </p:sp>
-        <p:sp>
-          <p:nvSpPr>
-            <p:cNvPr id="16" name="文本框 15"/>
-            <p:cNvSpPr txBox="1"/>
-            <p:nvPr/>
-          </p:nvSpPr>
-          <p:spPr>
-            <a:xfrm>
-              <a:off x="3653676" y="2441448"/>
-              <a:ext cx="2619108" cy="1277273"/>
-            </a:xfrm>
-            <a:prstGeom prst="rect">
-              <a:avLst/>
-            </a:prstGeom>
-            <a:noFill/>
-          </p:spPr>
-          <p:txBody>
-            <a:bodyPr wrap="square" rtlCol="0">
-              <a:spAutoFit/>
-            </a:bodyPr>
-            <a:lstStyle/>
-            <a:p>
-              <a:r>
-                <a:rPr lang="zh-CN" altLang="en-US" sz="1100" dirty="0">
-                  <a:solidFill>
-                    <a:schemeClr val="bg1"/>
-                  </a:solidFill>
-                  <a:cs typeface="+mn-ea"/>
-                  <a:sym typeface="+mn-lt"/>
-                </a:rPr>
-                <a:t>您的内容打在这里，或者通过复制您的文本并悬着只保留文本。您的内容打在这里，或者通过复制您的文本并悬着只保留文本。您的内容打在这里，或者通过复制您的文本并悬着只保留文本。</a:t>
-              </a:r>
-            </a:p>
-            <a:p>
-              <a:endParaRPr lang="zh-CN" altLang="en-US" sz="1100" dirty="0">
-                <a:solidFill>
-                  <a:schemeClr val="bg1"/>
-                </a:solidFill>
-                <a:cs typeface="+mn-ea"/>
-                <a:sym typeface="+mn-lt"/>
-              </a:endParaRPr>
-            </a:p>
-            <a:p>
-              <a:endParaRPr lang="zh-CN" altLang="en-US" sz="1100" dirty="0">
-                <a:solidFill>
-                  <a:schemeClr val="bg1"/>
-                </a:solidFill>
-                <a:cs typeface="+mn-ea"/>
-                <a:sym typeface="+mn-lt"/>
-              </a:endParaRPr>
-            </a:p>
-          </p:txBody>
-        </p:sp>
-      </p:grpSp>
-      <p:grpSp>
-        <p:nvGrpSpPr>
-          <p:cNvPr id="22" name="组合 21"/>
-          <p:cNvGrpSpPr/>
-          <p:nvPr/>
-        </p:nvGrpSpPr>
-        <p:grpSpPr>
-          <a:xfrm>
-            <a:off x="781120" y="3987788"/>
-            <a:ext cx="2619109" cy="1615827"/>
-            <a:chOff x="3653675" y="2102894"/>
-            <a:chExt cx="2619109" cy="1615827"/>
-          </a:xfrm>
-        </p:grpSpPr>
-        <p:sp>
-          <p:nvSpPr>
-            <p:cNvPr id="23" name="文本框 22"/>
-            <p:cNvSpPr txBox="1"/>
-            <p:nvPr/>
-          </p:nvSpPr>
-          <p:spPr>
-            <a:xfrm>
-              <a:off x="3653675" y="2102894"/>
-              <a:ext cx="1005403" cy="338554"/>
-            </a:xfrm>
-            <a:prstGeom prst="rect">
-              <a:avLst/>
-            </a:prstGeom>
-            <a:noFill/>
-          </p:spPr>
-          <p:txBody>
-            <a:bodyPr wrap="none" rtlCol="0">
-              <a:spAutoFit/>
-            </a:bodyPr>
-            <a:lstStyle/>
-            <a:p>
-              <a:r>
-                <a:rPr lang="zh-CN" altLang="en-US" sz="1600" b="1" dirty="0">
-                  <a:solidFill>
-                    <a:schemeClr val="bg1"/>
-                  </a:solidFill>
-                  <a:cs typeface="+mn-ea"/>
-                  <a:sym typeface="+mn-lt"/>
-                </a:rPr>
-                <a:t>国外研究</a:t>
-              </a:r>
-            </a:p>
-          </p:txBody>
-        </p:sp>
-        <p:sp>
-          <p:nvSpPr>
-            <p:cNvPr id="24" name="文本框 23"/>
-            <p:cNvSpPr txBox="1"/>
-            <p:nvPr/>
-          </p:nvSpPr>
-          <p:spPr>
-            <a:xfrm>
-              <a:off x="3653676" y="2441448"/>
-              <a:ext cx="2619108" cy="1277273"/>
-            </a:xfrm>
-            <a:prstGeom prst="rect">
-              <a:avLst/>
-            </a:prstGeom>
-            <a:noFill/>
-          </p:spPr>
-          <p:txBody>
-            <a:bodyPr wrap="square" rtlCol="0">
-              <a:spAutoFit/>
-            </a:bodyPr>
-            <a:lstStyle/>
-            <a:p>
-              <a:r>
-                <a:rPr lang="zh-CN" altLang="en-US" sz="1100" dirty="0">
-                  <a:solidFill>
-                    <a:schemeClr val="bg1"/>
-                  </a:solidFill>
-                  <a:cs typeface="+mn-ea"/>
-                  <a:sym typeface="+mn-lt"/>
-                </a:rPr>
-                <a:t>您的内容打在这里，或者通过复制您的文本并悬着只保留文本。您的内容打在这里，或者通过复制您的文本并悬着只保留文本。您的内容打在这里，或者通过复制您的文本并悬着只保留文本。</a:t>
-              </a:r>
-            </a:p>
-            <a:p>
-              <a:endParaRPr lang="zh-CN" altLang="en-US" sz="1100" dirty="0">
-                <a:solidFill>
-                  <a:schemeClr val="bg1"/>
-                </a:solidFill>
-                <a:cs typeface="+mn-ea"/>
-                <a:sym typeface="+mn-lt"/>
-              </a:endParaRPr>
-            </a:p>
-            <a:p>
-              <a:endParaRPr lang="zh-CN" altLang="en-US" sz="1100" dirty="0">
-                <a:solidFill>
-                  <a:schemeClr val="bg1"/>
-                </a:solidFill>
-                <a:cs typeface="+mn-ea"/>
-                <a:sym typeface="+mn-lt"/>
-              </a:endParaRPr>
-            </a:p>
-          </p:txBody>
-        </p:sp>
-      </p:grpSp>
-      <p:sp>
-        <p:nvSpPr>
-          <p:cNvPr id="26" name="文本框 25"/>
-          <p:cNvSpPr txBox="1"/>
-          <p:nvPr/>
-        </p:nvSpPr>
-        <p:spPr>
-          <a:xfrm>
-            <a:off x="7060952" y="1758345"/>
-            <a:ext cx="1415772" cy="461665"/>
-          </a:xfrm>
-          <a:prstGeom prst="rect">
-            <a:avLst/>
-          </a:prstGeom>
-          <a:noFill/>
-        </p:spPr>
-        <p:txBody>
-          <a:bodyPr wrap="none" rtlCol="0">
-            <a:spAutoFit/>
-          </a:bodyPr>
-          <a:lstStyle/>
-          <a:p>
-            <a:r>
-              <a:rPr lang="zh-CN" altLang="en-US" sz="2400" b="1" dirty="0">
-                <a:solidFill>
-                  <a:schemeClr val="bg2">
-                    <a:lumMod val="50000"/>
-                  </a:schemeClr>
-                </a:solidFill>
-                <a:cs typeface="+mn-ea"/>
-                <a:sym typeface="+mn-lt"/>
-              </a:rPr>
-              <a:t>选题背景</a:t>
-            </a:r>
-          </a:p>
-        </p:txBody>
-      </p:sp>
-      <p:sp>
-        <p:nvSpPr>
-          <p:cNvPr id="27" name="文本框 26"/>
-          <p:cNvSpPr txBox="1"/>
-          <p:nvPr/>
-        </p:nvSpPr>
-        <p:spPr>
-          <a:xfrm>
-            <a:off x="7060952" y="2250997"/>
-            <a:ext cx="4643368" cy="2031325"/>
-          </a:xfrm>
-          <a:prstGeom prst="rect">
-            <a:avLst/>
-          </a:prstGeom>
-          <a:noFill/>
-        </p:spPr>
-        <p:txBody>
-          <a:bodyPr wrap="square" rtlCol="0">
-            <a:spAutoFit/>
-          </a:bodyPr>
-          <a:lstStyle/>
-          <a:p>
-            <a:r>
-              <a:rPr lang="zh-CN" altLang="en-US" sz="1400" dirty="0">
-                <a:solidFill>
-                  <a:schemeClr val="bg2">
-                    <a:lumMod val="50000"/>
-                  </a:schemeClr>
-                </a:solidFill>
-                <a:cs typeface="+mn-ea"/>
-                <a:sym typeface="+mn-lt"/>
-              </a:rPr>
-              <a:t>您的内容打在这里，或者通过复制您的文本并悬着只保留文本。您的内容打在这里，或者通过复制您的文本并悬着只保留文本。您的内容打在这里，或者通过复制您的文本并悬着只保留文本。您的内容打在这里，或者通过复制您的文本并悬着只保留文本。</a:t>
-            </a:r>
-          </a:p>
-          <a:p>
-            <a:endParaRPr lang="zh-CN" altLang="en-US" sz="1400" dirty="0">
-              <a:solidFill>
-                <a:schemeClr val="bg2">
-                  <a:lumMod val="50000"/>
-                </a:schemeClr>
-              </a:solidFill>
-              <a:cs typeface="+mn-ea"/>
-              <a:sym typeface="+mn-lt"/>
-            </a:endParaRPr>
-          </a:p>
-          <a:p>
-            <a:endParaRPr lang="zh-CN" altLang="en-US" sz="1400" dirty="0">
-              <a:solidFill>
-                <a:schemeClr val="bg2">
-                  <a:lumMod val="50000"/>
-                </a:schemeClr>
-              </a:solidFill>
-              <a:cs typeface="+mn-ea"/>
-              <a:sym typeface="+mn-lt"/>
-            </a:endParaRPr>
-          </a:p>
-          <a:p>
-            <a:endParaRPr lang="zh-CN" altLang="en-US" sz="1400" dirty="0">
-              <a:solidFill>
-                <a:schemeClr val="bg2">
-                  <a:lumMod val="50000"/>
-                </a:schemeClr>
-              </a:solidFill>
-              <a:cs typeface="+mn-ea"/>
-              <a:sym typeface="+mn-lt"/>
-            </a:endParaRPr>
-          </a:p>
-          <a:p>
-            <a:endParaRPr lang="zh-CN" altLang="en-US" sz="1400" dirty="0">
-              <a:solidFill>
-                <a:schemeClr val="bg2">
-                  <a:lumMod val="50000"/>
-                </a:schemeClr>
-              </a:solidFill>
-              <a:cs typeface="+mn-ea"/>
-              <a:sym typeface="+mn-lt"/>
-            </a:endParaRPr>
-          </a:p>
-        </p:txBody>
-      </p:sp>
-      <p:sp>
-        <p:nvSpPr>
-          <p:cNvPr id="28" name="文本框 27"/>
-          <p:cNvSpPr txBox="1"/>
-          <p:nvPr/>
-        </p:nvSpPr>
-        <p:spPr>
-          <a:xfrm>
-            <a:off x="7060952" y="3733264"/>
-            <a:ext cx="4643368" cy="2031325"/>
-          </a:xfrm>
-          <a:prstGeom prst="rect">
-            <a:avLst/>
-          </a:prstGeom>
-          <a:noFill/>
-        </p:spPr>
-        <p:txBody>
-          <a:bodyPr wrap="square" rtlCol="0">
-            <a:spAutoFit/>
-          </a:bodyPr>
-          <a:lstStyle/>
-          <a:p>
-            <a:r>
-              <a:rPr lang="zh-CN" altLang="en-US" sz="1400" dirty="0">
-                <a:solidFill>
-                  <a:schemeClr val="bg2">
-                    <a:lumMod val="50000"/>
-                  </a:schemeClr>
-                </a:solidFill>
-                <a:cs typeface="+mn-ea"/>
-                <a:sym typeface="+mn-lt"/>
-              </a:rPr>
-              <a:t>您的内容打在这里，或者通过复制您的文本并悬着只保留文本。您的内容打在这里，或者通过复制您的文本并悬着只保留文本。您的内容打在这里，或者通过复制您的文本并悬着只保留文本。您的内容打在这里，或者通过复制您的文本并悬着只保留文本。</a:t>
-            </a:r>
-          </a:p>
-          <a:p>
-            <a:endParaRPr lang="zh-CN" altLang="en-US" sz="1400" dirty="0">
-              <a:solidFill>
-                <a:schemeClr val="bg2">
-                  <a:lumMod val="50000"/>
-                </a:schemeClr>
-              </a:solidFill>
-              <a:cs typeface="+mn-ea"/>
-              <a:sym typeface="+mn-lt"/>
-            </a:endParaRPr>
-          </a:p>
-          <a:p>
-            <a:endParaRPr lang="zh-CN" altLang="en-US" sz="1400" dirty="0">
-              <a:solidFill>
-                <a:schemeClr val="bg2">
-                  <a:lumMod val="50000"/>
-                </a:schemeClr>
-              </a:solidFill>
-              <a:cs typeface="+mn-ea"/>
-              <a:sym typeface="+mn-lt"/>
-            </a:endParaRPr>
-          </a:p>
-          <a:p>
-            <a:endParaRPr lang="zh-CN" altLang="en-US" sz="1400" dirty="0">
-              <a:solidFill>
-                <a:schemeClr val="bg2">
-                  <a:lumMod val="50000"/>
-                </a:schemeClr>
-              </a:solidFill>
-              <a:cs typeface="+mn-ea"/>
-              <a:sym typeface="+mn-lt"/>
-            </a:endParaRPr>
-          </a:p>
-          <a:p>
-            <a:endParaRPr lang="zh-CN" altLang="en-US" sz="1400" dirty="0">
-              <a:solidFill>
-                <a:schemeClr val="bg2">
-                  <a:lumMod val="50000"/>
-                </a:schemeClr>
-              </a:solidFill>
-              <a:cs typeface="+mn-ea"/>
-              <a:sym typeface="+mn-lt"/>
-            </a:endParaRPr>
-          </a:p>
-        </p:txBody>
-      </p:sp>
       <p:grpSp>
         <p:nvGrpSpPr>
           <p:cNvPr id="30" name="组合 29"/>
@@ -39705,6 +39179,147 @@
           </p:txBody>
         </p:sp>
       </p:grpSp>
+      <p:pic>
+        <p:nvPicPr>
+          <p:cNvPr id="1026" name="Picture 2">
+            <a:extLst>
+              <a:ext uri="{FF2B5EF4-FFF2-40B4-BE49-F238E27FC236}">
+                <a16:creationId xmlns:a16="http://schemas.microsoft.com/office/drawing/2014/main" id="{4B1082A7-F4FA-F198-717B-6335ECCC11BB}"/>
+              </a:ext>
+            </a:extLst>
+          </p:cNvPr>
+          <p:cNvPicPr>
+            <a:picLocks noChangeAspect="1" noChangeArrowheads="1"/>
+          </p:cNvPicPr>
+          <p:nvPr/>
+        </p:nvPicPr>
+        <p:blipFill>
+          <a:blip r:embed="rId2">
+            <a:extLst>
+              <a:ext uri="{28A0092B-C50C-407E-A947-70E740481C1C}">
+                <a14:useLocalDpi xmlns:a14="http://schemas.microsoft.com/office/drawing/2010/main" val="0"/>
+              </a:ext>
+            </a:extLst>
+          </a:blip>
+          <a:srcRect/>
+          <a:stretch>
+            <a:fillRect/>
+          </a:stretch>
+        </p:blipFill>
+        <p:spPr bwMode="auto">
+          <a:xfrm>
+            <a:off x="348630" y="1101598"/>
+            <a:ext cx="5715000" cy="2545913"/>
+          </a:xfrm>
+          <a:prstGeom prst="rect">
+            <a:avLst/>
+          </a:prstGeom>
+          <a:noFill/>
+          <a:extLst>
+            <a:ext uri="{909E8E84-426E-40DD-AFC4-6F175D3DCCD1}">
+              <a14:hiddenFill xmlns:a14="http://schemas.microsoft.com/office/drawing/2010/main">
+                <a:solidFill>
+                  <a:srgbClr val="FFFFFF"/>
+                </a:solidFill>
+              </a14:hiddenFill>
+            </a:ext>
+          </a:extLst>
+        </p:spPr>
+      </p:pic>
+      <p:pic>
+        <p:nvPicPr>
+          <p:cNvPr id="1028" name="Picture 4">
+            <a:extLst>
+              <a:ext uri="{FF2B5EF4-FFF2-40B4-BE49-F238E27FC236}">
+                <a16:creationId xmlns:a16="http://schemas.microsoft.com/office/drawing/2014/main" id="{82D65355-BFCF-E8FA-5272-7FE3164FCC54}"/>
+              </a:ext>
+            </a:extLst>
+          </p:cNvPr>
+          <p:cNvPicPr>
+            <a:picLocks noChangeAspect="1" noChangeArrowheads="1"/>
+          </p:cNvPicPr>
+          <p:nvPr/>
+        </p:nvPicPr>
+        <p:blipFill>
+          <a:blip r:embed="rId3">
+            <a:extLst>
+              <a:ext uri="{28A0092B-C50C-407E-A947-70E740481C1C}">
+                <a14:useLocalDpi xmlns:a14="http://schemas.microsoft.com/office/drawing/2010/main" val="0"/>
+              </a:ext>
+            </a:extLst>
+          </a:blip>
+          <a:srcRect/>
+          <a:stretch>
+            <a:fillRect/>
+          </a:stretch>
+        </p:blipFill>
+        <p:spPr bwMode="auto">
+          <a:xfrm>
+            <a:off x="348630" y="3854548"/>
+            <a:ext cx="5715000" cy="2900349"/>
+          </a:xfrm>
+          <a:prstGeom prst="rect">
+            <a:avLst/>
+          </a:prstGeom>
+          <a:noFill/>
+          <a:extLst>
+            <a:ext uri="{909E8E84-426E-40DD-AFC4-6F175D3DCCD1}">
+              <a14:hiddenFill xmlns:a14="http://schemas.microsoft.com/office/drawing/2010/main">
+                <a:solidFill>
+                  <a:srgbClr val="FFFFFF"/>
+                </a:solidFill>
+              </a14:hiddenFill>
+            </a:ext>
+          </a:extLst>
+        </p:spPr>
+      </p:pic>
+      <p:pic>
+        <p:nvPicPr>
+          <p:cNvPr id="1030" name="Picture 6">
+            <a:extLst>
+              <a:ext uri="{FF2B5EF4-FFF2-40B4-BE49-F238E27FC236}">
+                <a16:creationId xmlns:a16="http://schemas.microsoft.com/office/drawing/2014/main" id="{60AEA191-2E27-9703-26D6-B52FC85B9CC7}"/>
+              </a:ext>
+            </a:extLst>
+          </p:cNvPr>
+          <p:cNvPicPr>
+            <a:picLocks noChangeAspect="1" noChangeArrowheads="1"/>
+          </p:cNvPicPr>
+          <p:nvPr/>
+        </p:nvPicPr>
+        <p:blipFill>
+          <a:blip r:embed="rId4">
+            <a:extLst>
+              <a:ext uri="{28A0092B-C50C-407E-A947-70E740481C1C}">
+                <a14:useLocalDpi xmlns:a14="http://schemas.microsoft.com/office/drawing/2010/main" val="0"/>
+              </a:ext>
+            </a:extLst>
+          </a:blip>
+          <a:srcRect/>
+          <a:stretch>
+            <a:fillRect/>
+          </a:stretch>
+        </p:blipFill>
+        <p:spPr bwMode="auto">
+          <a:xfrm>
+            <a:off x="6317871" y="1347976"/>
+            <a:ext cx="5715000" cy="4591050"/>
+          </a:xfrm>
+          <a:prstGeom prst="rect">
+            <a:avLst/>
+          </a:prstGeom>
+          <a:noFill/>
+          <a:extLst>
+            <a:ext uri="{909E8E84-426E-40DD-AFC4-6F175D3DCCD1}">
+              <a14:hiddenFill xmlns:a14="http://schemas.microsoft.com/office/drawing/2010/main">
+                <a:solidFill>
+                  <a:srgbClr val="FFFFFF"/>
+                </a:solidFill>
+              </a14:hiddenFill>
+            </a:ext>
+          </a:extLst>
+        </p:spPr>
+      </p:pic>
     </p:spTree>
   </p:cSld>
   <p:clrMapOvr>
@@ -40636,6 +40251,1177 @@
           <a:chExt cx="0" cy="0"/>
         </a:xfrm>
       </p:grpSpPr>
+      <p:pic>
+        <p:nvPicPr>
+          <p:cNvPr id="2050" name="Picture 2">
+            <a:extLst>
+              <a:ext uri="{FF2B5EF4-FFF2-40B4-BE49-F238E27FC236}">
+                <a16:creationId xmlns:a16="http://schemas.microsoft.com/office/drawing/2014/main" id="{DF541FC7-9F19-25FA-352E-A792D5420F0B}"/>
+              </a:ext>
+            </a:extLst>
+          </p:cNvPr>
+          <p:cNvPicPr>
+            <a:picLocks noChangeAspect="1" noChangeArrowheads="1"/>
+          </p:cNvPicPr>
+          <p:nvPr/>
+        </p:nvPicPr>
+        <p:blipFill>
+          <a:blip r:embed="rId2">
+            <a:extLst>
+              <a:ext uri="{28A0092B-C50C-407E-A947-70E740481C1C}">
+                <a14:useLocalDpi xmlns:a14="http://schemas.microsoft.com/office/drawing/2010/main" val="0"/>
+              </a:ext>
+            </a:extLst>
+          </a:blip>
+          <a:srcRect/>
+          <a:stretch>
+            <a:fillRect/>
+          </a:stretch>
+        </p:blipFill>
+        <p:spPr bwMode="auto">
+          <a:xfrm>
+            <a:off x="223081" y="1321491"/>
+            <a:ext cx="5715000" cy="4400550"/>
+          </a:xfrm>
+          <a:prstGeom prst="rect">
+            <a:avLst/>
+          </a:prstGeom>
+          <a:noFill/>
+          <a:extLst>
+            <a:ext uri="{909E8E84-426E-40DD-AFC4-6F175D3DCCD1}">
+              <a14:hiddenFill xmlns:a14="http://schemas.microsoft.com/office/drawing/2010/main">
+                <a:solidFill>
+                  <a:srgbClr val="FFFFFF"/>
+                </a:solidFill>
+              </a14:hiddenFill>
+            </a:ext>
+          </a:extLst>
+        </p:spPr>
+      </p:pic>
+      <p:grpSp>
+        <p:nvGrpSpPr>
+          <p:cNvPr id="6" name="组合 28">
+            <a:extLst>
+              <a:ext uri="{FF2B5EF4-FFF2-40B4-BE49-F238E27FC236}">
+                <a16:creationId xmlns:a16="http://schemas.microsoft.com/office/drawing/2014/main" id="{3E1081A1-3A28-AF7A-235A-0BB77681B651}"/>
+              </a:ext>
+            </a:extLst>
+          </p:cNvPr>
+          <p:cNvGrpSpPr/>
+          <p:nvPr/>
+        </p:nvGrpSpPr>
+        <p:grpSpPr>
+          <a:xfrm>
+            <a:off x="-3366" y="0"/>
+            <a:ext cx="12195366" cy="747132"/>
+            <a:chOff x="-3366" y="0"/>
+            <a:chExt cx="12195366" cy="747132"/>
+          </a:xfrm>
+        </p:grpSpPr>
+        <p:sp>
+          <p:nvSpPr>
+            <p:cNvPr id="7" name="矩形 1">
+              <a:extLst>
+                <a:ext uri="{FF2B5EF4-FFF2-40B4-BE49-F238E27FC236}">
+                  <a16:creationId xmlns:a16="http://schemas.microsoft.com/office/drawing/2014/main" id="{448FBDC4-2AD7-A3FC-D33F-A4A49B864108}"/>
+                </a:ext>
+              </a:extLst>
+            </p:cNvPr>
+            <p:cNvSpPr/>
+            <p:nvPr/>
+          </p:nvSpPr>
+          <p:spPr>
+            <a:xfrm>
+              <a:off x="0" y="0"/>
+              <a:ext cx="12192000" cy="747132"/>
+            </a:xfrm>
+            <a:prstGeom prst="rect">
+              <a:avLst/>
+            </a:prstGeom>
+            <a:solidFill>
+              <a:srgbClr val="D7CFCD">
+                <a:alpha val="63000"/>
+              </a:srgbClr>
+            </a:solidFill>
+            <a:ln>
+              <a:noFill/>
+            </a:ln>
+          </p:spPr>
+          <p:style>
+            <a:lnRef idx="2">
+              <a:schemeClr val="accent1">
+                <a:shade val="50000"/>
+              </a:schemeClr>
+            </a:lnRef>
+            <a:fillRef idx="1">
+              <a:schemeClr val="accent1"/>
+            </a:fillRef>
+            <a:effectRef idx="0">
+              <a:schemeClr val="accent1"/>
+            </a:effectRef>
+            <a:fontRef idx="minor">
+              <a:schemeClr val="lt1"/>
+            </a:fontRef>
+          </p:style>
+          <p:txBody>
+            <a:bodyPr rtlCol="0" anchor="ctr"/>
+            <a:lstStyle/>
+            <a:p>
+              <a:pPr algn="ctr"/>
+              <a:endParaRPr lang="zh-CN" altLang="en-US">
+                <a:cs typeface="+mn-ea"/>
+                <a:sym typeface="+mn-lt"/>
+              </a:endParaRPr>
+            </a:p>
+          </p:txBody>
+        </p:sp>
+        <p:sp>
+          <p:nvSpPr>
+            <p:cNvPr id="8" name="平行四边形 2">
+              <a:extLst>
+                <a:ext uri="{FF2B5EF4-FFF2-40B4-BE49-F238E27FC236}">
+                  <a16:creationId xmlns:a16="http://schemas.microsoft.com/office/drawing/2014/main" id="{D9F69D0E-F2F2-E8A1-A909-3EED54315B37}"/>
+                </a:ext>
+              </a:extLst>
+            </p:cNvPr>
+            <p:cNvSpPr/>
+            <p:nvPr/>
+          </p:nvSpPr>
+          <p:spPr>
+            <a:xfrm>
+              <a:off x="-3366" y="0"/>
+              <a:ext cx="4533163" cy="747132"/>
+            </a:xfrm>
+            <a:custGeom>
+              <a:avLst/>
+              <a:gdLst>
+                <a:gd name="connsiteX0" fmla="*/ 0 w 5742878"/>
+                <a:gd name="connsiteY0" fmla="*/ 747132 h 747132"/>
+                <a:gd name="connsiteX1" fmla="*/ 186783 w 5742878"/>
+                <a:gd name="connsiteY1" fmla="*/ 0 h 747132"/>
+                <a:gd name="connsiteX2" fmla="*/ 5742878 w 5742878"/>
+                <a:gd name="connsiteY2" fmla="*/ 0 h 747132"/>
+                <a:gd name="connsiteX3" fmla="*/ 5556095 w 5742878"/>
+                <a:gd name="connsiteY3" fmla="*/ 747132 h 747132"/>
+                <a:gd name="connsiteX4" fmla="*/ 0 w 5742878"/>
+                <a:gd name="connsiteY4" fmla="*/ 747132 h 747132"/>
+                <a:gd name="connsiteX0-1" fmla="*/ 0 w 5742878"/>
+                <a:gd name="connsiteY0-2" fmla="*/ 747132 h 747132"/>
+                <a:gd name="connsiteX1-3" fmla="*/ 8363 w 5742878"/>
+                <a:gd name="connsiteY1-4" fmla="*/ 0 h 747132"/>
+                <a:gd name="connsiteX2-5" fmla="*/ 5742878 w 5742878"/>
+                <a:gd name="connsiteY2-6" fmla="*/ 0 h 747132"/>
+                <a:gd name="connsiteX3-7" fmla="*/ 5556095 w 5742878"/>
+                <a:gd name="connsiteY3-8" fmla="*/ 747132 h 747132"/>
+                <a:gd name="connsiteX4-9" fmla="*/ 0 w 5742878"/>
+                <a:gd name="connsiteY4-10" fmla="*/ 747132 h 747132"/>
+                <a:gd name="connsiteX0-11" fmla="*/ 14213 w 5757091"/>
+                <a:gd name="connsiteY0-12" fmla="*/ 747132 h 747132"/>
+                <a:gd name="connsiteX1-13" fmla="*/ 273 w 5757091"/>
+                <a:gd name="connsiteY1-14" fmla="*/ 33454 h 747132"/>
+                <a:gd name="connsiteX2-15" fmla="*/ 5757091 w 5757091"/>
+                <a:gd name="connsiteY2-16" fmla="*/ 0 h 747132"/>
+                <a:gd name="connsiteX3-17" fmla="*/ 5570308 w 5757091"/>
+                <a:gd name="connsiteY3-18" fmla="*/ 747132 h 747132"/>
+                <a:gd name="connsiteX4-19" fmla="*/ 14213 w 5757091"/>
+                <a:gd name="connsiteY4-20" fmla="*/ 747132 h 747132"/>
+                <a:gd name="connsiteX0-21" fmla="*/ 3366 w 5746244"/>
+                <a:gd name="connsiteY0-22" fmla="*/ 747132 h 747132"/>
+                <a:gd name="connsiteX1-23" fmla="*/ 578 w 5746244"/>
+                <a:gd name="connsiteY1-24" fmla="*/ 1 h 747132"/>
+                <a:gd name="connsiteX2-25" fmla="*/ 5746244 w 5746244"/>
+                <a:gd name="connsiteY2-26" fmla="*/ 0 h 747132"/>
+                <a:gd name="connsiteX3-27" fmla="*/ 5559461 w 5746244"/>
+                <a:gd name="connsiteY3-28" fmla="*/ 747132 h 747132"/>
+                <a:gd name="connsiteX4-29" fmla="*/ 3366 w 5746244"/>
+                <a:gd name="connsiteY4-30" fmla="*/ 747132 h 747132"/>
+              </a:gdLst>
+              <a:ahLst/>
+              <a:cxnLst>
+                <a:cxn ang="0">
+                  <a:pos x="connsiteX0-1" y="connsiteY0-2"/>
+                </a:cxn>
+                <a:cxn ang="0">
+                  <a:pos x="connsiteX1-3" y="connsiteY1-4"/>
+                </a:cxn>
+                <a:cxn ang="0">
+                  <a:pos x="connsiteX2-5" y="connsiteY2-6"/>
+                </a:cxn>
+                <a:cxn ang="0">
+                  <a:pos x="connsiteX3-7" y="connsiteY3-8"/>
+                </a:cxn>
+                <a:cxn ang="0">
+                  <a:pos x="connsiteX4-9" y="connsiteY4-10"/>
+                </a:cxn>
+              </a:cxnLst>
+              <a:rect l="l" t="t" r="r" b="b"/>
+              <a:pathLst>
+                <a:path w="5746244" h="747132">
+                  <a:moveTo>
+                    <a:pt x="3366" y="747132"/>
+                  </a:moveTo>
+                  <a:cubicBezTo>
+                    <a:pt x="6154" y="498088"/>
+                    <a:pt x="-2210" y="249045"/>
+                    <a:pt x="578" y="1"/>
+                  </a:cubicBezTo>
+                  <a:lnTo>
+                    <a:pt x="5746244" y="0"/>
+                  </a:lnTo>
+                  <a:lnTo>
+                    <a:pt x="5559461" y="747132"/>
+                  </a:lnTo>
+                  <a:lnTo>
+                    <a:pt x="3366" y="747132"/>
+                  </a:lnTo>
+                  <a:close/>
+                </a:path>
+              </a:pathLst>
+            </a:custGeom>
+            <a:solidFill>
+              <a:srgbClr val="9D9AAB">
+                <a:alpha val="64000"/>
+              </a:srgbClr>
+            </a:solidFill>
+            <a:ln>
+              <a:noFill/>
+            </a:ln>
+          </p:spPr>
+          <p:style>
+            <a:lnRef idx="2">
+              <a:schemeClr val="accent1">
+                <a:shade val="50000"/>
+              </a:schemeClr>
+            </a:lnRef>
+            <a:fillRef idx="1">
+              <a:schemeClr val="accent1"/>
+            </a:fillRef>
+            <a:effectRef idx="0">
+              <a:schemeClr val="accent1"/>
+            </a:effectRef>
+            <a:fontRef idx="minor">
+              <a:schemeClr val="lt1"/>
+            </a:fontRef>
+          </p:style>
+          <p:txBody>
+            <a:bodyPr rtlCol="0" anchor="ctr"/>
+            <a:lstStyle/>
+            <a:p>
+              <a:pPr algn="ctr"/>
+              <a:endParaRPr lang="zh-CN" altLang="en-US">
+                <a:cs typeface="+mn-ea"/>
+                <a:sym typeface="+mn-lt"/>
+              </a:endParaRPr>
+            </a:p>
+          </p:txBody>
+        </p:sp>
+        <p:grpSp>
+          <p:nvGrpSpPr>
+            <p:cNvPr id="11" name="组合 7">
+              <a:extLst>
+                <a:ext uri="{FF2B5EF4-FFF2-40B4-BE49-F238E27FC236}">
+                  <a16:creationId xmlns:a16="http://schemas.microsoft.com/office/drawing/2014/main" id="{262A0742-6C0E-2432-0BA8-A5F19114538F}"/>
+                </a:ext>
+              </a:extLst>
+            </p:cNvPr>
+            <p:cNvGrpSpPr/>
+            <p:nvPr/>
+          </p:nvGrpSpPr>
+          <p:grpSpPr>
+            <a:xfrm>
+              <a:off x="223081" y="113582"/>
+              <a:ext cx="4126451" cy="633550"/>
+              <a:chOff x="234232" y="145481"/>
+              <a:chExt cx="4126451" cy="633550"/>
+            </a:xfrm>
+          </p:grpSpPr>
+          <p:sp>
+            <p:nvSpPr>
+              <p:cNvPr id="12" name="文本框 5">
+                <a:extLst>
+                  <a:ext uri="{FF2B5EF4-FFF2-40B4-BE49-F238E27FC236}">
+                    <a16:creationId xmlns:a16="http://schemas.microsoft.com/office/drawing/2014/main" id="{61E915C0-3A91-2A55-0417-1A369A1212DB}"/>
+                  </a:ext>
+                </a:extLst>
+              </p:cNvPr>
+              <p:cNvSpPr txBox="1"/>
+              <p:nvPr/>
+            </p:nvSpPr>
+            <p:spPr>
+              <a:xfrm>
+                <a:off x="234232" y="145481"/>
+                <a:ext cx="2954655" cy="461665"/>
+              </a:xfrm>
+              <a:prstGeom prst="rect">
+                <a:avLst/>
+              </a:prstGeom>
+              <a:noFill/>
+            </p:spPr>
+            <p:txBody>
+              <a:bodyPr wrap="none" rtlCol="0">
+                <a:spAutoFit/>
+              </a:bodyPr>
+              <a:lstStyle/>
+              <a:p>
+                <a:r>
+                  <a:rPr lang="zh-CN" altLang="en-US" sz="2400" b="1" dirty="0">
+                    <a:solidFill>
+                      <a:schemeClr val="bg1"/>
+                    </a:solidFill>
+                    <a:cs typeface="+mn-ea"/>
+                    <a:sym typeface="+mn-lt"/>
+                  </a:rPr>
+                  <a:t>用什么制作词云图？</a:t>
+                </a:r>
+              </a:p>
+            </p:txBody>
+          </p:sp>
+          <p:sp>
+            <p:nvSpPr>
+              <p:cNvPr id="13" name="文本框 6">
+                <a:extLst>
+                  <a:ext uri="{FF2B5EF4-FFF2-40B4-BE49-F238E27FC236}">
+                    <a16:creationId xmlns:a16="http://schemas.microsoft.com/office/drawing/2014/main" id="{88340926-E053-70DF-6D87-0328CA34E4DA}"/>
+                  </a:ext>
+                </a:extLst>
+              </p:cNvPr>
+              <p:cNvSpPr txBox="1"/>
+              <p:nvPr/>
+            </p:nvSpPr>
+            <p:spPr>
+              <a:xfrm>
+                <a:off x="234232" y="517421"/>
+                <a:ext cx="4126451" cy="261610"/>
+              </a:xfrm>
+              <a:prstGeom prst="rect">
+                <a:avLst/>
+              </a:prstGeom>
+              <a:noFill/>
+            </p:spPr>
+            <p:txBody>
+              <a:bodyPr wrap="none" rtlCol="0">
+                <a:spAutoFit/>
+              </a:bodyPr>
+              <a:lstStyle/>
+              <a:p>
+                <a:r>
+                  <a:rPr lang="zh-CN" altLang="en-US" sz="1100" dirty="0">
+                    <a:solidFill>
+                      <a:schemeClr val="bg1"/>
+                    </a:solidFill>
+                    <a:cs typeface="+mn-ea"/>
+                    <a:sym typeface="+mn-lt"/>
+                  </a:rPr>
+                  <a:t>木子正兴，一个正在</a:t>
+                </a:r>
+                <a:r>
+                  <a:rPr lang="en-US" altLang="zh-CN" sz="1100" dirty="0">
+                    <a:solidFill>
+                      <a:schemeClr val="bg1"/>
+                    </a:solidFill>
+                    <a:cs typeface="+mn-ea"/>
+                    <a:sym typeface="+mn-lt"/>
+                  </a:rPr>
+                  <a:t>AI</a:t>
+                </a:r>
+                <a:r>
+                  <a:rPr lang="zh-CN" altLang="en-US" sz="1100" dirty="0">
+                    <a:solidFill>
+                      <a:schemeClr val="bg1"/>
+                    </a:solidFill>
+                    <a:cs typeface="+mn-ea"/>
+                    <a:sym typeface="+mn-lt"/>
+                  </a:rPr>
+                  <a:t>领域摸索、爱学习、爱分享的前端工程师</a:t>
+                </a:r>
+              </a:p>
+            </p:txBody>
+          </p:sp>
+        </p:grpSp>
+      </p:grpSp>
+      <p:sp>
+        <p:nvSpPr>
+          <p:cNvPr id="14" name="TextBox 13">
+            <a:extLst>
+              <a:ext uri="{FF2B5EF4-FFF2-40B4-BE49-F238E27FC236}">
+                <a16:creationId xmlns:a16="http://schemas.microsoft.com/office/drawing/2014/main" id="{4EE0A8F4-DE09-AA72-A3A2-83D15F0BA3FD}"/>
+              </a:ext>
+            </a:extLst>
+          </p:cNvPr>
+          <p:cNvSpPr txBox="1"/>
+          <p:nvPr/>
+        </p:nvSpPr>
+        <p:spPr>
+          <a:xfrm>
+            <a:off x="6427304" y="1842052"/>
+            <a:ext cx="4544834" cy="646331"/>
+          </a:xfrm>
+          <a:prstGeom prst="rect">
+            <a:avLst/>
+          </a:prstGeom>
+          <a:noFill/>
+        </p:spPr>
+        <p:txBody>
+          <a:bodyPr wrap="none" rtlCol="0">
+            <a:spAutoFit/>
+          </a:bodyPr>
+          <a:lstStyle/>
+          <a:p>
+            <a:r>
+              <a:rPr lang="en-US" altLang="zh-CN" sz="3600" b="1" i="0" dirty="0">
+                <a:solidFill>
+                  <a:srgbClr val="24292E"/>
+                </a:solidFill>
+                <a:effectLst/>
+                <a:latin typeface="Helvetica Neue"/>
+              </a:rPr>
+              <a:t>Python</a:t>
+            </a:r>
+            <a:r>
+              <a:rPr lang="zh-CN" altLang="en-US" sz="3600" b="1" i="0" dirty="0">
+                <a:solidFill>
+                  <a:srgbClr val="24292E"/>
+                </a:solidFill>
+                <a:effectLst/>
+                <a:latin typeface="Helvetica Neue"/>
+              </a:rPr>
+              <a:t>、</a:t>
+            </a:r>
+            <a:r>
+              <a:rPr lang="en-US" altLang="zh-CN" sz="3600" b="1" i="0" dirty="0" err="1">
+                <a:solidFill>
+                  <a:srgbClr val="24292E"/>
+                </a:solidFill>
+                <a:effectLst/>
+                <a:latin typeface="Helvetica Neue"/>
+              </a:rPr>
+              <a:t>wordcloud</a:t>
+            </a:r>
+            <a:endParaRPr lang="en-US" altLang="zh-CN" sz="3600" b="1" i="0" dirty="0">
+              <a:solidFill>
+                <a:srgbClr val="24292E"/>
+              </a:solidFill>
+              <a:effectLst/>
+              <a:latin typeface="Helvetica Neue"/>
+            </a:endParaRPr>
+          </a:p>
+        </p:txBody>
+      </p:sp>
+      <p:sp>
+        <p:nvSpPr>
+          <p:cNvPr id="15" name="TextBox 14">
+            <a:extLst>
+              <a:ext uri="{FF2B5EF4-FFF2-40B4-BE49-F238E27FC236}">
+                <a16:creationId xmlns:a16="http://schemas.microsoft.com/office/drawing/2014/main" id="{E11AB00C-1ECA-9BFF-2F0F-DA0B97635B40}"/>
+              </a:ext>
+            </a:extLst>
+          </p:cNvPr>
+          <p:cNvSpPr txBox="1"/>
+          <p:nvPr/>
+        </p:nvSpPr>
+        <p:spPr>
+          <a:xfrm>
+            <a:off x="6427304" y="3060101"/>
+            <a:ext cx="5262979" cy="923330"/>
+          </a:xfrm>
+          <a:prstGeom prst="rect">
+            <a:avLst/>
+          </a:prstGeom>
+          <a:noFill/>
+        </p:spPr>
+        <p:txBody>
+          <a:bodyPr wrap="none" rtlCol="0">
+            <a:spAutoFit/>
+          </a:bodyPr>
+          <a:lstStyle/>
+          <a:p>
+            <a:pPr algn="l"/>
+            <a:r>
+              <a:rPr lang="zh-CN" altLang="en-US" b="0" i="0" dirty="0">
+                <a:solidFill>
+                  <a:srgbClr val="24292E"/>
+                </a:solidFill>
+                <a:effectLst/>
+                <a:latin typeface="Helvetica Neue"/>
+              </a:rPr>
+              <a:t>左图就是用小说</a:t>
+            </a:r>
+            <a:r>
+              <a:rPr lang="en-US" altLang="zh-CN" b="0" i="0" dirty="0">
+                <a:solidFill>
+                  <a:srgbClr val="24292E"/>
+                </a:solidFill>
+                <a:effectLst/>
+                <a:latin typeface="Helvetica Neue"/>
+              </a:rPr>
+              <a:t>《</a:t>
+            </a:r>
+            <a:r>
+              <a:rPr lang="zh-CN" altLang="en-US" b="0" i="0" dirty="0">
+                <a:solidFill>
+                  <a:srgbClr val="24292E"/>
+                </a:solidFill>
+                <a:effectLst/>
+                <a:latin typeface="Helvetica Neue"/>
+              </a:rPr>
+              <a:t>斗破苍穹</a:t>
+            </a:r>
+            <a:r>
+              <a:rPr lang="en-US" altLang="zh-CN" b="0" i="0" dirty="0">
+                <a:solidFill>
+                  <a:srgbClr val="24292E"/>
+                </a:solidFill>
+                <a:effectLst/>
+                <a:latin typeface="Helvetica Neue"/>
+              </a:rPr>
+              <a:t>》</a:t>
+            </a:r>
+            <a:r>
+              <a:rPr lang="zh-CN" altLang="en-US" b="0" i="0" dirty="0">
+                <a:solidFill>
+                  <a:srgbClr val="24292E"/>
+                </a:solidFill>
+                <a:effectLst/>
+                <a:latin typeface="Helvetica Neue"/>
+              </a:rPr>
+              <a:t>中两个章节的内容，</a:t>
+            </a:r>
+            <a:endParaRPr lang="en-US" altLang="zh-CN" b="0" i="0" dirty="0">
+              <a:solidFill>
+                <a:srgbClr val="24292E"/>
+              </a:solidFill>
+              <a:effectLst/>
+              <a:latin typeface="Helvetica Neue"/>
+            </a:endParaRPr>
+          </a:p>
+          <a:p>
+            <a:pPr algn="l"/>
+            <a:r>
+              <a:rPr lang="zh-CN" altLang="en-US" b="0" i="0" dirty="0">
+                <a:solidFill>
+                  <a:srgbClr val="24292E"/>
+                </a:solidFill>
+                <a:effectLst/>
+                <a:latin typeface="Helvetica Neue"/>
+              </a:rPr>
+              <a:t>生成的词云图😄。</a:t>
+            </a:r>
+          </a:p>
+          <a:p>
+            <a:endParaRPr lang="zh-CN" altLang="en-US" dirty="0"/>
+          </a:p>
+        </p:txBody>
+      </p:sp>
+    </p:spTree>
+  </p:cSld>
+  <p:clrMapOvr>
+    <a:masterClrMapping/>
+  </p:clrMapOvr>
+</p:sld>
+</file>
+
+<file path=ppt/slides/slide4.xml><?xml version="1.0" encoding="utf-8"?>
+<p:sld xmlns:a="http://schemas.openxmlformats.org/drawingml/2006/main" xmlns:r="http://schemas.openxmlformats.org/officeDocument/2006/relationships" xmlns:p="http://schemas.openxmlformats.org/presentationml/2006/main">
+  <p:cSld>
+    <p:spTree>
+      <p:nvGrpSpPr>
+        <p:cNvPr id="1" name=""/>
+        <p:cNvGrpSpPr/>
+        <p:nvPr/>
+      </p:nvGrpSpPr>
+      <p:grpSpPr>
+        <a:xfrm>
+          <a:off x="0" y="0"/>
+          <a:ext cx="0" cy="0"/>
+          <a:chOff x="0" y="0"/>
+          <a:chExt cx="0" cy="0"/>
+        </a:xfrm>
+      </p:grpSpPr>
+      <p:grpSp>
+        <p:nvGrpSpPr>
+          <p:cNvPr id="27" name="组合 26"/>
+          <p:cNvGrpSpPr/>
+          <p:nvPr/>
+        </p:nvGrpSpPr>
+        <p:grpSpPr>
+          <a:xfrm>
+            <a:off x="-217207" y="-1043534"/>
+            <a:ext cx="7210843" cy="7800527"/>
+            <a:chOff x="-224465" y="-674213"/>
+            <a:chExt cx="7210843" cy="7800527"/>
+          </a:xfrm>
+        </p:grpSpPr>
+        <p:sp>
+          <p:nvSpPr>
+            <p:cNvPr id="28" name="椭圆 27"/>
+            <p:cNvSpPr/>
+            <p:nvPr/>
+          </p:nvSpPr>
+          <p:spPr>
+            <a:xfrm>
+              <a:off x="159129" y="2008283"/>
+              <a:ext cx="1639229" cy="1639229"/>
+            </a:xfrm>
+            <a:prstGeom prst="ellipse">
+              <a:avLst/>
+            </a:prstGeom>
+            <a:solidFill>
+              <a:srgbClr val="D7CFCD">
+                <a:alpha val="0"/>
+              </a:srgbClr>
+            </a:solidFill>
+            <a:ln>
+              <a:noFill/>
+            </a:ln>
+          </p:spPr>
+          <p:style>
+            <a:lnRef idx="2">
+              <a:schemeClr val="accent1">
+                <a:shade val="50000"/>
+              </a:schemeClr>
+            </a:lnRef>
+            <a:fillRef idx="1">
+              <a:schemeClr val="accent1"/>
+            </a:fillRef>
+            <a:effectRef idx="0">
+              <a:schemeClr val="accent1"/>
+            </a:effectRef>
+            <a:fontRef idx="minor">
+              <a:schemeClr val="lt1"/>
+            </a:fontRef>
+          </p:style>
+          <p:txBody>
+            <a:bodyPr rtlCol="0" anchor="ctr"/>
+            <a:lstStyle/>
+            <a:p>
+              <a:pPr algn="ctr"/>
+              <a:endParaRPr lang="zh-CN" altLang="en-US">
+                <a:cs typeface="+mn-ea"/>
+                <a:sym typeface="+mn-lt"/>
+              </a:endParaRPr>
+            </a:p>
+          </p:txBody>
+        </p:sp>
+        <p:sp>
+          <p:nvSpPr>
+            <p:cNvPr id="29" name="椭圆 28"/>
+            <p:cNvSpPr/>
+            <p:nvPr/>
+          </p:nvSpPr>
+          <p:spPr>
+            <a:xfrm>
+              <a:off x="3728456" y="2479152"/>
+              <a:ext cx="3146411" cy="3146411"/>
+            </a:xfrm>
+            <a:prstGeom prst="ellipse">
+              <a:avLst/>
+            </a:prstGeom>
+            <a:solidFill>
+              <a:srgbClr val="D7CFCD">
+                <a:alpha val="11000"/>
+              </a:srgbClr>
+            </a:solidFill>
+            <a:ln>
+              <a:noFill/>
+            </a:ln>
+          </p:spPr>
+          <p:style>
+            <a:lnRef idx="2">
+              <a:schemeClr val="accent1">
+                <a:shade val="50000"/>
+              </a:schemeClr>
+            </a:lnRef>
+            <a:fillRef idx="1">
+              <a:schemeClr val="accent1"/>
+            </a:fillRef>
+            <a:effectRef idx="0">
+              <a:schemeClr val="accent1"/>
+            </a:effectRef>
+            <a:fontRef idx="minor">
+              <a:schemeClr val="lt1"/>
+            </a:fontRef>
+          </p:style>
+          <p:txBody>
+            <a:bodyPr rtlCol="0" anchor="ctr"/>
+            <a:lstStyle/>
+            <a:p>
+              <a:pPr algn="ctr"/>
+              <a:endParaRPr lang="zh-CN" altLang="en-US" dirty="0">
+                <a:cs typeface="+mn-ea"/>
+                <a:sym typeface="+mn-lt"/>
+              </a:endParaRPr>
+            </a:p>
+          </p:txBody>
+        </p:sp>
+        <p:sp>
+          <p:nvSpPr>
+            <p:cNvPr id="30" name="椭圆 29"/>
+            <p:cNvSpPr/>
+            <p:nvPr/>
+          </p:nvSpPr>
+          <p:spPr>
+            <a:xfrm>
+              <a:off x="5347149" y="-674213"/>
+              <a:ext cx="1639229" cy="1639229"/>
+            </a:xfrm>
+            <a:prstGeom prst="ellipse">
+              <a:avLst/>
+            </a:prstGeom>
+            <a:solidFill>
+              <a:srgbClr val="D7CFCD">
+                <a:alpha val="19000"/>
+              </a:srgbClr>
+            </a:solidFill>
+            <a:ln>
+              <a:noFill/>
+            </a:ln>
+          </p:spPr>
+          <p:style>
+            <a:lnRef idx="2">
+              <a:schemeClr val="accent1">
+                <a:shade val="50000"/>
+              </a:schemeClr>
+            </a:lnRef>
+            <a:fillRef idx="1">
+              <a:schemeClr val="accent1"/>
+            </a:fillRef>
+            <a:effectRef idx="0">
+              <a:schemeClr val="accent1"/>
+            </a:effectRef>
+            <a:fontRef idx="minor">
+              <a:schemeClr val="lt1"/>
+            </a:fontRef>
+          </p:style>
+          <p:txBody>
+            <a:bodyPr rtlCol="0" anchor="ctr"/>
+            <a:lstStyle/>
+            <a:p>
+              <a:pPr algn="ctr"/>
+              <a:endParaRPr lang="zh-CN" altLang="en-US">
+                <a:cs typeface="+mn-ea"/>
+                <a:sym typeface="+mn-lt"/>
+              </a:endParaRPr>
+            </a:p>
+          </p:txBody>
+        </p:sp>
+        <p:sp>
+          <p:nvSpPr>
+            <p:cNvPr id="31" name="椭圆 30"/>
+            <p:cNvSpPr/>
+            <p:nvPr/>
+          </p:nvSpPr>
+          <p:spPr>
+            <a:xfrm>
+              <a:off x="-224465" y="6434241"/>
+              <a:ext cx="692073" cy="692073"/>
+            </a:xfrm>
+            <a:prstGeom prst="ellipse">
+              <a:avLst/>
+            </a:prstGeom>
+            <a:solidFill>
+              <a:srgbClr val="D7CFCD">
+                <a:alpha val="92000"/>
+              </a:srgbClr>
+            </a:solidFill>
+            <a:ln>
+              <a:noFill/>
+            </a:ln>
+          </p:spPr>
+          <p:style>
+            <a:lnRef idx="2">
+              <a:schemeClr val="accent1">
+                <a:shade val="50000"/>
+              </a:schemeClr>
+            </a:lnRef>
+            <a:fillRef idx="1">
+              <a:schemeClr val="accent1"/>
+            </a:fillRef>
+            <a:effectRef idx="0">
+              <a:schemeClr val="accent1"/>
+            </a:effectRef>
+            <a:fontRef idx="minor">
+              <a:schemeClr val="lt1"/>
+            </a:fontRef>
+          </p:style>
+          <p:txBody>
+            <a:bodyPr rtlCol="0" anchor="ctr"/>
+            <a:lstStyle/>
+            <a:p>
+              <a:pPr algn="ctr"/>
+              <a:endParaRPr lang="zh-CN" altLang="en-US" dirty="0">
+                <a:cs typeface="+mn-ea"/>
+                <a:sym typeface="+mn-lt"/>
+              </a:endParaRPr>
+            </a:p>
+          </p:txBody>
+        </p:sp>
+      </p:grpSp>
+      <p:grpSp>
+        <p:nvGrpSpPr>
+          <p:cNvPr id="2" name="组合 28">
+            <a:extLst>
+              <a:ext uri="{FF2B5EF4-FFF2-40B4-BE49-F238E27FC236}">
+                <a16:creationId xmlns:a16="http://schemas.microsoft.com/office/drawing/2014/main" id="{B8ED2C99-00E3-6864-8D36-330B884B8714}"/>
+              </a:ext>
+            </a:extLst>
+          </p:cNvPr>
+          <p:cNvGrpSpPr/>
+          <p:nvPr/>
+        </p:nvGrpSpPr>
+        <p:grpSpPr>
+          <a:xfrm>
+            <a:off x="-3366" y="0"/>
+            <a:ext cx="12195366" cy="747132"/>
+            <a:chOff x="-3366" y="0"/>
+            <a:chExt cx="12195366" cy="747132"/>
+          </a:xfrm>
+        </p:grpSpPr>
+        <p:sp>
+          <p:nvSpPr>
+            <p:cNvPr id="12" name="矩形 1">
+              <a:extLst>
+                <a:ext uri="{FF2B5EF4-FFF2-40B4-BE49-F238E27FC236}">
+                  <a16:creationId xmlns:a16="http://schemas.microsoft.com/office/drawing/2014/main" id="{BC0EAADC-5DC6-5737-787A-5162F1DC044E}"/>
+                </a:ext>
+              </a:extLst>
+            </p:cNvPr>
+            <p:cNvSpPr/>
+            <p:nvPr/>
+          </p:nvSpPr>
+          <p:spPr>
+            <a:xfrm>
+              <a:off x="0" y="0"/>
+              <a:ext cx="12192000" cy="747132"/>
+            </a:xfrm>
+            <a:prstGeom prst="rect">
+              <a:avLst/>
+            </a:prstGeom>
+            <a:solidFill>
+              <a:srgbClr val="D7CFCD">
+                <a:alpha val="63000"/>
+              </a:srgbClr>
+            </a:solidFill>
+            <a:ln>
+              <a:noFill/>
+            </a:ln>
+          </p:spPr>
+          <p:style>
+            <a:lnRef idx="2">
+              <a:schemeClr val="accent1">
+                <a:shade val="50000"/>
+              </a:schemeClr>
+            </a:lnRef>
+            <a:fillRef idx="1">
+              <a:schemeClr val="accent1"/>
+            </a:fillRef>
+            <a:effectRef idx="0">
+              <a:schemeClr val="accent1"/>
+            </a:effectRef>
+            <a:fontRef idx="minor">
+              <a:schemeClr val="lt1"/>
+            </a:fontRef>
+          </p:style>
+          <p:txBody>
+            <a:bodyPr rtlCol="0" anchor="ctr"/>
+            <a:lstStyle/>
+            <a:p>
+              <a:pPr algn="ctr"/>
+              <a:endParaRPr lang="zh-CN" altLang="en-US">
+                <a:cs typeface="+mn-ea"/>
+                <a:sym typeface="+mn-lt"/>
+              </a:endParaRPr>
+            </a:p>
+          </p:txBody>
+        </p:sp>
+        <p:sp>
+          <p:nvSpPr>
+            <p:cNvPr id="13" name="平行四边形 2">
+              <a:extLst>
+                <a:ext uri="{FF2B5EF4-FFF2-40B4-BE49-F238E27FC236}">
+                  <a16:creationId xmlns:a16="http://schemas.microsoft.com/office/drawing/2014/main" id="{5B17D16C-0A9D-73D8-E5D9-BDB4D628BFFC}"/>
+                </a:ext>
+              </a:extLst>
+            </p:cNvPr>
+            <p:cNvSpPr/>
+            <p:nvPr/>
+          </p:nvSpPr>
+          <p:spPr>
+            <a:xfrm>
+              <a:off x="-3366" y="0"/>
+              <a:ext cx="4533163" cy="747132"/>
+            </a:xfrm>
+            <a:custGeom>
+              <a:avLst/>
+              <a:gdLst>
+                <a:gd name="connsiteX0" fmla="*/ 0 w 5742878"/>
+                <a:gd name="connsiteY0" fmla="*/ 747132 h 747132"/>
+                <a:gd name="connsiteX1" fmla="*/ 186783 w 5742878"/>
+                <a:gd name="connsiteY1" fmla="*/ 0 h 747132"/>
+                <a:gd name="connsiteX2" fmla="*/ 5742878 w 5742878"/>
+                <a:gd name="connsiteY2" fmla="*/ 0 h 747132"/>
+                <a:gd name="connsiteX3" fmla="*/ 5556095 w 5742878"/>
+                <a:gd name="connsiteY3" fmla="*/ 747132 h 747132"/>
+                <a:gd name="connsiteX4" fmla="*/ 0 w 5742878"/>
+                <a:gd name="connsiteY4" fmla="*/ 747132 h 747132"/>
+                <a:gd name="connsiteX0-1" fmla="*/ 0 w 5742878"/>
+                <a:gd name="connsiteY0-2" fmla="*/ 747132 h 747132"/>
+                <a:gd name="connsiteX1-3" fmla="*/ 8363 w 5742878"/>
+                <a:gd name="connsiteY1-4" fmla="*/ 0 h 747132"/>
+                <a:gd name="connsiteX2-5" fmla="*/ 5742878 w 5742878"/>
+                <a:gd name="connsiteY2-6" fmla="*/ 0 h 747132"/>
+                <a:gd name="connsiteX3-7" fmla="*/ 5556095 w 5742878"/>
+                <a:gd name="connsiteY3-8" fmla="*/ 747132 h 747132"/>
+                <a:gd name="connsiteX4-9" fmla="*/ 0 w 5742878"/>
+                <a:gd name="connsiteY4-10" fmla="*/ 747132 h 747132"/>
+                <a:gd name="connsiteX0-11" fmla="*/ 14213 w 5757091"/>
+                <a:gd name="connsiteY0-12" fmla="*/ 747132 h 747132"/>
+                <a:gd name="connsiteX1-13" fmla="*/ 273 w 5757091"/>
+                <a:gd name="connsiteY1-14" fmla="*/ 33454 h 747132"/>
+                <a:gd name="connsiteX2-15" fmla="*/ 5757091 w 5757091"/>
+                <a:gd name="connsiteY2-16" fmla="*/ 0 h 747132"/>
+                <a:gd name="connsiteX3-17" fmla="*/ 5570308 w 5757091"/>
+                <a:gd name="connsiteY3-18" fmla="*/ 747132 h 747132"/>
+                <a:gd name="connsiteX4-19" fmla="*/ 14213 w 5757091"/>
+                <a:gd name="connsiteY4-20" fmla="*/ 747132 h 747132"/>
+                <a:gd name="connsiteX0-21" fmla="*/ 3366 w 5746244"/>
+                <a:gd name="connsiteY0-22" fmla="*/ 747132 h 747132"/>
+                <a:gd name="connsiteX1-23" fmla="*/ 578 w 5746244"/>
+                <a:gd name="connsiteY1-24" fmla="*/ 1 h 747132"/>
+                <a:gd name="connsiteX2-25" fmla="*/ 5746244 w 5746244"/>
+                <a:gd name="connsiteY2-26" fmla="*/ 0 h 747132"/>
+                <a:gd name="connsiteX3-27" fmla="*/ 5559461 w 5746244"/>
+                <a:gd name="connsiteY3-28" fmla="*/ 747132 h 747132"/>
+                <a:gd name="connsiteX4-29" fmla="*/ 3366 w 5746244"/>
+                <a:gd name="connsiteY4-30" fmla="*/ 747132 h 747132"/>
+              </a:gdLst>
+              <a:ahLst/>
+              <a:cxnLst>
+                <a:cxn ang="0">
+                  <a:pos x="connsiteX0-1" y="connsiteY0-2"/>
+                </a:cxn>
+                <a:cxn ang="0">
+                  <a:pos x="connsiteX1-3" y="connsiteY1-4"/>
+                </a:cxn>
+                <a:cxn ang="0">
+                  <a:pos x="connsiteX2-5" y="connsiteY2-6"/>
+                </a:cxn>
+                <a:cxn ang="0">
+                  <a:pos x="connsiteX3-7" y="connsiteY3-8"/>
+                </a:cxn>
+                <a:cxn ang="0">
+                  <a:pos x="connsiteX4-9" y="connsiteY4-10"/>
+                </a:cxn>
+              </a:cxnLst>
+              <a:rect l="l" t="t" r="r" b="b"/>
+              <a:pathLst>
+                <a:path w="5746244" h="747132">
+                  <a:moveTo>
+                    <a:pt x="3366" y="747132"/>
+                  </a:moveTo>
+                  <a:cubicBezTo>
+                    <a:pt x="6154" y="498088"/>
+                    <a:pt x="-2210" y="249045"/>
+                    <a:pt x="578" y="1"/>
+                  </a:cubicBezTo>
+                  <a:lnTo>
+                    <a:pt x="5746244" y="0"/>
+                  </a:lnTo>
+                  <a:lnTo>
+                    <a:pt x="5559461" y="747132"/>
+                  </a:lnTo>
+                  <a:lnTo>
+                    <a:pt x="3366" y="747132"/>
+                  </a:lnTo>
+                  <a:close/>
+                </a:path>
+              </a:pathLst>
+            </a:custGeom>
+            <a:solidFill>
+              <a:srgbClr val="9D9AAB">
+                <a:alpha val="64000"/>
+              </a:srgbClr>
+            </a:solidFill>
+            <a:ln>
+              <a:noFill/>
+            </a:ln>
+          </p:spPr>
+          <p:style>
+            <a:lnRef idx="2">
+              <a:schemeClr val="accent1">
+                <a:shade val="50000"/>
+              </a:schemeClr>
+            </a:lnRef>
+            <a:fillRef idx="1">
+              <a:schemeClr val="accent1"/>
+            </a:fillRef>
+            <a:effectRef idx="0">
+              <a:schemeClr val="accent1"/>
+            </a:effectRef>
+            <a:fontRef idx="minor">
+              <a:schemeClr val="lt1"/>
+            </a:fontRef>
+          </p:style>
+          <p:txBody>
+            <a:bodyPr rtlCol="0" anchor="ctr"/>
+            <a:lstStyle/>
+            <a:p>
+              <a:pPr algn="ctr"/>
+              <a:endParaRPr lang="zh-CN" altLang="en-US">
+                <a:cs typeface="+mn-ea"/>
+                <a:sym typeface="+mn-lt"/>
+              </a:endParaRPr>
+            </a:p>
+          </p:txBody>
+        </p:sp>
+        <p:grpSp>
+          <p:nvGrpSpPr>
+            <p:cNvPr id="14" name="组合 7">
+              <a:extLst>
+                <a:ext uri="{FF2B5EF4-FFF2-40B4-BE49-F238E27FC236}">
+                  <a16:creationId xmlns:a16="http://schemas.microsoft.com/office/drawing/2014/main" id="{90870847-0D53-A0EF-6918-BA84FFEAE83D}"/>
+                </a:ext>
+              </a:extLst>
+            </p:cNvPr>
+            <p:cNvGrpSpPr/>
+            <p:nvPr/>
+          </p:nvGrpSpPr>
+          <p:grpSpPr>
+            <a:xfrm>
+              <a:off x="223081" y="113582"/>
+              <a:ext cx="4126451" cy="633550"/>
+              <a:chOff x="234232" y="145481"/>
+              <a:chExt cx="4126451" cy="633550"/>
+            </a:xfrm>
+          </p:grpSpPr>
+          <p:sp>
+            <p:nvSpPr>
+              <p:cNvPr id="17" name="文本框 5">
+                <a:extLst>
+                  <a:ext uri="{FF2B5EF4-FFF2-40B4-BE49-F238E27FC236}">
+                    <a16:creationId xmlns:a16="http://schemas.microsoft.com/office/drawing/2014/main" id="{5FBFBE75-96A6-C4FD-91F4-94F6D1A738A9}"/>
+                  </a:ext>
+                </a:extLst>
+              </p:cNvPr>
+              <p:cNvSpPr txBox="1"/>
+              <p:nvPr/>
+            </p:nvSpPr>
+            <p:spPr>
+              <a:xfrm>
+                <a:off x="234232" y="145481"/>
+                <a:ext cx="800219" cy="461665"/>
+              </a:xfrm>
+              <a:prstGeom prst="rect">
+                <a:avLst/>
+              </a:prstGeom>
+              <a:noFill/>
+            </p:spPr>
+            <p:txBody>
+              <a:bodyPr wrap="none" rtlCol="0">
+                <a:spAutoFit/>
+              </a:bodyPr>
+              <a:lstStyle/>
+              <a:p>
+                <a:r>
+                  <a:rPr lang="zh-CN" altLang="en-US" sz="2400" b="1" dirty="0">
+                    <a:solidFill>
+                      <a:schemeClr val="bg1"/>
+                    </a:solidFill>
+                    <a:cs typeface="+mn-ea"/>
+                    <a:sym typeface="+mn-lt"/>
+                  </a:rPr>
+                  <a:t>实战</a:t>
+                </a:r>
+              </a:p>
+            </p:txBody>
+          </p:sp>
+          <p:sp>
+            <p:nvSpPr>
+              <p:cNvPr id="33" name="文本框 6">
+                <a:extLst>
+                  <a:ext uri="{FF2B5EF4-FFF2-40B4-BE49-F238E27FC236}">
+                    <a16:creationId xmlns:a16="http://schemas.microsoft.com/office/drawing/2014/main" id="{41C0FCC3-3E65-C689-99EA-8B0952AD2C68}"/>
+                  </a:ext>
+                </a:extLst>
+              </p:cNvPr>
+              <p:cNvSpPr txBox="1"/>
+              <p:nvPr/>
+            </p:nvSpPr>
+            <p:spPr>
+              <a:xfrm>
+                <a:off x="234232" y="517421"/>
+                <a:ext cx="4126451" cy="261610"/>
+              </a:xfrm>
+              <a:prstGeom prst="rect">
+                <a:avLst/>
+              </a:prstGeom>
+              <a:noFill/>
+            </p:spPr>
+            <p:txBody>
+              <a:bodyPr wrap="none" rtlCol="0">
+                <a:spAutoFit/>
+              </a:bodyPr>
+              <a:lstStyle/>
+              <a:p>
+                <a:r>
+                  <a:rPr lang="zh-CN" altLang="en-US" sz="1100" dirty="0">
+                    <a:solidFill>
+                      <a:schemeClr val="bg1"/>
+                    </a:solidFill>
+                    <a:cs typeface="+mn-ea"/>
+                    <a:sym typeface="+mn-lt"/>
+                  </a:rPr>
+                  <a:t>木子正兴，一个正在</a:t>
+                </a:r>
+                <a:r>
+                  <a:rPr lang="en-US" altLang="zh-CN" sz="1100" dirty="0">
+                    <a:solidFill>
+                      <a:schemeClr val="bg1"/>
+                    </a:solidFill>
+                    <a:cs typeface="+mn-ea"/>
+                    <a:sym typeface="+mn-lt"/>
+                  </a:rPr>
+                  <a:t>AI</a:t>
+                </a:r>
+                <a:r>
+                  <a:rPr lang="zh-CN" altLang="en-US" sz="1100" dirty="0">
+                    <a:solidFill>
+                      <a:schemeClr val="bg1"/>
+                    </a:solidFill>
+                    <a:cs typeface="+mn-ea"/>
+                    <a:sym typeface="+mn-lt"/>
+                  </a:rPr>
+                  <a:t>领域摸索、爱学习、爱分享的前端工程师</a:t>
+                </a:r>
+              </a:p>
+            </p:txBody>
+          </p:sp>
+        </p:grpSp>
+      </p:grpSp>
+    </p:spTree>
+  </p:cSld>
+  <p:clrMapOvr>
+    <a:masterClrMapping/>
+  </p:clrMapOvr>
+</p:sld>
+</file>
+
+<file path=ppt/slides/slide5.xml><?xml version="1.0" encoding="utf-8"?>
+<p:sld xmlns:a="http://schemas.openxmlformats.org/drawingml/2006/main" xmlns:r="http://schemas.openxmlformats.org/officeDocument/2006/relationships" xmlns:p="http://schemas.openxmlformats.org/presentationml/2006/main">
+  <p:cSld>
+    <p:spTree>
+      <p:nvGrpSpPr>
+        <p:cNvPr id="1" name=""/>
+        <p:cNvGrpSpPr/>
+        <p:nvPr/>
+      </p:nvGrpSpPr>
+      <p:grpSpPr>
+        <a:xfrm>
+          <a:off x="0" y="0"/>
+          <a:ext cx="0" cy="0"/>
+          <a:chOff x="0" y="0"/>
+          <a:chExt cx="0" cy="0"/>
+        </a:xfrm>
+      </p:grpSpPr>
       <p:sp>
         <p:nvSpPr>
           <p:cNvPr id="37" name="矩形 36"/>
@@ -41779,7 +42565,7 @@
 </p:sld>
 </file>
 
-<file path=ppt/slides/slide4.xml><?xml version="1.0" encoding="utf-8"?>
+<file path=ppt/slides/slide6.xml><?xml version="1.0" encoding="utf-8"?>
 <p:sld xmlns:a="http://schemas.openxmlformats.org/drawingml/2006/main" xmlns:r="http://schemas.openxmlformats.org/officeDocument/2006/relationships" xmlns:p="http://schemas.openxmlformats.org/presentationml/2006/main">
   <p:cSld>
     <p:spTree>
@@ -42621,1984 +43407,7 @@
 </p:sld>
 </file>
 
-<file path=ppt/slides/slide5.xml><?xml version="1.0" encoding="utf-8"?>
-<p:sld xmlns:a="http://schemas.openxmlformats.org/drawingml/2006/main" xmlns:r="http://schemas.openxmlformats.org/officeDocument/2006/relationships" xmlns:p="http://schemas.openxmlformats.org/presentationml/2006/main">
-  <p:cSld>
-    <p:spTree>
-      <p:nvGrpSpPr>
-        <p:cNvPr id="1" name=""/>
-        <p:cNvGrpSpPr/>
-        <p:nvPr/>
-      </p:nvGrpSpPr>
-      <p:grpSpPr>
-        <a:xfrm>
-          <a:off x="0" y="0"/>
-          <a:ext cx="0" cy="0"/>
-          <a:chOff x="0" y="0"/>
-          <a:chExt cx="0" cy="0"/>
-        </a:xfrm>
-      </p:grpSpPr>
-      <p:grpSp>
-        <p:nvGrpSpPr>
-          <p:cNvPr id="128" name="组合 127"/>
-          <p:cNvGrpSpPr/>
-          <p:nvPr/>
-        </p:nvGrpSpPr>
-        <p:grpSpPr>
-          <a:xfrm rot="10800000">
-            <a:off x="1403381" y="4916694"/>
-            <a:ext cx="3185536" cy="374531"/>
-            <a:chOff x="7296272" y="2135598"/>
-            <a:chExt cx="3185536" cy="374531"/>
-          </a:xfrm>
-        </p:grpSpPr>
-        <p:cxnSp>
-          <p:nvCxnSpPr>
-            <p:cNvPr id="129" name="直接连接符 128"/>
-            <p:cNvCxnSpPr/>
-            <p:nvPr/>
-          </p:nvCxnSpPr>
-          <p:spPr>
-            <a:xfrm>
-              <a:off x="7721897" y="2135598"/>
-              <a:ext cx="2759911" cy="0"/>
-            </a:xfrm>
-            <a:prstGeom prst="line">
-              <a:avLst/>
-            </a:prstGeom>
-            <a:ln w="25400">
-              <a:solidFill>
-                <a:srgbClr val="D7CFCD"/>
-              </a:solidFill>
-            </a:ln>
-          </p:spPr>
-          <p:style>
-            <a:lnRef idx="1">
-              <a:schemeClr val="accent1"/>
-            </a:lnRef>
-            <a:fillRef idx="0">
-              <a:schemeClr val="accent1"/>
-            </a:fillRef>
-            <a:effectRef idx="0">
-              <a:schemeClr val="accent1"/>
-            </a:effectRef>
-            <a:fontRef idx="minor">
-              <a:schemeClr val="tx1"/>
-            </a:fontRef>
-          </p:style>
-        </p:cxnSp>
-        <p:cxnSp>
-          <p:nvCxnSpPr>
-            <p:cNvPr id="130" name="直接连接符 129"/>
-            <p:cNvCxnSpPr/>
-            <p:nvPr/>
-          </p:nvCxnSpPr>
-          <p:spPr>
-            <a:xfrm flipH="1">
-              <a:off x="7296272" y="2135809"/>
-              <a:ext cx="461078" cy="374320"/>
-            </a:xfrm>
-            <a:prstGeom prst="line">
-              <a:avLst/>
-            </a:prstGeom>
-            <a:ln w="25400">
-              <a:solidFill>
-                <a:srgbClr val="D7CFCD"/>
-              </a:solidFill>
-            </a:ln>
-          </p:spPr>
-          <p:style>
-            <a:lnRef idx="1">
-              <a:schemeClr val="accent1"/>
-            </a:lnRef>
-            <a:fillRef idx="0">
-              <a:schemeClr val="accent1"/>
-            </a:fillRef>
-            <a:effectRef idx="0">
-              <a:schemeClr val="accent1"/>
-            </a:effectRef>
-            <a:fontRef idx="minor">
-              <a:schemeClr val="tx1"/>
-            </a:fontRef>
-          </p:style>
-        </p:cxnSp>
-      </p:grpSp>
-      <p:grpSp>
-        <p:nvGrpSpPr>
-          <p:cNvPr id="127" name="组合 126"/>
-          <p:cNvGrpSpPr/>
-          <p:nvPr/>
-        </p:nvGrpSpPr>
-        <p:grpSpPr>
-          <a:xfrm>
-            <a:off x="7296272" y="2135598"/>
-            <a:ext cx="3185536" cy="374531"/>
-            <a:chOff x="7296272" y="2135598"/>
-            <a:chExt cx="3185536" cy="374531"/>
-          </a:xfrm>
-        </p:grpSpPr>
-        <p:cxnSp>
-          <p:nvCxnSpPr>
-            <p:cNvPr id="119" name="直接连接符 118"/>
-            <p:cNvCxnSpPr/>
-            <p:nvPr/>
-          </p:nvCxnSpPr>
-          <p:spPr>
-            <a:xfrm>
-              <a:off x="7721897" y="2135598"/>
-              <a:ext cx="2759911" cy="0"/>
-            </a:xfrm>
-            <a:prstGeom prst="line">
-              <a:avLst/>
-            </a:prstGeom>
-            <a:ln w="25400">
-              <a:solidFill>
-                <a:srgbClr val="D7CFCD"/>
-              </a:solidFill>
-            </a:ln>
-          </p:spPr>
-          <p:style>
-            <a:lnRef idx="1">
-              <a:schemeClr val="accent1"/>
-            </a:lnRef>
-            <a:fillRef idx="0">
-              <a:schemeClr val="accent1"/>
-            </a:fillRef>
-            <a:effectRef idx="0">
-              <a:schemeClr val="accent1"/>
-            </a:effectRef>
-            <a:fontRef idx="minor">
-              <a:schemeClr val="tx1"/>
-            </a:fontRef>
-          </p:style>
-        </p:cxnSp>
-        <p:cxnSp>
-          <p:nvCxnSpPr>
-            <p:cNvPr id="120" name="直接连接符 119"/>
-            <p:cNvCxnSpPr/>
-            <p:nvPr/>
-          </p:nvCxnSpPr>
-          <p:spPr>
-            <a:xfrm flipH="1">
-              <a:off x="7296272" y="2135809"/>
-              <a:ext cx="461078" cy="374320"/>
-            </a:xfrm>
-            <a:prstGeom prst="line">
-              <a:avLst/>
-            </a:prstGeom>
-            <a:ln w="25400">
-              <a:solidFill>
-                <a:srgbClr val="D7CFCD"/>
-              </a:solidFill>
-            </a:ln>
-          </p:spPr>
-          <p:style>
-            <a:lnRef idx="1">
-              <a:schemeClr val="accent1"/>
-            </a:lnRef>
-            <a:fillRef idx="0">
-              <a:schemeClr val="accent1"/>
-            </a:fillRef>
-            <a:effectRef idx="0">
-              <a:schemeClr val="accent1"/>
-            </a:effectRef>
-            <a:fontRef idx="minor">
-              <a:schemeClr val="tx1"/>
-            </a:fontRef>
-          </p:style>
-        </p:cxnSp>
-      </p:grpSp>
-      <p:grpSp>
-        <p:nvGrpSpPr>
-          <p:cNvPr id="113" name="组合 112"/>
-          <p:cNvGrpSpPr/>
-          <p:nvPr/>
-        </p:nvGrpSpPr>
-        <p:grpSpPr>
-          <a:xfrm>
-            <a:off x="1403380" y="2160194"/>
-            <a:ext cx="3317144" cy="325338"/>
-            <a:chOff x="1466850" y="2283038"/>
-            <a:chExt cx="3317144" cy="325338"/>
-          </a:xfrm>
-        </p:grpSpPr>
-        <p:cxnSp>
-          <p:nvCxnSpPr>
-            <p:cNvPr id="105" name="直接连接符 104"/>
-            <p:cNvCxnSpPr/>
-            <p:nvPr/>
-          </p:nvCxnSpPr>
-          <p:spPr>
-            <a:xfrm>
-              <a:off x="1466850" y="2283038"/>
-              <a:ext cx="2759911" cy="0"/>
-            </a:xfrm>
-            <a:prstGeom prst="line">
-              <a:avLst/>
-            </a:prstGeom>
-            <a:ln w="25400">
-              <a:solidFill>
-                <a:srgbClr val="9D9AAB"/>
-              </a:solidFill>
-            </a:ln>
-          </p:spPr>
-          <p:style>
-            <a:lnRef idx="1">
-              <a:schemeClr val="accent1"/>
-            </a:lnRef>
-            <a:fillRef idx="0">
-              <a:schemeClr val="accent1"/>
-            </a:fillRef>
-            <a:effectRef idx="0">
-              <a:schemeClr val="accent1"/>
-            </a:effectRef>
-            <a:fontRef idx="minor">
-              <a:schemeClr val="tx1"/>
-            </a:fontRef>
-          </p:style>
-        </p:cxnSp>
-        <p:cxnSp>
-          <p:nvCxnSpPr>
-            <p:cNvPr id="106" name="直接连接符 105"/>
-            <p:cNvCxnSpPr/>
-            <p:nvPr/>
-          </p:nvCxnSpPr>
-          <p:spPr>
-            <a:xfrm>
-              <a:off x="4226761" y="2283038"/>
-              <a:ext cx="557233" cy="325338"/>
-            </a:xfrm>
-            <a:prstGeom prst="line">
-              <a:avLst/>
-            </a:prstGeom>
-            <a:ln w="25400">
-              <a:solidFill>
-                <a:srgbClr val="9D9AAB"/>
-              </a:solidFill>
-            </a:ln>
-          </p:spPr>
-          <p:style>
-            <a:lnRef idx="1">
-              <a:schemeClr val="accent1"/>
-            </a:lnRef>
-            <a:fillRef idx="0">
-              <a:schemeClr val="accent1"/>
-            </a:fillRef>
-            <a:effectRef idx="0">
-              <a:schemeClr val="accent1"/>
-            </a:effectRef>
-            <a:fontRef idx="minor">
-              <a:schemeClr val="tx1"/>
-            </a:fontRef>
-          </p:style>
-        </p:cxnSp>
-      </p:grpSp>
-      <p:grpSp>
-        <p:nvGrpSpPr>
-          <p:cNvPr id="117" name="组合 116"/>
-          <p:cNvGrpSpPr/>
-          <p:nvPr/>
-        </p:nvGrpSpPr>
-        <p:grpSpPr>
-          <a:xfrm>
-            <a:off x="7325884" y="4941291"/>
-            <a:ext cx="3317144" cy="325338"/>
-            <a:chOff x="7325884" y="4860712"/>
-            <a:chExt cx="3317144" cy="325338"/>
-          </a:xfrm>
-        </p:grpSpPr>
-        <p:cxnSp>
-          <p:nvCxnSpPr>
-            <p:cNvPr id="115" name="直接连接符 114"/>
-            <p:cNvCxnSpPr/>
-            <p:nvPr/>
-          </p:nvCxnSpPr>
-          <p:spPr>
-            <a:xfrm rot="10800000">
-              <a:off x="7883117" y="5186050"/>
-              <a:ext cx="2759911" cy="0"/>
-            </a:xfrm>
-            <a:prstGeom prst="line">
-              <a:avLst/>
-            </a:prstGeom>
-            <a:ln w="25400">
-              <a:solidFill>
-                <a:srgbClr val="948C89"/>
-              </a:solidFill>
-            </a:ln>
-          </p:spPr>
-          <p:style>
-            <a:lnRef idx="1">
-              <a:schemeClr val="accent1"/>
-            </a:lnRef>
-            <a:fillRef idx="0">
-              <a:schemeClr val="accent1"/>
-            </a:fillRef>
-            <a:effectRef idx="0">
-              <a:schemeClr val="accent1"/>
-            </a:effectRef>
-            <a:fontRef idx="minor">
-              <a:schemeClr val="tx1"/>
-            </a:fontRef>
-          </p:style>
-        </p:cxnSp>
-        <p:cxnSp>
-          <p:nvCxnSpPr>
-            <p:cNvPr id="116" name="直接连接符 115"/>
-            <p:cNvCxnSpPr/>
-            <p:nvPr/>
-          </p:nvCxnSpPr>
-          <p:spPr>
-            <a:xfrm rot="10800000">
-              <a:off x="7325884" y="4860712"/>
-              <a:ext cx="557233" cy="325338"/>
-            </a:xfrm>
-            <a:prstGeom prst="line">
-              <a:avLst/>
-            </a:prstGeom>
-            <a:ln w="25400">
-              <a:solidFill>
-                <a:srgbClr val="948C89"/>
-              </a:solidFill>
-            </a:ln>
-          </p:spPr>
-          <p:style>
-            <a:lnRef idx="1">
-              <a:schemeClr val="accent1"/>
-            </a:lnRef>
-            <a:fillRef idx="0">
-              <a:schemeClr val="accent1"/>
-            </a:fillRef>
-            <a:effectRef idx="0">
-              <a:schemeClr val="accent1"/>
-            </a:effectRef>
-            <a:fontRef idx="minor">
-              <a:schemeClr val="tx1"/>
-            </a:fontRef>
-          </p:style>
-        </p:cxnSp>
-      </p:grpSp>
-      <p:grpSp>
-        <p:nvGrpSpPr>
-          <p:cNvPr id="2" name="组合 1"/>
-          <p:cNvGrpSpPr/>
-          <p:nvPr/>
-        </p:nvGrpSpPr>
-        <p:grpSpPr>
-          <a:xfrm>
-            <a:off x="-3366" y="0"/>
-            <a:ext cx="12195366" cy="747132"/>
-            <a:chOff x="-3366" y="0"/>
-            <a:chExt cx="12195366" cy="747132"/>
-          </a:xfrm>
-        </p:grpSpPr>
-        <p:sp>
-          <p:nvSpPr>
-            <p:cNvPr id="3" name="矩形 2"/>
-            <p:cNvSpPr/>
-            <p:nvPr/>
-          </p:nvSpPr>
-          <p:spPr>
-            <a:xfrm>
-              <a:off x="0" y="0"/>
-              <a:ext cx="12192000" cy="747132"/>
-            </a:xfrm>
-            <a:prstGeom prst="rect">
-              <a:avLst/>
-            </a:prstGeom>
-            <a:solidFill>
-              <a:srgbClr val="D7CFCD">
-                <a:alpha val="63000"/>
-              </a:srgbClr>
-            </a:solidFill>
-            <a:ln>
-              <a:noFill/>
-            </a:ln>
-          </p:spPr>
-          <p:style>
-            <a:lnRef idx="2">
-              <a:schemeClr val="accent1">
-                <a:shade val="50000"/>
-              </a:schemeClr>
-            </a:lnRef>
-            <a:fillRef idx="1">
-              <a:schemeClr val="accent1"/>
-            </a:fillRef>
-            <a:effectRef idx="0">
-              <a:schemeClr val="accent1"/>
-            </a:effectRef>
-            <a:fontRef idx="minor">
-              <a:schemeClr val="lt1"/>
-            </a:fontRef>
-          </p:style>
-          <p:txBody>
-            <a:bodyPr rtlCol="0" anchor="ctr"/>
-            <a:lstStyle/>
-            <a:p>
-              <a:pPr algn="ctr"/>
-              <a:endParaRPr lang="zh-CN" altLang="en-US">
-                <a:cs typeface="+mn-ea"/>
-                <a:sym typeface="+mn-lt"/>
-              </a:endParaRPr>
-            </a:p>
-          </p:txBody>
-        </p:sp>
-        <p:sp>
-          <p:nvSpPr>
-            <p:cNvPr id="4" name="平行四边形 2"/>
-            <p:cNvSpPr/>
-            <p:nvPr/>
-          </p:nvSpPr>
-          <p:spPr>
-            <a:xfrm>
-              <a:off x="-3366" y="0"/>
-              <a:ext cx="3248371" cy="747132"/>
-            </a:xfrm>
-            <a:custGeom>
-              <a:avLst/>
-              <a:gdLst>
-                <a:gd name="connsiteX0" fmla="*/ 0 w 5742878"/>
-                <a:gd name="connsiteY0" fmla="*/ 747132 h 747132"/>
-                <a:gd name="connsiteX1" fmla="*/ 186783 w 5742878"/>
-                <a:gd name="connsiteY1" fmla="*/ 0 h 747132"/>
-                <a:gd name="connsiteX2" fmla="*/ 5742878 w 5742878"/>
-                <a:gd name="connsiteY2" fmla="*/ 0 h 747132"/>
-                <a:gd name="connsiteX3" fmla="*/ 5556095 w 5742878"/>
-                <a:gd name="connsiteY3" fmla="*/ 747132 h 747132"/>
-                <a:gd name="connsiteX4" fmla="*/ 0 w 5742878"/>
-                <a:gd name="connsiteY4" fmla="*/ 747132 h 747132"/>
-                <a:gd name="connsiteX0-1" fmla="*/ 0 w 5742878"/>
-                <a:gd name="connsiteY0-2" fmla="*/ 747132 h 747132"/>
-                <a:gd name="connsiteX1-3" fmla="*/ 8363 w 5742878"/>
-                <a:gd name="connsiteY1-4" fmla="*/ 0 h 747132"/>
-                <a:gd name="connsiteX2-5" fmla="*/ 5742878 w 5742878"/>
-                <a:gd name="connsiteY2-6" fmla="*/ 0 h 747132"/>
-                <a:gd name="connsiteX3-7" fmla="*/ 5556095 w 5742878"/>
-                <a:gd name="connsiteY3-8" fmla="*/ 747132 h 747132"/>
-                <a:gd name="connsiteX4-9" fmla="*/ 0 w 5742878"/>
-                <a:gd name="connsiteY4-10" fmla="*/ 747132 h 747132"/>
-                <a:gd name="connsiteX0-11" fmla="*/ 14213 w 5757091"/>
-                <a:gd name="connsiteY0-12" fmla="*/ 747132 h 747132"/>
-                <a:gd name="connsiteX1-13" fmla="*/ 273 w 5757091"/>
-                <a:gd name="connsiteY1-14" fmla="*/ 33454 h 747132"/>
-                <a:gd name="connsiteX2-15" fmla="*/ 5757091 w 5757091"/>
-                <a:gd name="connsiteY2-16" fmla="*/ 0 h 747132"/>
-                <a:gd name="connsiteX3-17" fmla="*/ 5570308 w 5757091"/>
-                <a:gd name="connsiteY3-18" fmla="*/ 747132 h 747132"/>
-                <a:gd name="connsiteX4-19" fmla="*/ 14213 w 5757091"/>
-                <a:gd name="connsiteY4-20" fmla="*/ 747132 h 747132"/>
-                <a:gd name="connsiteX0-21" fmla="*/ 3366 w 5746244"/>
-                <a:gd name="connsiteY0-22" fmla="*/ 747132 h 747132"/>
-                <a:gd name="connsiteX1-23" fmla="*/ 578 w 5746244"/>
-                <a:gd name="connsiteY1-24" fmla="*/ 1 h 747132"/>
-                <a:gd name="connsiteX2-25" fmla="*/ 5746244 w 5746244"/>
-                <a:gd name="connsiteY2-26" fmla="*/ 0 h 747132"/>
-                <a:gd name="connsiteX3-27" fmla="*/ 5559461 w 5746244"/>
-                <a:gd name="connsiteY3-28" fmla="*/ 747132 h 747132"/>
-                <a:gd name="connsiteX4-29" fmla="*/ 3366 w 5746244"/>
-                <a:gd name="connsiteY4-30" fmla="*/ 747132 h 747132"/>
-              </a:gdLst>
-              <a:ahLst/>
-              <a:cxnLst>
-                <a:cxn ang="0">
-                  <a:pos x="connsiteX0-1" y="connsiteY0-2"/>
-                </a:cxn>
-                <a:cxn ang="0">
-                  <a:pos x="connsiteX1-3" y="connsiteY1-4"/>
-                </a:cxn>
-                <a:cxn ang="0">
-                  <a:pos x="connsiteX2-5" y="connsiteY2-6"/>
-                </a:cxn>
-                <a:cxn ang="0">
-                  <a:pos x="connsiteX3-7" y="connsiteY3-8"/>
-                </a:cxn>
-                <a:cxn ang="0">
-                  <a:pos x="connsiteX4-9" y="connsiteY4-10"/>
-                </a:cxn>
-              </a:cxnLst>
-              <a:rect l="l" t="t" r="r" b="b"/>
-              <a:pathLst>
-                <a:path w="5746244" h="747132">
-                  <a:moveTo>
-                    <a:pt x="3366" y="747132"/>
-                  </a:moveTo>
-                  <a:cubicBezTo>
-                    <a:pt x="6154" y="498088"/>
-                    <a:pt x="-2210" y="249045"/>
-                    <a:pt x="578" y="1"/>
-                  </a:cubicBezTo>
-                  <a:lnTo>
-                    <a:pt x="5746244" y="0"/>
-                  </a:lnTo>
-                  <a:lnTo>
-                    <a:pt x="5559461" y="747132"/>
-                  </a:lnTo>
-                  <a:lnTo>
-                    <a:pt x="3366" y="747132"/>
-                  </a:lnTo>
-                  <a:close/>
-                </a:path>
-              </a:pathLst>
-            </a:custGeom>
-            <a:solidFill>
-              <a:srgbClr val="9D9AAB">
-                <a:alpha val="64000"/>
-              </a:srgbClr>
-            </a:solidFill>
-            <a:ln>
-              <a:noFill/>
-            </a:ln>
-          </p:spPr>
-          <p:style>
-            <a:lnRef idx="2">
-              <a:schemeClr val="accent1">
-                <a:shade val="50000"/>
-              </a:schemeClr>
-            </a:lnRef>
-            <a:fillRef idx="1">
-              <a:schemeClr val="accent1"/>
-            </a:fillRef>
-            <a:effectRef idx="0">
-              <a:schemeClr val="accent1"/>
-            </a:effectRef>
-            <a:fontRef idx="minor">
-              <a:schemeClr val="lt1"/>
-            </a:fontRef>
-          </p:style>
-          <p:txBody>
-            <a:bodyPr rtlCol="0" anchor="ctr"/>
-            <a:lstStyle/>
-            <a:p>
-              <a:pPr algn="ctr"/>
-              <a:endParaRPr lang="zh-CN" altLang="en-US">
-                <a:cs typeface="+mn-ea"/>
-                <a:sym typeface="+mn-lt"/>
-              </a:endParaRPr>
-            </a:p>
-          </p:txBody>
-        </p:sp>
-        <p:grpSp>
-          <p:nvGrpSpPr>
-            <p:cNvPr id="5" name="组合 4"/>
-            <p:cNvGrpSpPr/>
-            <p:nvPr/>
-          </p:nvGrpSpPr>
-          <p:grpSpPr>
-            <a:xfrm>
-              <a:off x="223081" y="92220"/>
-              <a:ext cx="2715808" cy="599156"/>
-              <a:chOff x="234232" y="124119"/>
-              <a:chExt cx="2715808" cy="599156"/>
-            </a:xfrm>
-          </p:grpSpPr>
-          <p:sp>
-            <p:nvSpPr>
-              <p:cNvPr id="9" name="文本框 8"/>
-              <p:cNvSpPr txBox="1"/>
-              <p:nvPr/>
-            </p:nvSpPr>
-            <p:spPr>
-              <a:xfrm>
-                <a:off x="234232" y="124119"/>
-                <a:ext cx="2339102" cy="461665"/>
-              </a:xfrm>
-              <a:prstGeom prst="rect">
-                <a:avLst/>
-              </a:prstGeom>
-              <a:noFill/>
-            </p:spPr>
-            <p:txBody>
-              <a:bodyPr wrap="none" rtlCol="0">
-                <a:spAutoFit/>
-              </a:bodyPr>
-              <a:lstStyle/>
-              <a:p>
-                <a:r>
-                  <a:rPr lang="zh-CN" altLang="en-US" sz="2400" b="1" dirty="0">
-                    <a:solidFill>
-                      <a:schemeClr val="bg1"/>
-                    </a:solidFill>
-                    <a:cs typeface="+mn-ea"/>
-                    <a:sym typeface="+mn-lt"/>
-                  </a:rPr>
-                  <a:t>选题背景与意义</a:t>
-                </a:r>
-              </a:p>
-            </p:txBody>
-          </p:sp>
-          <p:sp>
-            <p:nvSpPr>
-              <p:cNvPr id="10" name="文本框 9"/>
-              <p:cNvSpPr txBox="1"/>
-              <p:nvPr/>
-            </p:nvSpPr>
-            <p:spPr>
-              <a:xfrm>
-                <a:off x="234232" y="461665"/>
-                <a:ext cx="2715808" cy="261610"/>
-              </a:xfrm>
-              <a:prstGeom prst="rect">
-                <a:avLst/>
-              </a:prstGeom>
-              <a:noFill/>
-            </p:spPr>
-            <p:txBody>
-              <a:bodyPr wrap="none" rtlCol="0">
-                <a:spAutoFit/>
-              </a:bodyPr>
-              <a:lstStyle/>
-              <a:p>
-                <a:r>
-                  <a:rPr lang="en-US" altLang="zh-CN" sz="1100" dirty="0">
-                    <a:solidFill>
-                      <a:schemeClr val="bg1"/>
-                    </a:solidFill>
-                    <a:cs typeface="+mn-ea"/>
-                    <a:sym typeface="+mn-lt"/>
-                  </a:rPr>
-                  <a:t>Background and significance of the topic</a:t>
-                </a:r>
-                <a:endParaRPr lang="zh-CN" altLang="en-US" sz="1100" dirty="0">
-                  <a:solidFill>
-                    <a:schemeClr val="bg1"/>
-                  </a:solidFill>
-                  <a:cs typeface="+mn-ea"/>
-                  <a:sym typeface="+mn-lt"/>
-                </a:endParaRPr>
-              </a:p>
-            </p:txBody>
-          </p:sp>
-        </p:grpSp>
-      </p:grpSp>
-      <p:grpSp>
-        <p:nvGrpSpPr>
-          <p:cNvPr id="103" name="组合 102"/>
-          <p:cNvGrpSpPr/>
-          <p:nvPr/>
-        </p:nvGrpSpPr>
-        <p:grpSpPr>
-          <a:xfrm>
-            <a:off x="4169569" y="1893094"/>
-            <a:ext cx="3662362" cy="3662362"/>
-            <a:chOff x="4264819" y="1597819"/>
-            <a:chExt cx="3662362" cy="3662362"/>
-          </a:xfrm>
-        </p:grpSpPr>
-        <p:grpSp>
-          <p:nvGrpSpPr>
-            <p:cNvPr id="101" name="组合 100"/>
-            <p:cNvGrpSpPr/>
-            <p:nvPr/>
-          </p:nvGrpSpPr>
-          <p:grpSpPr>
-            <a:xfrm>
-              <a:off x="4264819" y="1597819"/>
-              <a:ext cx="3662362" cy="3662362"/>
-              <a:chOff x="4264819" y="1597819"/>
-              <a:chExt cx="3662362" cy="3662362"/>
-            </a:xfrm>
-          </p:grpSpPr>
-          <p:sp>
-            <p:nvSpPr>
-              <p:cNvPr id="95" name="任意多边形: 形状 94"/>
-              <p:cNvSpPr/>
-              <p:nvPr/>
-            </p:nvSpPr>
-            <p:spPr>
-              <a:xfrm>
-                <a:off x="4943475" y="2276475"/>
-                <a:ext cx="2305050" cy="2305050"/>
-              </a:xfrm>
-              <a:custGeom>
-                <a:avLst/>
-                <a:gdLst>
-                  <a:gd name="connsiteX0" fmla="*/ 1152525 w 2305050"/>
-                  <a:gd name="connsiteY0" fmla="*/ 0 h 2305050"/>
-                  <a:gd name="connsiteX1" fmla="*/ 2305050 w 2305050"/>
-                  <a:gd name="connsiteY1" fmla="*/ 1152525 h 2305050"/>
-                  <a:gd name="connsiteX2" fmla="*/ 1152525 w 2305050"/>
-                  <a:gd name="connsiteY2" fmla="*/ 2305050 h 2305050"/>
-                  <a:gd name="connsiteX3" fmla="*/ 0 w 2305050"/>
-                  <a:gd name="connsiteY3" fmla="*/ 1152525 h 2305050"/>
-                  <a:gd name="connsiteX4" fmla="*/ 1152525 w 2305050"/>
-                  <a:gd name="connsiteY4" fmla="*/ 0 h 2305050"/>
-                </a:gdLst>
-                <a:ahLst/>
-                <a:cxnLst>
-                  <a:cxn ang="0">
-                    <a:pos x="connsiteX0" y="connsiteY0"/>
-                  </a:cxn>
-                  <a:cxn ang="0">
-                    <a:pos x="connsiteX1" y="connsiteY1"/>
-                  </a:cxn>
-                  <a:cxn ang="0">
-                    <a:pos x="connsiteX2" y="connsiteY2"/>
-                  </a:cxn>
-                  <a:cxn ang="0">
-                    <a:pos x="connsiteX3" y="connsiteY3"/>
-                  </a:cxn>
-                  <a:cxn ang="0">
-                    <a:pos x="connsiteX4" y="connsiteY4"/>
-                  </a:cxn>
-                </a:cxnLst>
-                <a:rect l="l" t="t" r="r" b="b"/>
-                <a:pathLst>
-                  <a:path w="2305050" h="2305050">
-                    <a:moveTo>
-                      <a:pt x="1152525" y="0"/>
-                    </a:moveTo>
-                    <a:cubicBezTo>
-                      <a:pt x="1789047" y="0"/>
-                      <a:pt x="2305050" y="516003"/>
-                      <a:pt x="2305050" y="1152525"/>
-                    </a:cubicBezTo>
-                    <a:cubicBezTo>
-                      <a:pt x="2305050" y="1789047"/>
-                      <a:pt x="1789047" y="2305050"/>
-                      <a:pt x="1152525" y="2305050"/>
-                    </a:cubicBezTo>
-                    <a:cubicBezTo>
-                      <a:pt x="516003" y="2305050"/>
-                      <a:pt x="0" y="1789047"/>
-                      <a:pt x="0" y="1152525"/>
-                    </a:cubicBezTo>
-                    <a:cubicBezTo>
-                      <a:pt x="0" y="516003"/>
-                      <a:pt x="516003" y="0"/>
-                      <a:pt x="1152525" y="0"/>
-                    </a:cubicBezTo>
-                    <a:close/>
-                  </a:path>
-                </a:pathLst>
-              </a:custGeom>
-              <a:solidFill>
-                <a:schemeClr val="bg1"/>
-              </a:solidFill>
-              <a:ln>
-                <a:noFill/>
-              </a:ln>
-            </p:spPr>
-            <p:style>
-              <a:lnRef idx="2">
-                <a:schemeClr val="accent1">
-                  <a:shade val="50000"/>
-                </a:schemeClr>
-              </a:lnRef>
-              <a:fillRef idx="1">
-                <a:schemeClr val="accent1"/>
-              </a:fillRef>
-              <a:effectRef idx="0">
-                <a:schemeClr val="accent1"/>
-              </a:effectRef>
-              <a:fontRef idx="minor">
-                <a:schemeClr val="lt1"/>
-              </a:fontRef>
-            </p:style>
-            <p:txBody>
-              <a:bodyPr wrap="square" rtlCol="0" anchor="ctr">
-                <a:noAutofit/>
-              </a:bodyPr>
-              <a:lstStyle/>
-              <a:p>
-                <a:pPr algn="ctr"/>
-                <a:r>
-                  <a:rPr lang="zh-CN" altLang="en-US" sz="3600" b="1" dirty="0">
-                    <a:solidFill>
-                      <a:schemeClr val="bg2">
-                        <a:lumMod val="50000"/>
-                      </a:schemeClr>
-                    </a:solidFill>
-                    <a:cs typeface="+mn-ea"/>
-                    <a:sym typeface="+mn-lt"/>
-                  </a:rPr>
-                  <a:t>意义</a:t>
-                </a:r>
-              </a:p>
-            </p:txBody>
-          </p:sp>
-          <p:sp>
-            <p:nvSpPr>
-              <p:cNvPr id="99" name="任意多边形: 形状 98"/>
-              <p:cNvSpPr/>
-              <p:nvPr/>
-            </p:nvSpPr>
-            <p:spPr>
-              <a:xfrm>
-                <a:off x="6096000" y="3089672"/>
-                <a:ext cx="1831181" cy="2170509"/>
-              </a:xfrm>
-              <a:custGeom>
-                <a:avLst/>
-                <a:gdLst>
-                  <a:gd name="connsiteX0" fmla="*/ 1491853 w 1831181"/>
-                  <a:gd name="connsiteY0" fmla="*/ 0 h 2170509"/>
-                  <a:gd name="connsiteX1" fmla="*/ 1831181 w 1831181"/>
-                  <a:gd name="connsiteY1" fmla="*/ 339328 h 2170509"/>
-                  <a:gd name="connsiteX2" fmla="*/ 0 w 1831181"/>
-                  <a:gd name="connsiteY2" fmla="*/ 2170509 h 2170509"/>
-                  <a:gd name="connsiteX3" fmla="*/ 339328 w 1831181"/>
-                  <a:gd name="connsiteY3" fmla="*/ 1831181 h 2170509"/>
-                  <a:gd name="connsiteX4" fmla="*/ 0 w 1831181"/>
-                  <a:gd name="connsiteY4" fmla="*/ 1491853 h 2170509"/>
-                  <a:gd name="connsiteX5" fmla="*/ 1152525 w 1831181"/>
-                  <a:gd name="connsiteY5" fmla="*/ 339328 h 2170509"/>
-                  <a:gd name="connsiteX6" fmla="*/ 1491853 w 1831181"/>
-                  <a:gd name="connsiteY6" fmla="*/ 0 h 2170509"/>
-                </a:gdLst>
-                <a:ahLst/>
-                <a:cxnLst>
-                  <a:cxn ang="0">
-                    <a:pos x="connsiteX0" y="connsiteY0"/>
-                  </a:cxn>
-                  <a:cxn ang="0">
-                    <a:pos x="connsiteX1" y="connsiteY1"/>
-                  </a:cxn>
-                  <a:cxn ang="0">
-                    <a:pos x="connsiteX2" y="connsiteY2"/>
-                  </a:cxn>
-                  <a:cxn ang="0">
-                    <a:pos x="connsiteX3" y="connsiteY3"/>
-                  </a:cxn>
-                  <a:cxn ang="0">
-                    <a:pos x="connsiteX4" y="connsiteY4"/>
-                  </a:cxn>
-                  <a:cxn ang="0">
-                    <a:pos x="connsiteX5" y="connsiteY5"/>
-                  </a:cxn>
-                  <a:cxn ang="0">
-                    <a:pos x="connsiteX6" y="connsiteY6"/>
-                  </a:cxn>
-                </a:cxnLst>
-                <a:rect l="l" t="t" r="r" b="b"/>
-                <a:pathLst>
-                  <a:path w="1831181" h="2170509">
-                    <a:moveTo>
-                      <a:pt x="1491853" y="0"/>
-                    </a:moveTo>
-                    <a:cubicBezTo>
-                      <a:pt x="1679259" y="0"/>
-                      <a:pt x="1831181" y="151922"/>
-                      <a:pt x="1831181" y="339328"/>
-                    </a:cubicBezTo>
-                    <a:cubicBezTo>
-                      <a:pt x="1831181" y="1350661"/>
-                      <a:pt x="1011333" y="2170509"/>
-                      <a:pt x="0" y="2170509"/>
-                    </a:cubicBezTo>
-                    <a:cubicBezTo>
-                      <a:pt x="187406" y="2170509"/>
-                      <a:pt x="339328" y="2018587"/>
-                      <a:pt x="339328" y="1831181"/>
-                    </a:cubicBezTo>
-                    <a:cubicBezTo>
-                      <a:pt x="339328" y="1643775"/>
-                      <a:pt x="187406" y="1491853"/>
-                      <a:pt x="0" y="1491853"/>
-                    </a:cubicBezTo>
-                    <a:cubicBezTo>
-                      <a:pt x="636522" y="1491853"/>
-                      <a:pt x="1152525" y="975850"/>
-                      <a:pt x="1152525" y="339328"/>
-                    </a:cubicBezTo>
-                    <a:cubicBezTo>
-                      <a:pt x="1152525" y="151922"/>
-                      <a:pt x="1304447" y="0"/>
-                      <a:pt x="1491853" y="0"/>
-                    </a:cubicBezTo>
-                    <a:close/>
-                  </a:path>
-                </a:pathLst>
-              </a:custGeom>
-              <a:solidFill>
-                <a:srgbClr val="948C89"/>
-              </a:solidFill>
-              <a:ln w="25400">
-                <a:solidFill>
-                  <a:srgbClr val="FFFFFF"/>
-                </a:solidFill>
-              </a:ln>
-            </p:spPr>
-            <p:style>
-              <a:lnRef idx="2">
-                <a:schemeClr val="accent1">
-                  <a:shade val="50000"/>
-                </a:schemeClr>
-              </a:lnRef>
-              <a:fillRef idx="1">
-                <a:schemeClr val="accent1"/>
-              </a:fillRef>
-              <a:effectRef idx="0">
-                <a:schemeClr val="accent1"/>
-              </a:effectRef>
-              <a:fontRef idx="minor">
-                <a:schemeClr val="lt1"/>
-              </a:fontRef>
-            </p:style>
-            <p:txBody>
-              <a:bodyPr wrap="square" rtlCol="0" anchor="ctr">
-                <a:noAutofit/>
-              </a:bodyPr>
-              <a:lstStyle/>
-              <a:p>
-                <a:pPr algn="ctr"/>
-                <a:endParaRPr lang="zh-CN" altLang="en-US">
-                  <a:cs typeface="+mn-ea"/>
-                  <a:sym typeface="+mn-lt"/>
-                </a:endParaRPr>
-              </a:p>
-            </p:txBody>
-          </p:sp>
-          <p:sp>
-            <p:nvSpPr>
-              <p:cNvPr id="100" name="任意多边形: 形状 99"/>
-              <p:cNvSpPr/>
-              <p:nvPr/>
-            </p:nvSpPr>
-            <p:spPr>
-              <a:xfrm>
-                <a:off x="4264819" y="3429000"/>
-                <a:ext cx="2170509" cy="1831181"/>
-              </a:xfrm>
-              <a:custGeom>
-                <a:avLst/>
-                <a:gdLst>
-                  <a:gd name="connsiteX0" fmla="*/ 0 w 2170509"/>
-                  <a:gd name="connsiteY0" fmla="*/ 0 h 1831181"/>
-                  <a:gd name="connsiteX1" fmla="*/ 339328 w 2170509"/>
-                  <a:gd name="connsiteY1" fmla="*/ 339328 h 1831181"/>
-                  <a:gd name="connsiteX2" fmla="*/ 678656 w 2170509"/>
-                  <a:gd name="connsiteY2" fmla="*/ 0 h 1831181"/>
-                  <a:gd name="connsiteX3" fmla="*/ 1831181 w 2170509"/>
-                  <a:gd name="connsiteY3" fmla="*/ 1152525 h 1831181"/>
-                  <a:gd name="connsiteX4" fmla="*/ 2170509 w 2170509"/>
-                  <a:gd name="connsiteY4" fmla="*/ 1491853 h 1831181"/>
-                  <a:gd name="connsiteX5" fmla="*/ 1831181 w 2170509"/>
-                  <a:gd name="connsiteY5" fmla="*/ 1831181 h 1831181"/>
-                  <a:gd name="connsiteX6" fmla="*/ 0 w 2170509"/>
-                  <a:gd name="connsiteY6" fmla="*/ 0 h 1831181"/>
-                </a:gdLst>
-                <a:ahLst/>
-                <a:cxnLst>
-                  <a:cxn ang="0">
-                    <a:pos x="connsiteX0" y="connsiteY0"/>
-                  </a:cxn>
-                  <a:cxn ang="0">
-                    <a:pos x="connsiteX1" y="connsiteY1"/>
-                  </a:cxn>
-                  <a:cxn ang="0">
-                    <a:pos x="connsiteX2" y="connsiteY2"/>
-                  </a:cxn>
-                  <a:cxn ang="0">
-                    <a:pos x="connsiteX3" y="connsiteY3"/>
-                  </a:cxn>
-                  <a:cxn ang="0">
-                    <a:pos x="connsiteX4" y="connsiteY4"/>
-                  </a:cxn>
-                  <a:cxn ang="0">
-                    <a:pos x="connsiteX5" y="connsiteY5"/>
-                  </a:cxn>
-                  <a:cxn ang="0">
-                    <a:pos x="connsiteX6" y="connsiteY6"/>
-                  </a:cxn>
-                </a:cxnLst>
-                <a:rect l="l" t="t" r="r" b="b"/>
-                <a:pathLst>
-                  <a:path w="2170509" h="1831181">
-                    <a:moveTo>
-                      <a:pt x="0" y="0"/>
-                    </a:moveTo>
-                    <a:cubicBezTo>
-                      <a:pt x="0" y="187406"/>
-                      <a:pt x="151922" y="339328"/>
-                      <a:pt x="339328" y="339328"/>
-                    </a:cubicBezTo>
-                    <a:cubicBezTo>
-                      <a:pt x="526734" y="339328"/>
-                      <a:pt x="678656" y="187406"/>
-                      <a:pt x="678656" y="0"/>
-                    </a:cubicBezTo>
-                    <a:cubicBezTo>
-                      <a:pt x="678656" y="636522"/>
-                      <a:pt x="1194659" y="1152525"/>
-                      <a:pt x="1831181" y="1152525"/>
-                    </a:cubicBezTo>
-                    <a:cubicBezTo>
-                      <a:pt x="2018587" y="1152525"/>
-                      <a:pt x="2170509" y="1304447"/>
-                      <a:pt x="2170509" y="1491853"/>
-                    </a:cubicBezTo>
-                    <a:cubicBezTo>
-                      <a:pt x="2170509" y="1679259"/>
-                      <a:pt x="2018587" y="1831181"/>
-                      <a:pt x="1831181" y="1831181"/>
-                    </a:cubicBezTo>
-                    <a:cubicBezTo>
-                      <a:pt x="819848" y="1831181"/>
-                      <a:pt x="0" y="1011333"/>
-                      <a:pt x="0" y="0"/>
-                    </a:cubicBezTo>
-                    <a:close/>
-                  </a:path>
-                </a:pathLst>
-              </a:custGeom>
-              <a:solidFill>
-                <a:srgbClr val="E6E1DF"/>
-              </a:solidFill>
-              <a:ln w="25400">
-                <a:solidFill>
-                  <a:srgbClr val="FFFFFF"/>
-                </a:solidFill>
-              </a:ln>
-            </p:spPr>
-            <p:style>
-              <a:lnRef idx="2">
-                <a:schemeClr val="accent1">
-                  <a:shade val="50000"/>
-                </a:schemeClr>
-              </a:lnRef>
-              <a:fillRef idx="1">
-                <a:schemeClr val="accent1"/>
-              </a:fillRef>
-              <a:effectRef idx="0">
-                <a:schemeClr val="accent1"/>
-              </a:effectRef>
-              <a:fontRef idx="minor">
-                <a:schemeClr val="lt1"/>
-              </a:fontRef>
-            </p:style>
-            <p:txBody>
-              <a:bodyPr wrap="square" rtlCol="0" anchor="ctr">
-                <a:noAutofit/>
-              </a:bodyPr>
-              <a:lstStyle/>
-              <a:p>
-                <a:pPr algn="ctr"/>
-                <a:endParaRPr lang="zh-CN" altLang="en-US">
-                  <a:cs typeface="+mn-ea"/>
-                  <a:sym typeface="+mn-lt"/>
-                </a:endParaRPr>
-              </a:p>
-            </p:txBody>
-          </p:sp>
-          <p:sp>
-            <p:nvSpPr>
-              <p:cNvPr id="98" name="任意多边形: 形状 97"/>
-              <p:cNvSpPr/>
-              <p:nvPr/>
-            </p:nvSpPr>
-            <p:spPr>
-              <a:xfrm>
-                <a:off x="5756672" y="1597819"/>
-                <a:ext cx="2170509" cy="1831181"/>
-              </a:xfrm>
-              <a:custGeom>
-                <a:avLst/>
-                <a:gdLst>
-                  <a:gd name="connsiteX0" fmla="*/ 339328 w 2170509"/>
-                  <a:gd name="connsiteY0" fmla="*/ 0 h 1831181"/>
-                  <a:gd name="connsiteX1" fmla="*/ 2170509 w 2170509"/>
-                  <a:gd name="connsiteY1" fmla="*/ 1831181 h 1831181"/>
-                  <a:gd name="connsiteX2" fmla="*/ 1831181 w 2170509"/>
-                  <a:gd name="connsiteY2" fmla="*/ 1491853 h 1831181"/>
-                  <a:gd name="connsiteX3" fmla="*/ 1491853 w 2170509"/>
-                  <a:gd name="connsiteY3" fmla="*/ 1831181 h 1831181"/>
-                  <a:gd name="connsiteX4" fmla="*/ 339328 w 2170509"/>
-                  <a:gd name="connsiteY4" fmla="*/ 678656 h 1831181"/>
-                  <a:gd name="connsiteX5" fmla="*/ 0 w 2170509"/>
-                  <a:gd name="connsiteY5" fmla="*/ 339328 h 1831181"/>
-                  <a:gd name="connsiteX6" fmla="*/ 339328 w 2170509"/>
-                  <a:gd name="connsiteY6" fmla="*/ 0 h 1831181"/>
-                </a:gdLst>
-                <a:ahLst/>
-                <a:cxnLst>
-                  <a:cxn ang="0">
-                    <a:pos x="connsiteX0" y="connsiteY0"/>
-                  </a:cxn>
-                  <a:cxn ang="0">
-                    <a:pos x="connsiteX1" y="connsiteY1"/>
-                  </a:cxn>
-                  <a:cxn ang="0">
-                    <a:pos x="connsiteX2" y="connsiteY2"/>
-                  </a:cxn>
-                  <a:cxn ang="0">
-                    <a:pos x="connsiteX3" y="connsiteY3"/>
-                  </a:cxn>
-                  <a:cxn ang="0">
-                    <a:pos x="connsiteX4" y="connsiteY4"/>
-                  </a:cxn>
-                  <a:cxn ang="0">
-                    <a:pos x="connsiteX5" y="connsiteY5"/>
-                  </a:cxn>
-                  <a:cxn ang="0">
-                    <a:pos x="connsiteX6" y="connsiteY6"/>
-                  </a:cxn>
-                </a:cxnLst>
-                <a:rect l="l" t="t" r="r" b="b"/>
-                <a:pathLst>
-                  <a:path w="2170509" h="1831181">
-                    <a:moveTo>
-                      <a:pt x="339328" y="0"/>
-                    </a:moveTo>
-                    <a:cubicBezTo>
-                      <a:pt x="1350661" y="0"/>
-                      <a:pt x="2170509" y="819848"/>
-                      <a:pt x="2170509" y="1831181"/>
-                    </a:cubicBezTo>
-                    <a:cubicBezTo>
-                      <a:pt x="2170509" y="1643775"/>
-                      <a:pt x="2018587" y="1491853"/>
-                      <a:pt x="1831181" y="1491853"/>
-                    </a:cubicBezTo>
-                    <a:cubicBezTo>
-                      <a:pt x="1643775" y="1491853"/>
-                      <a:pt x="1491853" y="1643775"/>
-                      <a:pt x="1491853" y="1831181"/>
-                    </a:cubicBezTo>
-                    <a:cubicBezTo>
-                      <a:pt x="1491853" y="1194659"/>
-                      <a:pt x="975850" y="678656"/>
-                      <a:pt x="339328" y="678656"/>
-                    </a:cubicBezTo>
-                    <a:cubicBezTo>
-                      <a:pt x="151922" y="678656"/>
-                      <a:pt x="0" y="526734"/>
-                      <a:pt x="0" y="339328"/>
-                    </a:cubicBezTo>
-                    <a:cubicBezTo>
-                      <a:pt x="0" y="151922"/>
-                      <a:pt x="151922" y="0"/>
-                      <a:pt x="339328" y="0"/>
-                    </a:cubicBezTo>
-                    <a:close/>
-                  </a:path>
-                </a:pathLst>
-              </a:custGeom>
-              <a:solidFill>
-                <a:srgbClr val="D7CFCD"/>
-              </a:solidFill>
-              <a:ln w="25400">
-                <a:solidFill>
-                  <a:srgbClr val="FFFFFF"/>
-                </a:solidFill>
-              </a:ln>
-            </p:spPr>
-            <p:style>
-              <a:lnRef idx="2">
-                <a:schemeClr val="accent1">
-                  <a:shade val="50000"/>
-                </a:schemeClr>
-              </a:lnRef>
-              <a:fillRef idx="1">
-                <a:schemeClr val="accent1"/>
-              </a:fillRef>
-              <a:effectRef idx="0">
-                <a:schemeClr val="accent1"/>
-              </a:effectRef>
-              <a:fontRef idx="minor">
-                <a:schemeClr val="lt1"/>
-              </a:fontRef>
-            </p:style>
-            <p:txBody>
-              <a:bodyPr wrap="square" rtlCol="0" anchor="ctr">
-                <a:noAutofit/>
-              </a:bodyPr>
-              <a:lstStyle/>
-              <a:p>
-                <a:pPr algn="ctr"/>
-                <a:endParaRPr lang="zh-CN" altLang="en-US">
-                  <a:cs typeface="+mn-ea"/>
-                  <a:sym typeface="+mn-lt"/>
-                </a:endParaRPr>
-              </a:p>
-            </p:txBody>
-          </p:sp>
-          <p:sp>
-            <p:nvSpPr>
-              <p:cNvPr id="97" name="任意多边形: 形状 96"/>
-              <p:cNvSpPr/>
-              <p:nvPr/>
-            </p:nvSpPr>
-            <p:spPr>
-              <a:xfrm>
-                <a:off x="4264819" y="1597819"/>
-                <a:ext cx="1831181" cy="2170509"/>
-              </a:xfrm>
-              <a:custGeom>
-                <a:avLst/>
-                <a:gdLst>
-                  <a:gd name="connsiteX0" fmla="*/ 1831181 w 1831181"/>
-                  <a:gd name="connsiteY0" fmla="*/ 0 h 2170509"/>
-                  <a:gd name="connsiteX1" fmla="*/ 1491853 w 1831181"/>
-                  <a:gd name="connsiteY1" fmla="*/ 339328 h 2170509"/>
-                  <a:gd name="connsiteX2" fmla="*/ 1831181 w 1831181"/>
-                  <a:gd name="connsiteY2" fmla="*/ 678656 h 2170509"/>
-                  <a:gd name="connsiteX3" fmla="*/ 678656 w 1831181"/>
-                  <a:gd name="connsiteY3" fmla="*/ 1831181 h 2170509"/>
-                  <a:gd name="connsiteX4" fmla="*/ 339328 w 1831181"/>
-                  <a:gd name="connsiteY4" fmla="*/ 2170509 h 2170509"/>
-                  <a:gd name="connsiteX5" fmla="*/ 0 w 1831181"/>
-                  <a:gd name="connsiteY5" fmla="*/ 1831181 h 2170509"/>
-                  <a:gd name="connsiteX6" fmla="*/ 1831181 w 1831181"/>
-                  <a:gd name="connsiteY6" fmla="*/ 0 h 2170509"/>
-                </a:gdLst>
-                <a:ahLst/>
-                <a:cxnLst>
-                  <a:cxn ang="0">
-                    <a:pos x="connsiteX0" y="connsiteY0"/>
-                  </a:cxn>
-                  <a:cxn ang="0">
-                    <a:pos x="connsiteX1" y="connsiteY1"/>
-                  </a:cxn>
-                  <a:cxn ang="0">
-                    <a:pos x="connsiteX2" y="connsiteY2"/>
-                  </a:cxn>
-                  <a:cxn ang="0">
-                    <a:pos x="connsiteX3" y="connsiteY3"/>
-                  </a:cxn>
-                  <a:cxn ang="0">
-                    <a:pos x="connsiteX4" y="connsiteY4"/>
-                  </a:cxn>
-                  <a:cxn ang="0">
-                    <a:pos x="connsiteX5" y="connsiteY5"/>
-                  </a:cxn>
-                  <a:cxn ang="0">
-                    <a:pos x="connsiteX6" y="connsiteY6"/>
-                  </a:cxn>
-                </a:cxnLst>
-                <a:rect l="l" t="t" r="r" b="b"/>
-                <a:pathLst>
-                  <a:path w="1831181" h="2170509">
-                    <a:moveTo>
-                      <a:pt x="1831181" y="0"/>
-                    </a:moveTo>
-                    <a:cubicBezTo>
-                      <a:pt x="1643775" y="0"/>
-                      <a:pt x="1491853" y="151922"/>
-                      <a:pt x="1491853" y="339328"/>
-                    </a:cubicBezTo>
-                    <a:cubicBezTo>
-                      <a:pt x="1491853" y="526734"/>
-                      <a:pt x="1643775" y="678656"/>
-                      <a:pt x="1831181" y="678656"/>
-                    </a:cubicBezTo>
-                    <a:cubicBezTo>
-                      <a:pt x="1194659" y="678656"/>
-                      <a:pt x="678656" y="1194659"/>
-                      <a:pt x="678656" y="1831181"/>
-                    </a:cubicBezTo>
-                    <a:cubicBezTo>
-                      <a:pt x="678656" y="2018587"/>
-                      <a:pt x="526734" y="2170509"/>
-                      <a:pt x="339328" y="2170509"/>
-                    </a:cubicBezTo>
-                    <a:cubicBezTo>
-                      <a:pt x="151922" y="2170509"/>
-                      <a:pt x="0" y="2018587"/>
-                      <a:pt x="0" y="1831181"/>
-                    </a:cubicBezTo>
-                    <a:cubicBezTo>
-                      <a:pt x="0" y="819848"/>
-                      <a:pt x="819848" y="0"/>
-                      <a:pt x="1831181" y="0"/>
-                    </a:cubicBezTo>
-                    <a:close/>
-                  </a:path>
-                </a:pathLst>
-              </a:custGeom>
-              <a:solidFill>
-                <a:srgbClr val="9D9AAB"/>
-              </a:solidFill>
-              <a:ln w="25400">
-                <a:solidFill>
-                  <a:srgbClr val="FFFFFF"/>
-                </a:solidFill>
-              </a:ln>
-            </p:spPr>
-            <p:style>
-              <a:lnRef idx="2">
-                <a:schemeClr val="accent1">
-                  <a:shade val="50000"/>
-                </a:schemeClr>
-              </a:lnRef>
-              <a:fillRef idx="1">
-                <a:schemeClr val="accent1"/>
-              </a:fillRef>
-              <a:effectRef idx="0">
-                <a:schemeClr val="accent1"/>
-              </a:effectRef>
-              <a:fontRef idx="minor">
-                <a:schemeClr val="lt1"/>
-              </a:fontRef>
-            </p:style>
-            <p:txBody>
-              <a:bodyPr wrap="square" rtlCol="0" anchor="ctr">
-                <a:noAutofit/>
-              </a:bodyPr>
-              <a:lstStyle/>
-              <a:p>
-                <a:pPr algn="ctr"/>
-                <a:endParaRPr lang="zh-CN" altLang="en-US">
-                  <a:cs typeface="+mn-ea"/>
-                  <a:sym typeface="+mn-lt"/>
-                </a:endParaRPr>
-              </a:p>
-            </p:txBody>
-          </p:sp>
-        </p:grpSp>
-        <p:sp>
-          <p:nvSpPr>
-            <p:cNvPr id="102" name="圆: 空心 101"/>
-            <p:cNvSpPr/>
-            <p:nvPr/>
-          </p:nvSpPr>
-          <p:spPr>
-            <a:xfrm>
-              <a:off x="5155101" y="2488101"/>
-              <a:ext cx="1881797" cy="1881797"/>
-            </a:xfrm>
-            <a:prstGeom prst="donut">
-              <a:avLst>
-                <a:gd name="adj" fmla="val 2533"/>
-              </a:avLst>
-            </a:prstGeom>
-            <a:solidFill>
-              <a:schemeClr val="bg2">
-                <a:lumMod val="75000"/>
-              </a:schemeClr>
-            </a:solidFill>
-            <a:ln>
-              <a:noFill/>
-            </a:ln>
-          </p:spPr>
-          <p:style>
-            <a:lnRef idx="2">
-              <a:schemeClr val="accent1">
-                <a:shade val="50000"/>
-              </a:schemeClr>
-            </a:lnRef>
-            <a:fillRef idx="1">
-              <a:schemeClr val="accent1"/>
-            </a:fillRef>
-            <a:effectRef idx="0">
-              <a:schemeClr val="accent1"/>
-            </a:effectRef>
-            <a:fontRef idx="minor">
-              <a:schemeClr val="lt1"/>
-            </a:fontRef>
-          </p:style>
-          <p:txBody>
-            <a:bodyPr rtlCol="0" anchor="ctr"/>
-            <a:lstStyle/>
-            <a:p>
-              <a:pPr algn="ctr"/>
-              <a:endParaRPr lang="zh-CN" altLang="en-US">
-                <a:solidFill>
-                  <a:schemeClr val="tx1"/>
-                </a:solidFill>
-                <a:cs typeface="+mn-ea"/>
-                <a:sym typeface="+mn-lt"/>
-              </a:endParaRPr>
-            </a:p>
-          </p:txBody>
-        </p:sp>
-      </p:grpSp>
-      <p:sp>
-        <p:nvSpPr>
-          <p:cNvPr id="131" name="文本框 130"/>
-          <p:cNvSpPr txBox="1"/>
-          <p:nvPr/>
-        </p:nvSpPr>
-        <p:spPr>
-          <a:xfrm>
-            <a:off x="1392632" y="1698529"/>
-            <a:ext cx="1723549" cy="461665"/>
-          </a:xfrm>
-          <a:prstGeom prst="rect">
-            <a:avLst/>
-          </a:prstGeom>
-          <a:noFill/>
-        </p:spPr>
-        <p:txBody>
-          <a:bodyPr wrap="none" rtlCol="0">
-            <a:spAutoFit/>
-          </a:bodyPr>
-          <a:lstStyle/>
-          <a:p>
-            <a:r>
-              <a:rPr lang="zh-CN" altLang="en-US" sz="2400" b="1" dirty="0">
-                <a:solidFill>
-                  <a:srgbClr val="9D9AAB"/>
-                </a:solidFill>
-                <a:cs typeface="+mn-ea"/>
-                <a:sym typeface="+mn-lt"/>
-              </a:rPr>
-              <a:t>选题的意义</a:t>
-            </a:r>
-          </a:p>
-        </p:txBody>
-      </p:sp>
-      <p:sp>
-        <p:nvSpPr>
-          <p:cNvPr id="132" name="文本框 131"/>
-          <p:cNvSpPr txBox="1"/>
-          <p:nvPr/>
-        </p:nvSpPr>
-        <p:spPr>
-          <a:xfrm>
-            <a:off x="7911054" y="1673723"/>
-            <a:ext cx="1723549" cy="461665"/>
-          </a:xfrm>
-          <a:prstGeom prst="rect">
-            <a:avLst/>
-          </a:prstGeom>
-          <a:noFill/>
-        </p:spPr>
-        <p:txBody>
-          <a:bodyPr wrap="none" rtlCol="0">
-            <a:spAutoFit/>
-          </a:bodyPr>
-          <a:lstStyle/>
-          <a:p>
-            <a:r>
-              <a:rPr lang="zh-CN" altLang="en-US" sz="2400" b="1" dirty="0">
-                <a:solidFill>
-                  <a:srgbClr val="D7CFCD"/>
-                </a:solidFill>
-                <a:cs typeface="+mn-ea"/>
-                <a:sym typeface="+mn-lt"/>
-              </a:rPr>
-              <a:t>选题的意义</a:t>
-            </a:r>
-          </a:p>
-        </p:txBody>
-      </p:sp>
-      <p:sp>
-        <p:nvSpPr>
-          <p:cNvPr id="133" name="文本框 132"/>
-          <p:cNvSpPr txBox="1"/>
-          <p:nvPr/>
-        </p:nvSpPr>
-        <p:spPr>
-          <a:xfrm>
-            <a:off x="7911054" y="4829455"/>
-            <a:ext cx="1723549" cy="461665"/>
-          </a:xfrm>
-          <a:prstGeom prst="rect">
-            <a:avLst/>
-          </a:prstGeom>
-          <a:noFill/>
-        </p:spPr>
-        <p:txBody>
-          <a:bodyPr wrap="none" rtlCol="0">
-            <a:spAutoFit/>
-          </a:bodyPr>
-          <a:lstStyle/>
-          <a:p>
-            <a:r>
-              <a:rPr lang="zh-CN" altLang="en-US" sz="2400" b="1" dirty="0">
-                <a:solidFill>
-                  <a:srgbClr val="948C89"/>
-                </a:solidFill>
-                <a:cs typeface="+mn-ea"/>
-                <a:sym typeface="+mn-lt"/>
-              </a:rPr>
-              <a:t>选题的意义</a:t>
-            </a:r>
-          </a:p>
-        </p:txBody>
-      </p:sp>
-      <p:sp>
-        <p:nvSpPr>
-          <p:cNvPr id="134" name="文本框 133"/>
-          <p:cNvSpPr txBox="1"/>
-          <p:nvPr/>
-        </p:nvSpPr>
-        <p:spPr>
-          <a:xfrm>
-            <a:off x="1392632" y="4829455"/>
-            <a:ext cx="1723549" cy="461665"/>
-          </a:xfrm>
-          <a:prstGeom prst="rect">
-            <a:avLst/>
-          </a:prstGeom>
-          <a:noFill/>
-        </p:spPr>
-        <p:txBody>
-          <a:bodyPr wrap="none" rtlCol="0">
-            <a:spAutoFit/>
-          </a:bodyPr>
-          <a:lstStyle/>
-          <a:p>
-            <a:r>
-              <a:rPr lang="zh-CN" altLang="en-US" sz="2400" b="1" dirty="0">
-                <a:solidFill>
-                  <a:srgbClr val="CCC2BE"/>
-                </a:solidFill>
-                <a:cs typeface="+mn-ea"/>
-                <a:sym typeface="+mn-lt"/>
-              </a:rPr>
-              <a:t>选题的意义</a:t>
-            </a:r>
-          </a:p>
-        </p:txBody>
-      </p:sp>
-      <p:sp>
-        <p:nvSpPr>
-          <p:cNvPr id="135" name="文本框 134"/>
-          <p:cNvSpPr txBox="1"/>
-          <p:nvPr/>
-        </p:nvSpPr>
-        <p:spPr>
-          <a:xfrm>
-            <a:off x="1324256" y="2330789"/>
-            <a:ext cx="2759912" cy="1277273"/>
-          </a:xfrm>
-          <a:prstGeom prst="rect">
-            <a:avLst/>
-          </a:prstGeom>
-          <a:noFill/>
-        </p:spPr>
-        <p:txBody>
-          <a:bodyPr wrap="square" rtlCol="0">
-            <a:spAutoFit/>
-          </a:bodyPr>
-          <a:lstStyle/>
-          <a:p>
-            <a:r>
-              <a:rPr lang="zh-CN" altLang="en-US" sz="1100" dirty="0">
-                <a:solidFill>
-                  <a:schemeClr val="bg2">
-                    <a:lumMod val="50000"/>
-                  </a:schemeClr>
-                </a:solidFill>
-                <a:cs typeface="+mn-ea"/>
-                <a:sym typeface="+mn-lt"/>
-              </a:rPr>
-              <a:t>您的内容打在这里，或者通过复制您的文本并悬着只保留文本。您的内容打在这里，或者通过复制您的文本并悬着只保留文本。您的内容打在这里，</a:t>
-            </a:r>
-          </a:p>
-          <a:p>
-            <a:endParaRPr lang="zh-CN" altLang="en-US" sz="1100" dirty="0">
-              <a:solidFill>
-                <a:schemeClr val="bg2">
-                  <a:lumMod val="50000"/>
-                </a:schemeClr>
-              </a:solidFill>
-              <a:cs typeface="+mn-ea"/>
-              <a:sym typeface="+mn-lt"/>
-            </a:endParaRPr>
-          </a:p>
-          <a:p>
-            <a:endParaRPr lang="zh-CN" altLang="en-US" sz="1100" dirty="0">
-              <a:solidFill>
-                <a:schemeClr val="bg2">
-                  <a:lumMod val="50000"/>
-                </a:schemeClr>
-              </a:solidFill>
-              <a:cs typeface="+mn-ea"/>
-              <a:sym typeface="+mn-lt"/>
-            </a:endParaRPr>
-          </a:p>
-          <a:p>
-            <a:endParaRPr lang="zh-CN" altLang="en-US" sz="1100" dirty="0">
-              <a:solidFill>
-                <a:schemeClr val="bg2">
-                  <a:lumMod val="50000"/>
-                </a:schemeClr>
-              </a:solidFill>
-              <a:cs typeface="+mn-ea"/>
-              <a:sym typeface="+mn-lt"/>
-            </a:endParaRPr>
-          </a:p>
-        </p:txBody>
-      </p:sp>
-      <p:sp>
-        <p:nvSpPr>
-          <p:cNvPr id="136" name="文本框 135"/>
-          <p:cNvSpPr txBox="1"/>
-          <p:nvPr/>
-        </p:nvSpPr>
-        <p:spPr>
-          <a:xfrm>
-            <a:off x="1324256" y="5550580"/>
-            <a:ext cx="2759912" cy="1277273"/>
-          </a:xfrm>
-          <a:prstGeom prst="rect">
-            <a:avLst/>
-          </a:prstGeom>
-          <a:noFill/>
-        </p:spPr>
-        <p:txBody>
-          <a:bodyPr wrap="square" rtlCol="0">
-            <a:spAutoFit/>
-          </a:bodyPr>
-          <a:lstStyle/>
-          <a:p>
-            <a:r>
-              <a:rPr lang="zh-CN" altLang="en-US" sz="1100" dirty="0">
-                <a:solidFill>
-                  <a:schemeClr val="bg2">
-                    <a:lumMod val="50000"/>
-                  </a:schemeClr>
-                </a:solidFill>
-                <a:cs typeface="+mn-ea"/>
-                <a:sym typeface="+mn-lt"/>
-              </a:rPr>
-              <a:t>您的内容打在这里，或者通过复制您的文本并悬着只保留文本。您的内容打在这里，或者通过复制您的文本并悬着只保留文本。您的内容打在这里，</a:t>
-            </a:r>
-          </a:p>
-          <a:p>
-            <a:endParaRPr lang="zh-CN" altLang="en-US" sz="1100" dirty="0">
-              <a:solidFill>
-                <a:schemeClr val="bg2">
-                  <a:lumMod val="50000"/>
-                </a:schemeClr>
-              </a:solidFill>
-              <a:cs typeface="+mn-ea"/>
-              <a:sym typeface="+mn-lt"/>
-            </a:endParaRPr>
-          </a:p>
-          <a:p>
-            <a:endParaRPr lang="zh-CN" altLang="en-US" sz="1100" dirty="0">
-              <a:solidFill>
-                <a:schemeClr val="bg2">
-                  <a:lumMod val="50000"/>
-                </a:schemeClr>
-              </a:solidFill>
-              <a:cs typeface="+mn-ea"/>
-              <a:sym typeface="+mn-lt"/>
-            </a:endParaRPr>
-          </a:p>
-          <a:p>
-            <a:endParaRPr lang="zh-CN" altLang="en-US" sz="1100" dirty="0">
-              <a:solidFill>
-                <a:schemeClr val="bg2">
-                  <a:lumMod val="50000"/>
-                </a:schemeClr>
-              </a:solidFill>
-              <a:cs typeface="+mn-ea"/>
-              <a:sym typeface="+mn-lt"/>
-            </a:endParaRPr>
-          </a:p>
-        </p:txBody>
-      </p:sp>
-      <p:sp>
-        <p:nvSpPr>
-          <p:cNvPr id="137" name="文本框 136"/>
-          <p:cNvSpPr txBox="1"/>
-          <p:nvPr/>
-        </p:nvSpPr>
-        <p:spPr>
-          <a:xfrm>
-            <a:off x="7831931" y="5551073"/>
-            <a:ext cx="2759912" cy="1277273"/>
-          </a:xfrm>
-          <a:prstGeom prst="rect">
-            <a:avLst/>
-          </a:prstGeom>
-          <a:noFill/>
-        </p:spPr>
-        <p:txBody>
-          <a:bodyPr wrap="square" rtlCol="0">
-            <a:spAutoFit/>
-          </a:bodyPr>
-          <a:lstStyle/>
-          <a:p>
-            <a:r>
-              <a:rPr lang="zh-CN" altLang="en-US" sz="1100" dirty="0">
-                <a:solidFill>
-                  <a:schemeClr val="bg2">
-                    <a:lumMod val="50000"/>
-                  </a:schemeClr>
-                </a:solidFill>
-                <a:cs typeface="+mn-ea"/>
-                <a:sym typeface="+mn-lt"/>
-              </a:rPr>
-              <a:t>您的内容打在这里，或者通过复制您的文本并悬着只保留文本。您的内容打在这里，或者通过复制您的文本并悬着只保留文本。您的内容打在这里，</a:t>
-            </a:r>
-          </a:p>
-          <a:p>
-            <a:endParaRPr lang="zh-CN" altLang="en-US" sz="1100" dirty="0">
-              <a:solidFill>
-                <a:schemeClr val="bg2">
-                  <a:lumMod val="50000"/>
-                </a:schemeClr>
-              </a:solidFill>
-              <a:cs typeface="+mn-ea"/>
-              <a:sym typeface="+mn-lt"/>
-            </a:endParaRPr>
-          </a:p>
-          <a:p>
-            <a:endParaRPr lang="zh-CN" altLang="en-US" sz="1100" dirty="0">
-              <a:solidFill>
-                <a:schemeClr val="bg2">
-                  <a:lumMod val="50000"/>
-                </a:schemeClr>
-              </a:solidFill>
-              <a:cs typeface="+mn-ea"/>
-              <a:sym typeface="+mn-lt"/>
-            </a:endParaRPr>
-          </a:p>
-          <a:p>
-            <a:endParaRPr lang="zh-CN" altLang="en-US" sz="1100" dirty="0">
-              <a:solidFill>
-                <a:schemeClr val="bg2">
-                  <a:lumMod val="50000"/>
-                </a:schemeClr>
-              </a:solidFill>
-              <a:cs typeface="+mn-ea"/>
-              <a:sym typeface="+mn-lt"/>
-            </a:endParaRPr>
-          </a:p>
-        </p:txBody>
-      </p:sp>
-      <p:sp>
-        <p:nvSpPr>
-          <p:cNvPr id="138" name="文本框 137"/>
-          <p:cNvSpPr txBox="1"/>
-          <p:nvPr/>
-        </p:nvSpPr>
-        <p:spPr>
-          <a:xfrm>
-            <a:off x="7910872" y="2330789"/>
-            <a:ext cx="2759912" cy="1277273"/>
-          </a:xfrm>
-          <a:prstGeom prst="rect">
-            <a:avLst/>
-          </a:prstGeom>
-          <a:noFill/>
-        </p:spPr>
-        <p:txBody>
-          <a:bodyPr wrap="square" rtlCol="0">
-            <a:spAutoFit/>
-          </a:bodyPr>
-          <a:lstStyle/>
-          <a:p>
-            <a:r>
-              <a:rPr lang="zh-CN" altLang="en-US" sz="1100" dirty="0">
-                <a:solidFill>
-                  <a:schemeClr val="bg2">
-                    <a:lumMod val="50000"/>
-                  </a:schemeClr>
-                </a:solidFill>
-                <a:cs typeface="+mn-ea"/>
-                <a:sym typeface="+mn-lt"/>
-              </a:rPr>
-              <a:t>您的内容打在这里，或者通过复制您的文本并悬着只保留文本。您的内容打在这里，或者通过复制您的文本并悬着只保留文本。您的内容打在这里，</a:t>
-            </a:r>
-          </a:p>
-          <a:p>
-            <a:endParaRPr lang="zh-CN" altLang="en-US" sz="1100" dirty="0">
-              <a:solidFill>
-                <a:schemeClr val="bg2">
-                  <a:lumMod val="50000"/>
-                </a:schemeClr>
-              </a:solidFill>
-              <a:cs typeface="+mn-ea"/>
-              <a:sym typeface="+mn-lt"/>
-            </a:endParaRPr>
-          </a:p>
-          <a:p>
-            <a:endParaRPr lang="zh-CN" altLang="en-US" sz="1100" dirty="0">
-              <a:solidFill>
-                <a:schemeClr val="bg2">
-                  <a:lumMod val="50000"/>
-                </a:schemeClr>
-              </a:solidFill>
-              <a:cs typeface="+mn-ea"/>
-              <a:sym typeface="+mn-lt"/>
-            </a:endParaRPr>
-          </a:p>
-          <a:p>
-            <a:endParaRPr lang="zh-CN" altLang="en-US" sz="1100" dirty="0">
-              <a:solidFill>
-                <a:schemeClr val="bg2">
-                  <a:lumMod val="50000"/>
-                </a:schemeClr>
-              </a:solidFill>
-              <a:cs typeface="+mn-ea"/>
-              <a:sym typeface="+mn-lt"/>
-            </a:endParaRPr>
-          </a:p>
-        </p:txBody>
-      </p:sp>
-      <p:sp>
-        <p:nvSpPr>
-          <p:cNvPr id="139" name="文本框 138"/>
-          <p:cNvSpPr txBox="1"/>
-          <p:nvPr/>
-        </p:nvSpPr>
-        <p:spPr>
-          <a:xfrm>
-            <a:off x="4673517" y="2424997"/>
-            <a:ext cx="527709" cy="461665"/>
-          </a:xfrm>
-          <a:prstGeom prst="rect">
-            <a:avLst/>
-          </a:prstGeom>
-          <a:noFill/>
-        </p:spPr>
-        <p:txBody>
-          <a:bodyPr wrap="none" rtlCol="0">
-            <a:spAutoFit/>
-          </a:bodyPr>
-          <a:lstStyle/>
-          <a:p>
-            <a:r>
-              <a:rPr lang="en-US" altLang="zh-CN" sz="2400" b="1" dirty="0">
-                <a:solidFill>
-                  <a:schemeClr val="bg1"/>
-                </a:solidFill>
-                <a:cs typeface="+mn-ea"/>
-                <a:sym typeface="+mn-lt"/>
-              </a:rPr>
-              <a:t>01</a:t>
-            </a:r>
-            <a:endParaRPr lang="zh-CN" altLang="en-US" sz="2400" b="1" dirty="0">
-              <a:solidFill>
-                <a:schemeClr val="bg1"/>
-              </a:solidFill>
-              <a:cs typeface="+mn-ea"/>
-              <a:sym typeface="+mn-lt"/>
-            </a:endParaRPr>
-          </a:p>
-        </p:txBody>
-      </p:sp>
-      <p:sp>
-        <p:nvSpPr>
-          <p:cNvPr id="140" name="文本框 139"/>
-          <p:cNvSpPr txBox="1"/>
-          <p:nvPr/>
-        </p:nvSpPr>
-        <p:spPr>
-          <a:xfrm>
-            <a:off x="6795503" y="2412347"/>
-            <a:ext cx="527709" cy="461665"/>
-          </a:xfrm>
-          <a:prstGeom prst="rect">
-            <a:avLst/>
-          </a:prstGeom>
-          <a:noFill/>
-        </p:spPr>
-        <p:txBody>
-          <a:bodyPr wrap="none" rtlCol="0">
-            <a:spAutoFit/>
-          </a:bodyPr>
-          <a:lstStyle/>
-          <a:p>
-            <a:r>
-              <a:rPr lang="en-US" altLang="zh-CN" sz="2400" b="1" dirty="0">
-                <a:solidFill>
-                  <a:schemeClr val="bg1"/>
-                </a:solidFill>
-                <a:cs typeface="+mn-ea"/>
-                <a:sym typeface="+mn-lt"/>
-              </a:rPr>
-              <a:t>02</a:t>
-            </a:r>
-            <a:endParaRPr lang="zh-CN" altLang="en-US" sz="2400" b="1" dirty="0">
-              <a:solidFill>
-                <a:schemeClr val="bg1"/>
-              </a:solidFill>
-              <a:cs typeface="+mn-ea"/>
-              <a:sym typeface="+mn-lt"/>
-            </a:endParaRPr>
-          </a:p>
-        </p:txBody>
-      </p:sp>
-      <p:sp>
-        <p:nvSpPr>
-          <p:cNvPr id="141" name="文本框 140"/>
-          <p:cNvSpPr txBox="1"/>
-          <p:nvPr/>
-        </p:nvSpPr>
-        <p:spPr>
-          <a:xfrm>
-            <a:off x="4668040" y="4511921"/>
-            <a:ext cx="527709" cy="461665"/>
-          </a:xfrm>
-          <a:prstGeom prst="rect">
-            <a:avLst/>
-          </a:prstGeom>
-          <a:noFill/>
-        </p:spPr>
-        <p:txBody>
-          <a:bodyPr wrap="none" rtlCol="0">
-            <a:spAutoFit/>
-          </a:bodyPr>
-          <a:lstStyle/>
-          <a:p>
-            <a:r>
-              <a:rPr lang="en-US" altLang="zh-CN" sz="2400" b="1" dirty="0">
-                <a:solidFill>
-                  <a:schemeClr val="bg1"/>
-                </a:solidFill>
-                <a:cs typeface="+mn-ea"/>
-                <a:sym typeface="+mn-lt"/>
-              </a:rPr>
-              <a:t>04</a:t>
-            </a:r>
-            <a:endParaRPr lang="zh-CN" altLang="en-US" sz="2400" b="1" dirty="0">
-              <a:solidFill>
-                <a:schemeClr val="bg1"/>
-              </a:solidFill>
-              <a:cs typeface="+mn-ea"/>
-              <a:sym typeface="+mn-lt"/>
-            </a:endParaRPr>
-          </a:p>
-        </p:txBody>
-      </p:sp>
-      <p:sp>
-        <p:nvSpPr>
-          <p:cNvPr id="142" name="文本框 141"/>
-          <p:cNvSpPr txBox="1"/>
-          <p:nvPr/>
-        </p:nvSpPr>
-        <p:spPr>
-          <a:xfrm>
-            <a:off x="6853460" y="4434340"/>
-            <a:ext cx="527709" cy="461665"/>
-          </a:xfrm>
-          <a:prstGeom prst="rect">
-            <a:avLst/>
-          </a:prstGeom>
-          <a:noFill/>
-        </p:spPr>
-        <p:txBody>
-          <a:bodyPr wrap="none" rtlCol="0">
-            <a:spAutoFit/>
-          </a:bodyPr>
-          <a:lstStyle/>
-          <a:p>
-            <a:r>
-              <a:rPr lang="en-US" altLang="zh-CN" sz="2400" b="1" dirty="0">
-                <a:solidFill>
-                  <a:schemeClr val="bg1"/>
-                </a:solidFill>
-                <a:cs typeface="+mn-ea"/>
-                <a:sym typeface="+mn-lt"/>
-              </a:rPr>
-              <a:t>03</a:t>
-            </a:r>
-            <a:endParaRPr lang="zh-CN" altLang="en-US" sz="2400" b="1" dirty="0">
-              <a:solidFill>
-                <a:schemeClr val="bg1"/>
-              </a:solidFill>
-              <a:cs typeface="+mn-ea"/>
-              <a:sym typeface="+mn-lt"/>
-            </a:endParaRPr>
-          </a:p>
-        </p:txBody>
-      </p:sp>
-    </p:spTree>
-  </p:cSld>
-  <p:clrMapOvr>
-    <a:masterClrMapping/>
-  </p:clrMapOvr>
-</p:sld>
-</file>
-
-<file path=ppt/slides/slide6.xml><?xml version="1.0" encoding="utf-8"?>
+<file path=ppt/slides/slide7.xml><?xml version="1.0" encoding="utf-8"?>
 <p:sld xmlns:a="http://schemas.openxmlformats.org/drawingml/2006/main" xmlns:r="http://schemas.openxmlformats.org/officeDocument/2006/relationships" xmlns:p="http://schemas.openxmlformats.org/presentationml/2006/main">
   <p:cSld>
     <p:spTree>
@@ -45835,1497 +44644,6 @@
         <p14:creationId xmlns:p14="http://schemas.microsoft.com/office/powerpoint/2010/main" val="4046077377"/>
       </p:ext>
     </p:extLst>
-  </p:cSld>
-  <p:clrMapOvr>
-    <a:masterClrMapping/>
-  </p:clrMapOvr>
-</p:sld>
-</file>
-
-<file path=ppt/slides/slide7.xml><?xml version="1.0" encoding="utf-8"?>
-<p:sld xmlns:a="http://schemas.openxmlformats.org/drawingml/2006/main" xmlns:r="http://schemas.openxmlformats.org/officeDocument/2006/relationships" xmlns:p="http://schemas.openxmlformats.org/presentationml/2006/main">
-  <p:cSld>
-    <p:spTree>
-      <p:nvGrpSpPr>
-        <p:cNvPr id="1" name=""/>
-        <p:cNvGrpSpPr/>
-        <p:nvPr/>
-      </p:nvGrpSpPr>
-      <p:grpSpPr>
-        <a:xfrm>
-          <a:off x="0" y="0"/>
-          <a:ext cx="0" cy="0"/>
-          <a:chOff x="0" y="0"/>
-          <a:chExt cx="0" cy="0"/>
-        </a:xfrm>
-      </p:grpSpPr>
-      <p:grpSp>
-        <p:nvGrpSpPr>
-          <p:cNvPr id="7" name="组合 6"/>
-          <p:cNvGrpSpPr/>
-          <p:nvPr/>
-        </p:nvGrpSpPr>
-        <p:grpSpPr>
-          <a:xfrm>
-            <a:off x="664371" y="2019300"/>
-            <a:ext cx="3988302" cy="3905672"/>
-            <a:chOff x="3702845" y="1085426"/>
-            <a:chExt cx="4786309" cy="4687146"/>
-          </a:xfrm>
-        </p:grpSpPr>
-        <p:sp>
-          <p:nvSpPr>
-            <p:cNvPr id="4" name="任意多边形: 形状 3"/>
-            <p:cNvSpPr/>
-            <p:nvPr/>
-          </p:nvSpPr>
-          <p:spPr>
-            <a:xfrm>
-              <a:off x="3937474" y="1085426"/>
-              <a:ext cx="4551680" cy="4551680"/>
-            </a:xfrm>
-            <a:custGeom>
-              <a:avLst/>
-              <a:gdLst>
-                <a:gd name="connsiteX0" fmla="*/ 2275840 w 4551680"/>
-                <a:gd name="connsiteY0" fmla="*/ 0 h 4551680"/>
-                <a:gd name="connsiteX1" fmla="*/ 4246775 w 4551680"/>
-                <a:gd name="connsiteY1" fmla="*/ 1137920 h 4551680"/>
-                <a:gd name="connsiteX2" fmla="*/ 4246775 w 4551680"/>
-                <a:gd name="connsiteY2" fmla="*/ 3413760 h 4551680"/>
-                <a:gd name="connsiteX3" fmla="*/ 2275840 w 4551680"/>
-                <a:gd name="connsiteY3" fmla="*/ 2275840 h 4551680"/>
-                <a:gd name="connsiteX4" fmla="*/ 2275840 w 4551680"/>
-                <a:gd name="connsiteY4" fmla="*/ 0 h 4551680"/>
-              </a:gdLst>
-              <a:ahLst/>
-              <a:cxnLst>
-                <a:cxn ang="0">
-                  <a:pos x="connsiteX0" y="connsiteY0"/>
-                </a:cxn>
-                <a:cxn ang="0">
-                  <a:pos x="connsiteX1" y="connsiteY1"/>
-                </a:cxn>
-                <a:cxn ang="0">
-                  <a:pos x="connsiteX2" y="connsiteY2"/>
-                </a:cxn>
-                <a:cxn ang="0">
-                  <a:pos x="connsiteX3" y="connsiteY3"/>
-                </a:cxn>
-                <a:cxn ang="0">
-                  <a:pos x="connsiteX4" y="connsiteY4"/>
-                </a:cxn>
-              </a:cxnLst>
-              <a:rect l="l" t="t" r="r" b="b"/>
-              <a:pathLst>
-                <a:path w="4551680" h="4551680">
-                  <a:moveTo>
-                    <a:pt x="2275840" y="0"/>
-                  </a:moveTo>
-                  <a:cubicBezTo>
-                    <a:pt x="3088919" y="0"/>
-                    <a:pt x="3840236" y="433773"/>
-                    <a:pt x="4246775" y="1137920"/>
-                  </a:cubicBezTo>
-                  <a:cubicBezTo>
-                    <a:pt x="4653315" y="1842067"/>
-                    <a:pt x="4653315" y="2709613"/>
-                    <a:pt x="4246775" y="3413760"/>
-                  </a:cubicBezTo>
-                  <a:lnTo>
-                    <a:pt x="2275840" y="2275840"/>
-                  </a:lnTo>
-                  <a:lnTo>
-                    <a:pt x="2275840" y="0"/>
-                  </a:lnTo>
-                  <a:close/>
-                </a:path>
-              </a:pathLst>
-            </a:custGeom>
-            <a:solidFill>
-              <a:srgbClr val="9D9AAB"/>
-            </a:solidFill>
-          </p:spPr>
-          <p:style>
-            <a:lnRef idx="2">
-              <a:schemeClr val="lt1">
-                <a:hueOff val="0"/>
-                <a:satOff val="0"/>
-                <a:lumOff val="0"/>
-                <a:alphaOff val="0"/>
-              </a:schemeClr>
-            </a:lnRef>
-            <a:fillRef idx="1">
-              <a:schemeClr val="accent1">
-                <a:hueOff val="0"/>
-                <a:satOff val="0"/>
-                <a:lumOff val="0"/>
-                <a:alphaOff val="0"/>
-              </a:schemeClr>
-            </a:fillRef>
-            <a:effectRef idx="0">
-              <a:schemeClr val="accent1">
-                <a:hueOff val="0"/>
-                <a:satOff val="0"/>
-                <a:lumOff val="0"/>
-                <a:alphaOff val="0"/>
-              </a:schemeClr>
-            </a:effectRef>
-            <a:fontRef idx="minor">
-              <a:schemeClr val="lt1"/>
-            </a:fontRef>
-          </p:style>
-          <p:txBody>
-            <a:bodyPr spcFirstLastPara="0" vert="horz" wrap="square" lIns="2535665" tIns="900853" rIns="593615" bIns="2255521" numCol="1" spcCol="1270" anchor="ctr" anchorCtr="0">
-              <a:noAutofit/>
-            </a:bodyPr>
-            <a:lstStyle/>
-            <a:p>
-              <a:pPr marL="0" lvl="0" indent="0" algn="ctr" defTabSz="2133600">
-                <a:lnSpc>
-                  <a:spcPct val="90000"/>
-                </a:lnSpc>
-                <a:spcBef>
-                  <a:spcPct val="0"/>
-                </a:spcBef>
-                <a:spcAft>
-                  <a:spcPct val="35000"/>
-                </a:spcAft>
-                <a:buNone/>
-              </a:pPr>
-              <a:endParaRPr lang="zh-CN" altLang="en-US" sz="4800" kern="1200">
-                <a:cs typeface="+mn-ea"/>
-                <a:sym typeface="+mn-lt"/>
-              </a:endParaRPr>
-            </a:p>
-          </p:txBody>
-        </p:sp>
-        <p:sp>
-          <p:nvSpPr>
-            <p:cNvPr id="5" name="任意多边形: 形状 4"/>
-            <p:cNvSpPr/>
-            <p:nvPr/>
-          </p:nvSpPr>
-          <p:spPr>
-            <a:xfrm>
-              <a:off x="3702845" y="1220892"/>
-              <a:ext cx="4551680" cy="4551680"/>
-            </a:xfrm>
-            <a:custGeom>
-              <a:avLst/>
-              <a:gdLst>
-                <a:gd name="connsiteX0" fmla="*/ 4246775 w 4551680"/>
-                <a:gd name="connsiteY0" fmla="*/ 3413760 h 4551680"/>
-                <a:gd name="connsiteX1" fmla="*/ 2275840 w 4551680"/>
-                <a:gd name="connsiteY1" fmla="*/ 4551680 h 4551680"/>
-                <a:gd name="connsiteX2" fmla="*/ 304905 w 4551680"/>
-                <a:gd name="connsiteY2" fmla="*/ 3413760 h 4551680"/>
-                <a:gd name="connsiteX3" fmla="*/ 2275840 w 4551680"/>
-                <a:gd name="connsiteY3" fmla="*/ 2275840 h 4551680"/>
-                <a:gd name="connsiteX4" fmla="*/ 4246775 w 4551680"/>
-                <a:gd name="connsiteY4" fmla="*/ 3413760 h 4551680"/>
-              </a:gdLst>
-              <a:ahLst/>
-              <a:cxnLst>
-                <a:cxn ang="0">
-                  <a:pos x="connsiteX0" y="connsiteY0"/>
-                </a:cxn>
-                <a:cxn ang="0">
-                  <a:pos x="connsiteX1" y="connsiteY1"/>
-                </a:cxn>
-                <a:cxn ang="0">
-                  <a:pos x="connsiteX2" y="connsiteY2"/>
-                </a:cxn>
-                <a:cxn ang="0">
-                  <a:pos x="connsiteX3" y="connsiteY3"/>
-                </a:cxn>
-                <a:cxn ang="0">
-                  <a:pos x="connsiteX4" y="connsiteY4"/>
-                </a:cxn>
-              </a:cxnLst>
-              <a:rect l="l" t="t" r="r" b="b"/>
-              <a:pathLst>
-                <a:path w="4551680" h="4551680">
-                  <a:moveTo>
-                    <a:pt x="4246775" y="3413760"/>
-                  </a:moveTo>
-                  <a:cubicBezTo>
-                    <a:pt x="3840235" y="4117907"/>
-                    <a:pt x="3088919" y="4551680"/>
-                    <a:pt x="2275840" y="4551680"/>
-                  </a:cubicBezTo>
-                  <a:cubicBezTo>
-                    <a:pt x="1462761" y="4551680"/>
-                    <a:pt x="711444" y="4117907"/>
-                    <a:pt x="304905" y="3413760"/>
-                  </a:cubicBezTo>
-                  <a:lnTo>
-                    <a:pt x="2275840" y="2275840"/>
-                  </a:lnTo>
-                  <a:lnTo>
-                    <a:pt x="4246775" y="3413760"/>
-                  </a:lnTo>
-                  <a:close/>
-                </a:path>
-              </a:pathLst>
-            </a:custGeom>
-            <a:solidFill>
-              <a:srgbClr val="CCC2BE"/>
-            </a:solidFill>
-          </p:spPr>
-          <p:style>
-            <a:lnRef idx="2">
-              <a:schemeClr val="lt1">
-                <a:hueOff val="0"/>
-                <a:satOff val="0"/>
-                <a:lumOff val="0"/>
-                <a:alphaOff val="0"/>
-              </a:schemeClr>
-            </a:lnRef>
-            <a:fillRef idx="1">
-              <a:schemeClr val="accent1">
-                <a:hueOff val="0"/>
-                <a:satOff val="0"/>
-                <a:lumOff val="0"/>
-                <a:alphaOff val="0"/>
-              </a:schemeClr>
-            </a:fillRef>
-            <a:effectRef idx="0">
-              <a:schemeClr val="accent1">
-                <a:hueOff val="0"/>
-                <a:satOff val="0"/>
-                <a:lumOff val="0"/>
-                <a:alphaOff val="0"/>
-              </a:schemeClr>
-            </a:effectRef>
-            <a:fontRef idx="minor">
-              <a:schemeClr val="lt1"/>
-            </a:fontRef>
-          </p:style>
-          <p:txBody>
-            <a:bodyPr spcFirstLastPara="0" vert="horz" wrap="square" lIns="1328844" tIns="2954444" rIns="1328843" bIns="353483" numCol="1" spcCol="1270" anchor="ctr" anchorCtr="0">
-              <a:noAutofit/>
-            </a:bodyPr>
-            <a:lstStyle/>
-            <a:p>
-              <a:pPr marL="0" lvl="0" indent="0" algn="ctr" defTabSz="2889250">
-                <a:lnSpc>
-                  <a:spcPct val="90000"/>
-                </a:lnSpc>
-                <a:spcBef>
-                  <a:spcPct val="0"/>
-                </a:spcBef>
-                <a:spcAft>
-                  <a:spcPct val="35000"/>
-                </a:spcAft>
-                <a:buNone/>
-              </a:pPr>
-              <a:endParaRPr lang="zh-CN" altLang="en-US" sz="6500" kern="1200">
-                <a:cs typeface="+mn-ea"/>
-                <a:sym typeface="+mn-lt"/>
-              </a:endParaRPr>
-            </a:p>
-          </p:txBody>
-        </p:sp>
-        <p:sp>
-          <p:nvSpPr>
-            <p:cNvPr id="6" name="任意多边形: 形状 5"/>
-            <p:cNvSpPr/>
-            <p:nvPr/>
-          </p:nvSpPr>
-          <p:spPr>
-            <a:xfrm>
-              <a:off x="3702845" y="1220892"/>
-              <a:ext cx="4551680" cy="4551680"/>
-            </a:xfrm>
-            <a:custGeom>
-              <a:avLst/>
-              <a:gdLst>
-                <a:gd name="connsiteX0" fmla="*/ 304905 w 4551680"/>
-                <a:gd name="connsiteY0" fmla="*/ 3413760 h 4551680"/>
-                <a:gd name="connsiteX1" fmla="*/ 304905 w 4551680"/>
-                <a:gd name="connsiteY1" fmla="*/ 1137920 h 4551680"/>
-                <a:gd name="connsiteX2" fmla="*/ 2275840 w 4551680"/>
-                <a:gd name="connsiteY2" fmla="*/ 0 h 4551680"/>
-                <a:gd name="connsiteX3" fmla="*/ 2275840 w 4551680"/>
-                <a:gd name="connsiteY3" fmla="*/ 2275840 h 4551680"/>
-                <a:gd name="connsiteX4" fmla="*/ 304905 w 4551680"/>
-                <a:gd name="connsiteY4" fmla="*/ 3413760 h 4551680"/>
-              </a:gdLst>
-              <a:ahLst/>
-              <a:cxnLst>
-                <a:cxn ang="0">
-                  <a:pos x="connsiteX0" y="connsiteY0"/>
-                </a:cxn>
-                <a:cxn ang="0">
-                  <a:pos x="connsiteX1" y="connsiteY1"/>
-                </a:cxn>
-                <a:cxn ang="0">
-                  <a:pos x="connsiteX2" y="connsiteY2"/>
-                </a:cxn>
-                <a:cxn ang="0">
-                  <a:pos x="connsiteX3" y="connsiteY3"/>
-                </a:cxn>
-                <a:cxn ang="0">
-                  <a:pos x="connsiteX4" y="connsiteY4"/>
-                </a:cxn>
-              </a:cxnLst>
-              <a:rect l="l" t="t" r="r" b="b"/>
-              <a:pathLst>
-                <a:path w="4551680" h="4551680">
-                  <a:moveTo>
-                    <a:pt x="304905" y="3413760"/>
-                  </a:moveTo>
-                  <a:cubicBezTo>
-                    <a:pt x="-101635" y="2709613"/>
-                    <a:pt x="-101635" y="1842067"/>
-                    <a:pt x="304905" y="1137920"/>
-                  </a:cubicBezTo>
-                  <a:cubicBezTo>
-                    <a:pt x="711445" y="433773"/>
-                    <a:pt x="1462761" y="0"/>
-                    <a:pt x="2275840" y="0"/>
-                  </a:cubicBezTo>
-                  <a:lnTo>
-                    <a:pt x="2275840" y="2275840"/>
-                  </a:lnTo>
-                  <a:lnTo>
-                    <a:pt x="304905" y="3413760"/>
-                  </a:lnTo>
-                  <a:close/>
-                </a:path>
-              </a:pathLst>
-            </a:custGeom>
-            <a:solidFill>
-              <a:srgbClr val="948C89"/>
-            </a:solidFill>
-          </p:spPr>
-          <p:style>
-            <a:lnRef idx="2">
-              <a:schemeClr val="lt1">
-                <a:hueOff val="0"/>
-                <a:satOff val="0"/>
-                <a:lumOff val="0"/>
-                <a:alphaOff val="0"/>
-              </a:schemeClr>
-            </a:lnRef>
-            <a:fillRef idx="1">
-              <a:schemeClr val="accent1">
-                <a:hueOff val="0"/>
-                <a:satOff val="0"/>
-                <a:lumOff val="0"/>
-                <a:alphaOff val="0"/>
-              </a:schemeClr>
-            </a:fillRef>
-            <a:effectRef idx="0">
-              <a:schemeClr val="accent1">
-                <a:hueOff val="0"/>
-                <a:satOff val="0"/>
-                <a:lumOff val="0"/>
-                <a:alphaOff val="0"/>
-              </a:schemeClr>
-            </a:effectRef>
-            <a:fontRef idx="minor">
-              <a:schemeClr val="lt1"/>
-            </a:fontRef>
-          </p:style>
-          <p:txBody>
-            <a:bodyPr spcFirstLastPara="0" vert="horz" wrap="square" lIns="548640" tIns="955040" rIns="2580640" bIns="2201334" numCol="1" spcCol="1270" anchor="ctr" anchorCtr="0">
-              <a:noAutofit/>
-            </a:bodyPr>
-            <a:lstStyle/>
-            <a:p>
-              <a:pPr marL="0" lvl="0" indent="0" algn="ctr" defTabSz="2133600">
-                <a:lnSpc>
-                  <a:spcPct val="90000"/>
-                </a:lnSpc>
-                <a:spcBef>
-                  <a:spcPct val="0"/>
-                </a:spcBef>
-                <a:spcAft>
-                  <a:spcPct val="35000"/>
-                </a:spcAft>
-                <a:buNone/>
-              </a:pPr>
-              <a:endParaRPr lang="zh-CN" altLang="en-US" sz="4800" kern="1200">
-                <a:cs typeface="+mn-ea"/>
-                <a:sym typeface="+mn-lt"/>
-              </a:endParaRPr>
-            </a:p>
-          </p:txBody>
-        </p:sp>
-      </p:grpSp>
-      <p:grpSp>
-        <p:nvGrpSpPr>
-          <p:cNvPr id="8" name="组合 7"/>
-          <p:cNvGrpSpPr/>
-          <p:nvPr/>
-        </p:nvGrpSpPr>
-        <p:grpSpPr>
-          <a:xfrm>
-            <a:off x="-3366" y="0"/>
-            <a:ext cx="12195366" cy="747132"/>
-            <a:chOff x="-3366" y="0"/>
-            <a:chExt cx="12195366" cy="747132"/>
-          </a:xfrm>
-        </p:grpSpPr>
-        <p:sp>
-          <p:nvSpPr>
-            <p:cNvPr id="9" name="矩形 8"/>
-            <p:cNvSpPr/>
-            <p:nvPr/>
-          </p:nvSpPr>
-          <p:spPr>
-            <a:xfrm>
-              <a:off x="0" y="0"/>
-              <a:ext cx="12192000" cy="747132"/>
-            </a:xfrm>
-            <a:prstGeom prst="rect">
-              <a:avLst/>
-            </a:prstGeom>
-            <a:solidFill>
-              <a:srgbClr val="D7CFCD">
-                <a:alpha val="63000"/>
-              </a:srgbClr>
-            </a:solidFill>
-            <a:ln>
-              <a:noFill/>
-            </a:ln>
-          </p:spPr>
-          <p:style>
-            <a:lnRef idx="2">
-              <a:schemeClr val="accent1">
-                <a:shade val="50000"/>
-              </a:schemeClr>
-            </a:lnRef>
-            <a:fillRef idx="1">
-              <a:schemeClr val="accent1"/>
-            </a:fillRef>
-            <a:effectRef idx="0">
-              <a:schemeClr val="accent1"/>
-            </a:effectRef>
-            <a:fontRef idx="minor">
-              <a:schemeClr val="lt1"/>
-            </a:fontRef>
-          </p:style>
-          <p:txBody>
-            <a:bodyPr rtlCol="0" anchor="ctr"/>
-            <a:lstStyle/>
-            <a:p>
-              <a:pPr algn="ctr"/>
-              <a:endParaRPr lang="zh-CN" altLang="en-US">
-                <a:cs typeface="+mn-ea"/>
-                <a:sym typeface="+mn-lt"/>
-              </a:endParaRPr>
-            </a:p>
-          </p:txBody>
-        </p:sp>
-        <p:sp>
-          <p:nvSpPr>
-            <p:cNvPr id="10" name="平行四边形 2"/>
-            <p:cNvSpPr/>
-            <p:nvPr/>
-          </p:nvSpPr>
-          <p:spPr>
-            <a:xfrm>
-              <a:off x="-3366" y="0"/>
-              <a:ext cx="3248371" cy="747132"/>
-            </a:xfrm>
-            <a:custGeom>
-              <a:avLst/>
-              <a:gdLst>
-                <a:gd name="connsiteX0" fmla="*/ 0 w 5742878"/>
-                <a:gd name="connsiteY0" fmla="*/ 747132 h 747132"/>
-                <a:gd name="connsiteX1" fmla="*/ 186783 w 5742878"/>
-                <a:gd name="connsiteY1" fmla="*/ 0 h 747132"/>
-                <a:gd name="connsiteX2" fmla="*/ 5742878 w 5742878"/>
-                <a:gd name="connsiteY2" fmla="*/ 0 h 747132"/>
-                <a:gd name="connsiteX3" fmla="*/ 5556095 w 5742878"/>
-                <a:gd name="connsiteY3" fmla="*/ 747132 h 747132"/>
-                <a:gd name="connsiteX4" fmla="*/ 0 w 5742878"/>
-                <a:gd name="connsiteY4" fmla="*/ 747132 h 747132"/>
-                <a:gd name="connsiteX0-1" fmla="*/ 0 w 5742878"/>
-                <a:gd name="connsiteY0-2" fmla="*/ 747132 h 747132"/>
-                <a:gd name="connsiteX1-3" fmla="*/ 8363 w 5742878"/>
-                <a:gd name="connsiteY1-4" fmla="*/ 0 h 747132"/>
-                <a:gd name="connsiteX2-5" fmla="*/ 5742878 w 5742878"/>
-                <a:gd name="connsiteY2-6" fmla="*/ 0 h 747132"/>
-                <a:gd name="connsiteX3-7" fmla="*/ 5556095 w 5742878"/>
-                <a:gd name="connsiteY3-8" fmla="*/ 747132 h 747132"/>
-                <a:gd name="connsiteX4-9" fmla="*/ 0 w 5742878"/>
-                <a:gd name="connsiteY4-10" fmla="*/ 747132 h 747132"/>
-                <a:gd name="connsiteX0-11" fmla="*/ 14213 w 5757091"/>
-                <a:gd name="connsiteY0-12" fmla="*/ 747132 h 747132"/>
-                <a:gd name="connsiteX1-13" fmla="*/ 273 w 5757091"/>
-                <a:gd name="connsiteY1-14" fmla="*/ 33454 h 747132"/>
-                <a:gd name="connsiteX2-15" fmla="*/ 5757091 w 5757091"/>
-                <a:gd name="connsiteY2-16" fmla="*/ 0 h 747132"/>
-                <a:gd name="connsiteX3-17" fmla="*/ 5570308 w 5757091"/>
-                <a:gd name="connsiteY3-18" fmla="*/ 747132 h 747132"/>
-                <a:gd name="connsiteX4-19" fmla="*/ 14213 w 5757091"/>
-                <a:gd name="connsiteY4-20" fmla="*/ 747132 h 747132"/>
-                <a:gd name="connsiteX0-21" fmla="*/ 3366 w 5746244"/>
-                <a:gd name="connsiteY0-22" fmla="*/ 747132 h 747132"/>
-                <a:gd name="connsiteX1-23" fmla="*/ 578 w 5746244"/>
-                <a:gd name="connsiteY1-24" fmla="*/ 1 h 747132"/>
-                <a:gd name="connsiteX2-25" fmla="*/ 5746244 w 5746244"/>
-                <a:gd name="connsiteY2-26" fmla="*/ 0 h 747132"/>
-                <a:gd name="connsiteX3-27" fmla="*/ 5559461 w 5746244"/>
-                <a:gd name="connsiteY3-28" fmla="*/ 747132 h 747132"/>
-                <a:gd name="connsiteX4-29" fmla="*/ 3366 w 5746244"/>
-                <a:gd name="connsiteY4-30" fmla="*/ 747132 h 747132"/>
-              </a:gdLst>
-              <a:ahLst/>
-              <a:cxnLst>
-                <a:cxn ang="0">
-                  <a:pos x="connsiteX0-1" y="connsiteY0-2"/>
-                </a:cxn>
-                <a:cxn ang="0">
-                  <a:pos x="connsiteX1-3" y="connsiteY1-4"/>
-                </a:cxn>
-                <a:cxn ang="0">
-                  <a:pos x="connsiteX2-5" y="connsiteY2-6"/>
-                </a:cxn>
-                <a:cxn ang="0">
-                  <a:pos x="connsiteX3-7" y="connsiteY3-8"/>
-                </a:cxn>
-                <a:cxn ang="0">
-                  <a:pos x="connsiteX4-9" y="connsiteY4-10"/>
-                </a:cxn>
-              </a:cxnLst>
-              <a:rect l="l" t="t" r="r" b="b"/>
-              <a:pathLst>
-                <a:path w="5746244" h="747132">
-                  <a:moveTo>
-                    <a:pt x="3366" y="747132"/>
-                  </a:moveTo>
-                  <a:cubicBezTo>
-                    <a:pt x="6154" y="498088"/>
-                    <a:pt x="-2210" y="249045"/>
-                    <a:pt x="578" y="1"/>
-                  </a:cubicBezTo>
-                  <a:lnTo>
-                    <a:pt x="5746244" y="0"/>
-                  </a:lnTo>
-                  <a:lnTo>
-                    <a:pt x="5559461" y="747132"/>
-                  </a:lnTo>
-                  <a:lnTo>
-                    <a:pt x="3366" y="747132"/>
-                  </a:lnTo>
-                  <a:close/>
-                </a:path>
-              </a:pathLst>
-            </a:custGeom>
-            <a:solidFill>
-              <a:srgbClr val="9D9AAB">
-                <a:alpha val="64000"/>
-              </a:srgbClr>
-            </a:solidFill>
-            <a:ln>
-              <a:noFill/>
-            </a:ln>
-          </p:spPr>
-          <p:style>
-            <a:lnRef idx="2">
-              <a:schemeClr val="accent1">
-                <a:shade val="50000"/>
-              </a:schemeClr>
-            </a:lnRef>
-            <a:fillRef idx="1">
-              <a:schemeClr val="accent1"/>
-            </a:fillRef>
-            <a:effectRef idx="0">
-              <a:schemeClr val="accent1"/>
-            </a:effectRef>
-            <a:fontRef idx="minor">
-              <a:schemeClr val="lt1"/>
-            </a:fontRef>
-          </p:style>
-          <p:txBody>
-            <a:bodyPr rtlCol="0" anchor="ctr"/>
-            <a:lstStyle/>
-            <a:p>
-              <a:pPr algn="ctr"/>
-              <a:endParaRPr lang="zh-CN" altLang="en-US">
-                <a:cs typeface="+mn-ea"/>
-                <a:sym typeface="+mn-lt"/>
-              </a:endParaRPr>
-            </a:p>
-          </p:txBody>
-        </p:sp>
-        <p:grpSp>
-          <p:nvGrpSpPr>
-            <p:cNvPr id="11" name="组合 10"/>
-            <p:cNvGrpSpPr/>
-            <p:nvPr/>
-          </p:nvGrpSpPr>
-          <p:grpSpPr>
-            <a:xfrm>
-              <a:off x="223081" y="92220"/>
-              <a:ext cx="2715808" cy="599156"/>
-              <a:chOff x="234232" y="124119"/>
-              <a:chExt cx="2715808" cy="599156"/>
-            </a:xfrm>
-          </p:grpSpPr>
-          <p:sp>
-            <p:nvSpPr>
-              <p:cNvPr id="15" name="文本框 14"/>
-              <p:cNvSpPr txBox="1"/>
-              <p:nvPr/>
-            </p:nvSpPr>
-            <p:spPr>
-              <a:xfrm>
-                <a:off x="234232" y="124119"/>
-                <a:ext cx="2339102" cy="461665"/>
-              </a:xfrm>
-              <a:prstGeom prst="rect">
-                <a:avLst/>
-              </a:prstGeom>
-              <a:noFill/>
-            </p:spPr>
-            <p:txBody>
-              <a:bodyPr wrap="none" rtlCol="0">
-                <a:spAutoFit/>
-              </a:bodyPr>
-              <a:lstStyle/>
-              <a:p>
-                <a:r>
-                  <a:rPr lang="zh-CN" altLang="en-US" sz="2400" b="1" dirty="0">
-                    <a:solidFill>
-                      <a:schemeClr val="bg1"/>
-                    </a:solidFill>
-                    <a:cs typeface="+mn-ea"/>
-                    <a:sym typeface="+mn-lt"/>
-                  </a:rPr>
-                  <a:t>选题背景与意义</a:t>
-                </a:r>
-              </a:p>
-            </p:txBody>
-          </p:sp>
-          <p:sp>
-            <p:nvSpPr>
-              <p:cNvPr id="16" name="文本框 15"/>
-              <p:cNvSpPr txBox="1"/>
-              <p:nvPr/>
-            </p:nvSpPr>
-            <p:spPr>
-              <a:xfrm>
-                <a:off x="234232" y="461665"/>
-                <a:ext cx="2715808" cy="261610"/>
-              </a:xfrm>
-              <a:prstGeom prst="rect">
-                <a:avLst/>
-              </a:prstGeom>
-              <a:noFill/>
-            </p:spPr>
-            <p:txBody>
-              <a:bodyPr wrap="none" rtlCol="0">
-                <a:spAutoFit/>
-              </a:bodyPr>
-              <a:lstStyle/>
-              <a:p>
-                <a:r>
-                  <a:rPr lang="en-US" altLang="zh-CN" sz="1100" dirty="0">
-                    <a:solidFill>
-                      <a:schemeClr val="bg1"/>
-                    </a:solidFill>
-                    <a:cs typeface="+mn-ea"/>
-                    <a:sym typeface="+mn-lt"/>
-                  </a:rPr>
-                  <a:t>Background and significance of the topic</a:t>
-                </a:r>
-                <a:endParaRPr lang="zh-CN" altLang="en-US" sz="1100" dirty="0">
-                  <a:solidFill>
-                    <a:schemeClr val="bg1"/>
-                  </a:solidFill>
-                  <a:cs typeface="+mn-ea"/>
-                  <a:sym typeface="+mn-lt"/>
-                </a:endParaRPr>
-              </a:p>
-            </p:txBody>
-          </p:sp>
-        </p:grpSp>
-      </p:grpSp>
-      <p:grpSp>
-        <p:nvGrpSpPr>
-          <p:cNvPr id="20" name="组合 19"/>
-          <p:cNvGrpSpPr/>
-          <p:nvPr/>
-        </p:nvGrpSpPr>
-        <p:grpSpPr>
-          <a:xfrm>
-            <a:off x="5488781" y="1850947"/>
-            <a:ext cx="6038848" cy="1569660"/>
-            <a:chOff x="5534255" y="1469947"/>
-            <a:chExt cx="6038848" cy="1569660"/>
-          </a:xfrm>
-        </p:grpSpPr>
-        <p:sp>
-          <p:nvSpPr>
-            <p:cNvPr id="18" name="矩形: 圆角 17"/>
-            <p:cNvSpPr/>
-            <p:nvPr/>
-          </p:nvSpPr>
-          <p:spPr>
-            <a:xfrm>
-              <a:off x="5534255" y="1546147"/>
-              <a:ext cx="485775" cy="485775"/>
-            </a:xfrm>
-            <a:prstGeom prst="roundRect">
-              <a:avLst/>
-            </a:prstGeom>
-            <a:solidFill>
-              <a:srgbClr val="948C89"/>
-            </a:solidFill>
-            <a:ln>
-              <a:noFill/>
-            </a:ln>
-          </p:spPr>
-          <p:style>
-            <a:lnRef idx="2">
-              <a:schemeClr val="accent1">
-                <a:shade val="50000"/>
-              </a:schemeClr>
-            </a:lnRef>
-            <a:fillRef idx="1">
-              <a:schemeClr val="accent1"/>
-            </a:fillRef>
-            <a:effectRef idx="0">
-              <a:schemeClr val="accent1"/>
-            </a:effectRef>
-            <a:fontRef idx="minor">
-              <a:schemeClr val="lt1"/>
-            </a:fontRef>
-          </p:style>
-          <p:txBody>
-            <a:bodyPr rtlCol="0" anchor="ctr"/>
-            <a:lstStyle/>
-            <a:p>
-              <a:pPr algn="ctr"/>
-              <a:endParaRPr lang="zh-CN" altLang="en-US" dirty="0">
-                <a:cs typeface="+mn-ea"/>
-                <a:sym typeface="+mn-lt"/>
-              </a:endParaRPr>
-            </a:p>
-          </p:txBody>
-        </p:sp>
-        <p:sp>
-          <p:nvSpPr>
-            <p:cNvPr id="19" name="文本框 18"/>
-            <p:cNvSpPr txBox="1"/>
-            <p:nvPr/>
-          </p:nvSpPr>
-          <p:spPr>
-            <a:xfrm>
-              <a:off x="6096000" y="1469947"/>
-              <a:ext cx="5477103" cy="1569660"/>
-            </a:xfrm>
-            <a:prstGeom prst="rect">
-              <a:avLst/>
-            </a:prstGeom>
-            <a:noFill/>
-          </p:spPr>
-          <p:txBody>
-            <a:bodyPr wrap="square" rtlCol="0">
-              <a:spAutoFit/>
-            </a:bodyPr>
-            <a:lstStyle/>
-            <a:p>
-              <a:r>
-                <a:rPr lang="zh-CN" altLang="en-US" sz="1200" dirty="0">
-                  <a:solidFill>
-                    <a:schemeClr val="bg2">
-                      <a:lumMod val="50000"/>
-                    </a:schemeClr>
-                  </a:solidFill>
-                  <a:cs typeface="+mn-ea"/>
-                  <a:sym typeface="+mn-lt"/>
-                </a:rPr>
-                <a:t>您的内容打在这里，或者通过复制您的文本并悬着只保留文本。您的内容打在这里，或者通过复制您的文本并悬着只保留文本。您的内容打在这里，或者通过复制您的文本并悬着只保留文本。您的内容打在这里，或者通过复制您的文本并悬着只保留文本。</a:t>
-              </a:r>
-            </a:p>
-            <a:p>
-              <a:endParaRPr lang="zh-CN" altLang="en-US" sz="1200" dirty="0">
-                <a:solidFill>
-                  <a:schemeClr val="bg2">
-                    <a:lumMod val="50000"/>
-                  </a:schemeClr>
-                </a:solidFill>
-                <a:cs typeface="+mn-ea"/>
-                <a:sym typeface="+mn-lt"/>
-              </a:endParaRPr>
-            </a:p>
-            <a:p>
-              <a:endParaRPr lang="zh-CN" altLang="en-US" sz="1200" dirty="0">
-                <a:solidFill>
-                  <a:schemeClr val="bg2">
-                    <a:lumMod val="50000"/>
-                  </a:schemeClr>
-                </a:solidFill>
-                <a:cs typeface="+mn-ea"/>
-                <a:sym typeface="+mn-lt"/>
-              </a:endParaRPr>
-            </a:p>
-            <a:p>
-              <a:endParaRPr lang="zh-CN" altLang="en-US" sz="1200" dirty="0">
-                <a:solidFill>
-                  <a:schemeClr val="bg2">
-                    <a:lumMod val="50000"/>
-                  </a:schemeClr>
-                </a:solidFill>
-                <a:cs typeface="+mn-ea"/>
-                <a:sym typeface="+mn-lt"/>
-              </a:endParaRPr>
-            </a:p>
-            <a:p>
-              <a:endParaRPr lang="zh-CN" altLang="en-US" sz="1200" dirty="0">
-                <a:solidFill>
-                  <a:schemeClr val="bg2">
-                    <a:lumMod val="50000"/>
-                  </a:schemeClr>
-                </a:solidFill>
-                <a:cs typeface="+mn-ea"/>
-                <a:sym typeface="+mn-lt"/>
-              </a:endParaRPr>
-            </a:p>
-          </p:txBody>
-        </p:sp>
-      </p:grpSp>
-      <p:grpSp>
-        <p:nvGrpSpPr>
-          <p:cNvPr id="21" name="组合 20"/>
-          <p:cNvGrpSpPr/>
-          <p:nvPr/>
-        </p:nvGrpSpPr>
-        <p:grpSpPr>
-          <a:xfrm>
-            <a:off x="5488781" y="3260647"/>
-            <a:ext cx="6038848" cy="1569660"/>
-            <a:chOff x="5534255" y="1469947"/>
-            <a:chExt cx="6038848" cy="1569660"/>
-          </a:xfrm>
-        </p:grpSpPr>
-        <p:sp>
-          <p:nvSpPr>
-            <p:cNvPr id="22" name="矩形: 圆角 21"/>
-            <p:cNvSpPr/>
-            <p:nvPr/>
-          </p:nvSpPr>
-          <p:spPr>
-            <a:xfrm>
-              <a:off x="5534255" y="1546147"/>
-              <a:ext cx="485775" cy="485775"/>
-            </a:xfrm>
-            <a:prstGeom prst="roundRect">
-              <a:avLst/>
-            </a:prstGeom>
-            <a:solidFill>
-              <a:srgbClr val="9D9AAB"/>
-            </a:solidFill>
-            <a:ln>
-              <a:noFill/>
-            </a:ln>
-          </p:spPr>
-          <p:style>
-            <a:lnRef idx="2">
-              <a:schemeClr val="accent1">
-                <a:shade val="50000"/>
-              </a:schemeClr>
-            </a:lnRef>
-            <a:fillRef idx="1">
-              <a:schemeClr val="accent1"/>
-            </a:fillRef>
-            <a:effectRef idx="0">
-              <a:schemeClr val="accent1"/>
-            </a:effectRef>
-            <a:fontRef idx="minor">
-              <a:schemeClr val="lt1"/>
-            </a:fontRef>
-          </p:style>
-          <p:txBody>
-            <a:bodyPr rtlCol="0" anchor="ctr"/>
-            <a:lstStyle/>
-            <a:p>
-              <a:pPr algn="ctr"/>
-              <a:endParaRPr lang="zh-CN" altLang="en-US" dirty="0">
-                <a:cs typeface="+mn-ea"/>
-                <a:sym typeface="+mn-lt"/>
-              </a:endParaRPr>
-            </a:p>
-          </p:txBody>
-        </p:sp>
-        <p:sp>
-          <p:nvSpPr>
-            <p:cNvPr id="23" name="文本框 22"/>
-            <p:cNvSpPr txBox="1"/>
-            <p:nvPr/>
-          </p:nvSpPr>
-          <p:spPr>
-            <a:xfrm>
-              <a:off x="6096000" y="1469947"/>
-              <a:ext cx="5477103" cy="1569660"/>
-            </a:xfrm>
-            <a:prstGeom prst="rect">
-              <a:avLst/>
-            </a:prstGeom>
-            <a:noFill/>
-          </p:spPr>
-          <p:txBody>
-            <a:bodyPr wrap="square" rtlCol="0">
-              <a:spAutoFit/>
-            </a:bodyPr>
-            <a:lstStyle/>
-            <a:p>
-              <a:r>
-                <a:rPr lang="zh-CN" altLang="en-US" sz="1200" dirty="0">
-                  <a:solidFill>
-                    <a:schemeClr val="bg2">
-                      <a:lumMod val="50000"/>
-                    </a:schemeClr>
-                  </a:solidFill>
-                  <a:cs typeface="+mn-ea"/>
-                  <a:sym typeface="+mn-lt"/>
-                </a:rPr>
-                <a:t>您的内容打在这里，或者通过复制您的文本并悬着只保留文本。您的内容打在这里，或者通过复制您的文本并悬着只保留文本。您的内容打在这里，或者通过复制您的文本并悬着只保留文本。您的内容打在这里，或者通过复制您的文本并悬着只保留文本。</a:t>
-              </a:r>
-            </a:p>
-            <a:p>
-              <a:endParaRPr lang="zh-CN" altLang="en-US" sz="1200" dirty="0">
-                <a:solidFill>
-                  <a:schemeClr val="bg2">
-                    <a:lumMod val="50000"/>
-                  </a:schemeClr>
-                </a:solidFill>
-                <a:cs typeface="+mn-ea"/>
-                <a:sym typeface="+mn-lt"/>
-              </a:endParaRPr>
-            </a:p>
-            <a:p>
-              <a:endParaRPr lang="zh-CN" altLang="en-US" sz="1200" dirty="0">
-                <a:solidFill>
-                  <a:schemeClr val="bg2">
-                    <a:lumMod val="50000"/>
-                  </a:schemeClr>
-                </a:solidFill>
-                <a:cs typeface="+mn-ea"/>
-                <a:sym typeface="+mn-lt"/>
-              </a:endParaRPr>
-            </a:p>
-            <a:p>
-              <a:endParaRPr lang="zh-CN" altLang="en-US" sz="1200" dirty="0">
-                <a:solidFill>
-                  <a:schemeClr val="bg2">
-                    <a:lumMod val="50000"/>
-                  </a:schemeClr>
-                </a:solidFill>
-                <a:cs typeface="+mn-ea"/>
-                <a:sym typeface="+mn-lt"/>
-              </a:endParaRPr>
-            </a:p>
-            <a:p>
-              <a:endParaRPr lang="zh-CN" altLang="en-US" sz="1200" dirty="0">
-                <a:solidFill>
-                  <a:schemeClr val="bg2">
-                    <a:lumMod val="50000"/>
-                  </a:schemeClr>
-                </a:solidFill>
-                <a:cs typeface="+mn-ea"/>
-                <a:sym typeface="+mn-lt"/>
-              </a:endParaRPr>
-            </a:p>
-          </p:txBody>
-        </p:sp>
-      </p:grpSp>
-      <p:grpSp>
-        <p:nvGrpSpPr>
-          <p:cNvPr id="24" name="组合 23"/>
-          <p:cNvGrpSpPr/>
-          <p:nvPr/>
-        </p:nvGrpSpPr>
-        <p:grpSpPr>
-          <a:xfrm>
-            <a:off x="5488781" y="4670347"/>
-            <a:ext cx="6038848" cy="1569660"/>
-            <a:chOff x="5534255" y="1469947"/>
-            <a:chExt cx="6038848" cy="1569660"/>
-          </a:xfrm>
-        </p:grpSpPr>
-        <p:sp>
-          <p:nvSpPr>
-            <p:cNvPr id="25" name="矩形: 圆角 24"/>
-            <p:cNvSpPr/>
-            <p:nvPr/>
-          </p:nvSpPr>
-          <p:spPr>
-            <a:xfrm>
-              <a:off x="5534255" y="1546147"/>
-              <a:ext cx="485775" cy="485775"/>
-            </a:xfrm>
-            <a:prstGeom prst="roundRect">
-              <a:avLst/>
-            </a:prstGeom>
-            <a:solidFill>
-              <a:srgbClr val="D7CFCD"/>
-            </a:solidFill>
-            <a:ln>
-              <a:noFill/>
-            </a:ln>
-          </p:spPr>
-          <p:style>
-            <a:lnRef idx="2">
-              <a:schemeClr val="accent1">
-                <a:shade val="50000"/>
-              </a:schemeClr>
-            </a:lnRef>
-            <a:fillRef idx="1">
-              <a:schemeClr val="accent1"/>
-            </a:fillRef>
-            <a:effectRef idx="0">
-              <a:schemeClr val="accent1"/>
-            </a:effectRef>
-            <a:fontRef idx="minor">
-              <a:schemeClr val="lt1"/>
-            </a:fontRef>
-          </p:style>
-          <p:txBody>
-            <a:bodyPr rtlCol="0" anchor="ctr"/>
-            <a:lstStyle/>
-            <a:p>
-              <a:pPr algn="ctr"/>
-              <a:endParaRPr lang="zh-CN" altLang="en-US" dirty="0">
-                <a:cs typeface="+mn-ea"/>
-                <a:sym typeface="+mn-lt"/>
-              </a:endParaRPr>
-            </a:p>
-          </p:txBody>
-        </p:sp>
-        <p:sp>
-          <p:nvSpPr>
-            <p:cNvPr id="26" name="文本框 25"/>
-            <p:cNvSpPr txBox="1"/>
-            <p:nvPr/>
-          </p:nvSpPr>
-          <p:spPr>
-            <a:xfrm>
-              <a:off x="6096000" y="1469947"/>
-              <a:ext cx="5477103" cy="1569660"/>
-            </a:xfrm>
-            <a:prstGeom prst="rect">
-              <a:avLst/>
-            </a:prstGeom>
-            <a:noFill/>
-          </p:spPr>
-          <p:txBody>
-            <a:bodyPr wrap="square" rtlCol="0">
-              <a:spAutoFit/>
-            </a:bodyPr>
-            <a:lstStyle/>
-            <a:p>
-              <a:r>
-                <a:rPr lang="zh-CN" altLang="en-US" sz="1200" dirty="0">
-                  <a:solidFill>
-                    <a:schemeClr val="bg2">
-                      <a:lumMod val="50000"/>
-                    </a:schemeClr>
-                  </a:solidFill>
-                  <a:cs typeface="+mn-ea"/>
-                  <a:sym typeface="+mn-lt"/>
-                </a:rPr>
-                <a:t>您的内容打在这里，或者通过复制您的文本并悬着只保留文本。您的内容打在这里，或者通过复制您的文本并悬着只保留文本。您的内容打在这里，或者通过复制您的文本并悬着只保留文本。您的内容打在这里，或者通过复制您的文本并悬着只保留文本。</a:t>
-              </a:r>
-            </a:p>
-            <a:p>
-              <a:endParaRPr lang="zh-CN" altLang="en-US" sz="1200" dirty="0">
-                <a:solidFill>
-                  <a:schemeClr val="bg2">
-                    <a:lumMod val="50000"/>
-                  </a:schemeClr>
-                </a:solidFill>
-                <a:cs typeface="+mn-ea"/>
-                <a:sym typeface="+mn-lt"/>
-              </a:endParaRPr>
-            </a:p>
-            <a:p>
-              <a:endParaRPr lang="zh-CN" altLang="en-US" sz="1200" dirty="0">
-                <a:solidFill>
-                  <a:schemeClr val="bg2">
-                    <a:lumMod val="50000"/>
-                  </a:schemeClr>
-                </a:solidFill>
-                <a:cs typeface="+mn-ea"/>
-                <a:sym typeface="+mn-lt"/>
-              </a:endParaRPr>
-            </a:p>
-            <a:p>
-              <a:endParaRPr lang="zh-CN" altLang="en-US" sz="1200" dirty="0">
-                <a:solidFill>
-                  <a:schemeClr val="bg2">
-                    <a:lumMod val="50000"/>
-                  </a:schemeClr>
-                </a:solidFill>
-                <a:cs typeface="+mn-ea"/>
-                <a:sym typeface="+mn-lt"/>
-              </a:endParaRPr>
-            </a:p>
-            <a:p>
-              <a:endParaRPr lang="zh-CN" altLang="en-US" sz="1200" dirty="0">
-                <a:solidFill>
-                  <a:schemeClr val="bg2">
-                    <a:lumMod val="50000"/>
-                  </a:schemeClr>
-                </a:solidFill>
-                <a:cs typeface="+mn-ea"/>
-                <a:sym typeface="+mn-lt"/>
-              </a:endParaRPr>
-            </a:p>
-          </p:txBody>
-        </p:sp>
-      </p:grpSp>
-      <p:grpSp>
-        <p:nvGrpSpPr>
-          <p:cNvPr id="27" name="组合 26"/>
-          <p:cNvGrpSpPr/>
-          <p:nvPr/>
-        </p:nvGrpSpPr>
-        <p:grpSpPr>
-          <a:xfrm>
-            <a:off x="-217207" y="-1043534"/>
-            <a:ext cx="7210843" cy="7800527"/>
-            <a:chOff x="-224465" y="-674213"/>
-            <a:chExt cx="7210843" cy="7800527"/>
-          </a:xfrm>
-        </p:grpSpPr>
-        <p:sp>
-          <p:nvSpPr>
-            <p:cNvPr id="28" name="椭圆 27"/>
-            <p:cNvSpPr/>
-            <p:nvPr/>
-          </p:nvSpPr>
-          <p:spPr>
-            <a:xfrm>
-              <a:off x="159129" y="2008283"/>
-              <a:ext cx="1639229" cy="1639229"/>
-            </a:xfrm>
-            <a:prstGeom prst="ellipse">
-              <a:avLst/>
-            </a:prstGeom>
-            <a:solidFill>
-              <a:srgbClr val="D7CFCD">
-                <a:alpha val="0"/>
-              </a:srgbClr>
-            </a:solidFill>
-            <a:ln>
-              <a:noFill/>
-            </a:ln>
-          </p:spPr>
-          <p:style>
-            <a:lnRef idx="2">
-              <a:schemeClr val="accent1">
-                <a:shade val="50000"/>
-              </a:schemeClr>
-            </a:lnRef>
-            <a:fillRef idx="1">
-              <a:schemeClr val="accent1"/>
-            </a:fillRef>
-            <a:effectRef idx="0">
-              <a:schemeClr val="accent1"/>
-            </a:effectRef>
-            <a:fontRef idx="minor">
-              <a:schemeClr val="lt1"/>
-            </a:fontRef>
-          </p:style>
-          <p:txBody>
-            <a:bodyPr rtlCol="0" anchor="ctr"/>
-            <a:lstStyle/>
-            <a:p>
-              <a:pPr algn="ctr"/>
-              <a:endParaRPr lang="zh-CN" altLang="en-US">
-                <a:cs typeface="+mn-ea"/>
-                <a:sym typeface="+mn-lt"/>
-              </a:endParaRPr>
-            </a:p>
-          </p:txBody>
-        </p:sp>
-        <p:sp>
-          <p:nvSpPr>
-            <p:cNvPr id="29" name="椭圆 28"/>
-            <p:cNvSpPr/>
-            <p:nvPr/>
-          </p:nvSpPr>
-          <p:spPr>
-            <a:xfrm>
-              <a:off x="3728456" y="2479152"/>
-              <a:ext cx="3146411" cy="3146411"/>
-            </a:xfrm>
-            <a:prstGeom prst="ellipse">
-              <a:avLst/>
-            </a:prstGeom>
-            <a:solidFill>
-              <a:srgbClr val="D7CFCD">
-                <a:alpha val="11000"/>
-              </a:srgbClr>
-            </a:solidFill>
-            <a:ln>
-              <a:noFill/>
-            </a:ln>
-          </p:spPr>
-          <p:style>
-            <a:lnRef idx="2">
-              <a:schemeClr val="accent1">
-                <a:shade val="50000"/>
-              </a:schemeClr>
-            </a:lnRef>
-            <a:fillRef idx="1">
-              <a:schemeClr val="accent1"/>
-            </a:fillRef>
-            <a:effectRef idx="0">
-              <a:schemeClr val="accent1"/>
-            </a:effectRef>
-            <a:fontRef idx="minor">
-              <a:schemeClr val="lt1"/>
-            </a:fontRef>
-          </p:style>
-          <p:txBody>
-            <a:bodyPr rtlCol="0" anchor="ctr"/>
-            <a:lstStyle/>
-            <a:p>
-              <a:pPr algn="ctr"/>
-              <a:endParaRPr lang="zh-CN" altLang="en-US" dirty="0">
-                <a:cs typeface="+mn-ea"/>
-                <a:sym typeface="+mn-lt"/>
-              </a:endParaRPr>
-            </a:p>
-          </p:txBody>
-        </p:sp>
-        <p:sp>
-          <p:nvSpPr>
-            <p:cNvPr id="30" name="椭圆 29"/>
-            <p:cNvSpPr/>
-            <p:nvPr/>
-          </p:nvSpPr>
-          <p:spPr>
-            <a:xfrm>
-              <a:off x="5347149" y="-674213"/>
-              <a:ext cx="1639229" cy="1639229"/>
-            </a:xfrm>
-            <a:prstGeom prst="ellipse">
-              <a:avLst/>
-            </a:prstGeom>
-            <a:solidFill>
-              <a:srgbClr val="D7CFCD">
-                <a:alpha val="19000"/>
-              </a:srgbClr>
-            </a:solidFill>
-            <a:ln>
-              <a:noFill/>
-            </a:ln>
-          </p:spPr>
-          <p:style>
-            <a:lnRef idx="2">
-              <a:schemeClr val="accent1">
-                <a:shade val="50000"/>
-              </a:schemeClr>
-            </a:lnRef>
-            <a:fillRef idx="1">
-              <a:schemeClr val="accent1"/>
-            </a:fillRef>
-            <a:effectRef idx="0">
-              <a:schemeClr val="accent1"/>
-            </a:effectRef>
-            <a:fontRef idx="minor">
-              <a:schemeClr val="lt1"/>
-            </a:fontRef>
-          </p:style>
-          <p:txBody>
-            <a:bodyPr rtlCol="0" anchor="ctr"/>
-            <a:lstStyle/>
-            <a:p>
-              <a:pPr algn="ctr"/>
-              <a:endParaRPr lang="zh-CN" altLang="en-US">
-                <a:cs typeface="+mn-ea"/>
-                <a:sym typeface="+mn-lt"/>
-              </a:endParaRPr>
-            </a:p>
-          </p:txBody>
-        </p:sp>
-        <p:sp>
-          <p:nvSpPr>
-            <p:cNvPr id="31" name="椭圆 30"/>
-            <p:cNvSpPr/>
-            <p:nvPr/>
-          </p:nvSpPr>
-          <p:spPr>
-            <a:xfrm>
-              <a:off x="-224465" y="6434241"/>
-              <a:ext cx="692073" cy="692073"/>
-            </a:xfrm>
-            <a:prstGeom prst="ellipse">
-              <a:avLst/>
-            </a:prstGeom>
-            <a:solidFill>
-              <a:srgbClr val="D7CFCD">
-                <a:alpha val="92000"/>
-              </a:srgbClr>
-            </a:solidFill>
-            <a:ln>
-              <a:noFill/>
-            </a:ln>
-          </p:spPr>
-          <p:style>
-            <a:lnRef idx="2">
-              <a:schemeClr val="accent1">
-                <a:shade val="50000"/>
-              </a:schemeClr>
-            </a:lnRef>
-            <a:fillRef idx="1">
-              <a:schemeClr val="accent1"/>
-            </a:fillRef>
-            <a:effectRef idx="0">
-              <a:schemeClr val="accent1"/>
-            </a:effectRef>
-            <a:fontRef idx="minor">
-              <a:schemeClr val="lt1"/>
-            </a:fontRef>
-          </p:style>
-          <p:txBody>
-            <a:bodyPr rtlCol="0" anchor="ctr"/>
-            <a:lstStyle/>
-            <a:p>
-              <a:pPr algn="ctr"/>
-              <a:endParaRPr lang="zh-CN" altLang="en-US" dirty="0">
-                <a:cs typeface="+mn-ea"/>
-                <a:sym typeface="+mn-lt"/>
-              </a:endParaRPr>
-            </a:p>
-          </p:txBody>
-        </p:sp>
-      </p:grpSp>
-      <p:pic>
-        <p:nvPicPr>
-          <p:cNvPr id="3" name="图片 2"/>
-          <p:cNvPicPr>
-            <a:picLocks noChangeAspect="1"/>
-          </p:cNvPicPr>
-          <p:nvPr/>
-        </p:nvPicPr>
-        <p:blipFill>
-          <a:blip r:embed="rId2">
-            <a:biLevel thresh="25000"/>
-            <a:extLst>
-              <a:ext uri="{28A0092B-C50C-407E-A947-70E740481C1C}">
-                <a14:useLocalDpi xmlns:a14="http://schemas.microsoft.com/office/drawing/2010/main" val="0"/>
-              </a:ext>
-            </a:extLst>
-          </a:blip>
-          <a:stretch>
-            <a:fillRect/>
-          </a:stretch>
-        </p:blipFill>
-        <p:spPr>
-          <a:xfrm>
-            <a:off x="3303339" y="3024835"/>
-            <a:ext cx="850972" cy="890861"/>
-          </a:xfrm>
-          <a:prstGeom prst="rect">
-            <a:avLst/>
-          </a:prstGeom>
-        </p:spPr>
-      </p:pic>
-      <p:pic>
-        <p:nvPicPr>
-          <p:cNvPr id="32" name="图片 31"/>
-          <p:cNvPicPr>
-            <a:picLocks noChangeAspect="1"/>
-          </p:cNvPicPr>
-          <p:nvPr/>
-        </p:nvPicPr>
-        <p:blipFill>
-          <a:blip r:embed="rId3" cstate="print">
-            <a:biLevel thresh="25000"/>
-            <a:extLst>
-              <a:ext uri="{28A0092B-C50C-407E-A947-70E740481C1C}">
-                <a14:useLocalDpi xmlns:a14="http://schemas.microsoft.com/office/drawing/2010/main" val="0"/>
-              </a:ext>
-            </a:extLst>
-          </a:blip>
-          <a:stretch>
-            <a:fillRect/>
-          </a:stretch>
-        </p:blipFill>
-        <p:spPr>
-          <a:xfrm>
-            <a:off x="5656774" y="2019300"/>
-            <a:ext cx="198242" cy="287451"/>
-          </a:xfrm>
-          <a:prstGeom prst="rect">
-            <a:avLst/>
-          </a:prstGeom>
-        </p:spPr>
-      </p:pic>
-      <p:pic>
-        <p:nvPicPr>
-          <p:cNvPr id="34" name="图片 33"/>
-          <p:cNvPicPr>
-            <a:picLocks noChangeAspect="1"/>
-          </p:cNvPicPr>
-          <p:nvPr/>
-        </p:nvPicPr>
-        <p:blipFill>
-          <a:blip r:embed="rId4" cstate="print">
-            <a:biLevel thresh="25000"/>
-            <a:extLst>
-              <a:ext uri="{28A0092B-C50C-407E-A947-70E740481C1C}">
-                <a14:useLocalDpi xmlns:a14="http://schemas.microsoft.com/office/drawing/2010/main" val="0"/>
-              </a:ext>
-            </a:extLst>
-          </a:blip>
-          <a:stretch>
-            <a:fillRect/>
-          </a:stretch>
-        </p:blipFill>
-        <p:spPr>
-          <a:xfrm>
-            <a:off x="5629220" y="4853201"/>
-            <a:ext cx="254587" cy="220846"/>
-          </a:xfrm>
-          <a:prstGeom prst="rect">
-            <a:avLst/>
-          </a:prstGeom>
-        </p:spPr>
-      </p:pic>
-      <p:pic>
-        <p:nvPicPr>
-          <p:cNvPr id="36" name="图片 35"/>
-          <p:cNvPicPr>
-            <a:picLocks noChangeAspect="1"/>
-          </p:cNvPicPr>
-          <p:nvPr/>
-        </p:nvPicPr>
-        <p:blipFill>
-          <a:blip r:embed="rId5" cstate="print">
-            <a:biLevel thresh="25000"/>
-            <a:extLst>
-              <a:ext uri="{28A0092B-C50C-407E-A947-70E740481C1C}">
-                <a14:useLocalDpi xmlns:a14="http://schemas.microsoft.com/office/drawing/2010/main" val="0"/>
-              </a:ext>
-            </a:extLst>
-          </a:blip>
-          <a:stretch>
-            <a:fillRect/>
-          </a:stretch>
-        </p:blipFill>
-        <p:spPr>
-          <a:xfrm flipV="1">
-            <a:off x="5579529" y="3470024"/>
-            <a:ext cx="304278" cy="241324"/>
-          </a:xfrm>
-          <a:prstGeom prst="rect">
-            <a:avLst/>
-          </a:prstGeom>
-        </p:spPr>
-      </p:pic>
-    </p:spTree>
   </p:cSld>
   <p:clrMapOvr>
     <a:masterClrMapping/>
